--- a/Apresentacao CWS.pptx
+++ b/Apresentacao CWS.pptx
@@ -24,8 +24,8 @@
 </file>
 
 <file path=ppt/slideLayouts/slideLayout1.xml><?xml version="1.0" encoding="utf-8"?>
-<p:sldLayout xmlns:a="http://schemas.openxmlformats.org/drawingml/2006/main" xmlns:p="http://schemas.openxmlformats.org/presentationml/2006/main" xmlns:r="http://schemas.openxmlformats.org/officeDocument/2006/relationships" xmlns:p14="http://schemas.microsoft.com/office/powerpoint/2010/main" xmlns:p15="http://schemas.microsoft.com/office/powerpoint/2012/main" xmlns:mc="http://schemas.openxmlformats.org/markup-compatibility/2006" type="titleOnly" preserve="1">
-  <p:cSld name="Somente título">
+<p:sldLayout xmlns:a="http://schemas.openxmlformats.org/drawingml/2006/main" xmlns:p="http://schemas.openxmlformats.org/presentationml/2006/main" xmlns:r="http://schemas.openxmlformats.org/officeDocument/2006/relationships" xmlns:p14="http://schemas.microsoft.com/office/powerpoint/2010/main" xmlns:p15="http://schemas.microsoft.com/office/powerpoint/2012/main" xmlns:mc="http://schemas.openxmlformats.org/markup-compatibility/2006" type="obj" preserve="1">
+  <p:cSld name="Título e conteúdo">
     <p:bg>
       <p:bgPr>
         <a:solidFill>
@@ -60,7 +60,7 @@
         <p:spPr>
           <a:xfrm>
             <a:off x="838080" y="365040"/>
-            <a:ext cx="10511640" cy="1321560"/>
+            <a:ext cx="10511280" cy="1321200"/>
           </a:xfrm>
           <a:prstGeom prst="rect">
             <a:avLst/>
@@ -113,13 +113,13 @@
             <a:spLocks noGrp="1"/>
           </p:cNvSpPr>
           <p:nvPr>
-            <p:ph type="dt" idx="1"/>
+            <p:ph type="body"/>
           </p:nvPr>
         </p:nvSpPr>
         <p:spPr>
           <a:xfrm>
-            <a:off x="838080" y="6356520"/>
-            <a:ext cx="2739240" cy="361080"/>
+            <a:off x="838080" y="1825560"/>
+            <a:ext cx="10511280" cy="4347000"/>
           </a:xfrm>
           <a:prstGeom prst="rect">
             <a:avLst/>
@@ -130,60 +130,177 @@
           </a:ln>
         </p:spPr>
         <p:txBody>
-          <a:bodyPr lIns="91440" rIns="91440" tIns="45720" bIns="45720" anchor="ctr">
+          <a:bodyPr lIns="91440" rIns="91440" tIns="45720" bIns="45720" anchor="t">
             <a:noAutofit/>
           </a:bodyPr>
-          <a:lstStyle>
-            <a:lvl1pPr indent="0" defTabSz="914400">
-              <a:lnSpc>
-                <a:spcPct val="100000"/>
-              </a:lnSpc>
-              <a:buNone/>
-              <a:tabLst>
-                <a:tab algn="l" pos="0"/>
-              </a:tabLst>
-              <a:defRPr b="0" lang="de-DE" sz="1200" strike="noStrike" u="none">
-                <a:solidFill>
-                  <a:schemeClr val="dk1">
-                    <a:tint val="82000"/>
-                  </a:schemeClr>
-                </a:solidFill>
-                <a:effectLst/>
-                <a:uFillTx/>
-                <a:latin typeface="Aptos"/>
-              </a:defRPr>
-            </a:lvl1pPr>
-          </a:lstStyle>
-          <a:p>
-            <a:pPr indent="0" defTabSz="914400">
-              <a:lnSpc>
-                <a:spcPct val="100000"/>
-              </a:lnSpc>
-              <a:buNone/>
-              <a:tabLst>
-                <a:tab algn="l" pos="0"/>
-              </a:tabLst>
-            </a:pPr>
-            <a:r>
-              <a:rPr b="0" lang="de-DE" sz="1200" strike="noStrike" u="none">
-                <a:solidFill>
-                  <a:schemeClr val="dk1">
-                    <a:tint val="82000"/>
-                  </a:schemeClr>
-                </a:solidFill>
-                <a:effectLst/>
-                <a:uFillTx/>
-                <a:latin typeface="Aptos"/>
-              </a:rPr>
-              <a:t>&lt;data/hora&gt;</a:t>
-            </a:r>
-            <a:endParaRPr b="0" lang="pt-BR" sz="1200" strike="noStrike" u="none">
-              <a:solidFill>
-                <a:srgbClr val="000000"/>
-              </a:solidFill>
-              <a:effectLst/>
-              <a:uFillTx/>
-              <a:latin typeface="Times New Roman"/>
+          <a:p>
+            <a:pPr marL="228600" indent="-228600" defTabSz="914400">
+              <a:lnSpc>
+                <a:spcPct val="90000"/>
+              </a:lnSpc>
+              <a:spcBef>
+                <a:spcPts val="1001"/>
+              </a:spcBef>
+              <a:buClr>
+                <a:srgbClr val="000000"/>
+              </a:buClr>
+              <a:buFont typeface="Arial"/>
+              <a:buChar char="•"/>
+            </a:pPr>
+            <a:r>
+              <a:rPr b="0" lang="pt-BR" sz="2800" strike="noStrike" u="none">
+                <a:solidFill>
+                  <a:schemeClr val="dk1"/>
+                </a:solidFill>
+                <a:effectLst/>
+                <a:uFillTx/>
+                <a:latin typeface="Aptos"/>
+              </a:rPr>
+              <a:t>Clique para editar o texto mestre</a:t>
+            </a:r>
+            <a:endParaRPr b="0" lang="pt-BR" sz="2800" strike="noStrike" u="none">
+              <a:solidFill>
+                <a:srgbClr val="000000"/>
+              </a:solidFill>
+              <a:effectLst/>
+              <a:uFillTx/>
+              <a:latin typeface="Arial"/>
+            </a:endParaRPr>
+          </a:p>
+          <a:p>
+            <a:pPr lvl="1" marL="685800" indent="-228600" defTabSz="914400">
+              <a:lnSpc>
+                <a:spcPct val="90000"/>
+              </a:lnSpc>
+              <a:spcBef>
+                <a:spcPts val="499"/>
+              </a:spcBef>
+              <a:buClr>
+                <a:srgbClr val="000000"/>
+              </a:buClr>
+              <a:buFont typeface="Arial"/>
+              <a:buChar char="•"/>
+            </a:pPr>
+            <a:r>
+              <a:rPr b="0" lang="pt-BR" sz="2400" strike="noStrike" u="none">
+                <a:solidFill>
+                  <a:schemeClr val="dk1"/>
+                </a:solidFill>
+                <a:effectLst/>
+                <a:uFillTx/>
+                <a:latin typeface="Aptos"/>
+              </a:rPr>
+              <a:t>Segundo nível</a:t>
+            </a:r>
+            <a:endParaRPr b="0" lang="pt-BR" sz="2400" strike="noStrike" u="none">
+              <a:solidFill>
+                <a:srgbClr val="000000"/>
+              </a:solidFill>
+              <a:effectLst/>
+              <a:uFillTx/>
+              <a:latin typeface="Arial"/>
+            </a:endParaRPr>
+          </a:p>
+          <a:p>
+            <a:pPr lvl="2" marL="1143000" indent="-228600" defTabSz="914400">
+              <a:lnSpc>
+                <a:spcPct val="90000"/>
+              </a:lnSpc>
+              <a:spcBef>
+                <a:spcPts val="499"/>
+              </a:spcBef>
+              <a:buClr>
+                <a:srgbClr val="000000"/>
+              </a:buClr>
+              <a:buFont typeface="Arial"/>
+              <a:buChar char="•"/>
+            </a:pPr>
+            <a:r>
+              <a:rPr b="0" lang="pt-BR" sz="2000" strike="noStrike" u="none">
+                <a:solidFill>
+                  <a:schemeClr val="dk1"/>
+                </a:solidFill>
+                <a:effectLst/>
+                <a:uFillTx/>
+                <a:latin typeface="Aptos"/>
+              </a:rPr>
+              <a:t>Terceiro nível</a:t>
+            </a:r>
+            <a:endParaRPr b="0" lang="pt-BR" sz="2000" strike="noStrike" u="none">
+              <a:solidFill>
+                <a:srgbClr val="000000"/>
+              </a:solidFill>
+              <a:effectLst/>
+              <a:uFillTx/>
+              <a:latin typeface="Arial"/>
+            </a:endParaRPr>
+          </a:p>
+          <a:p>
+            <a:pPr lvl="3" marL="1600200" indent="-228600" defTabSz="914400">
+              <a:lnSpc>
+                <a:spcPct val="90000"/>
+              </a:lnSpc>
+              <a:spcBef>
+                <a:spcPts val="499"/>
+              </a:spcBef>
+              <a:buClr>
+                <a:srgbClr val="000000"/>
+              </a:buClr>
+              <a:buFont typeface="Arial"/>
+              <a:buChar char="•"/>
+            </a:pPr>
+            <a:r>
+              <a:rPr b="0" lang="pt-BR" sz="1800" strike="noStrike" u="none">
+                <a:solidFill>
+                  <a:schemeClr val="dk1"/>
+                </a:solidFill>
+                <a:effectLst/>
+                <a:uFillTx/>
+                <a:latin typeface="Aptos"/>
+              </a:rPr>
+              <a:t>Quarto nível</a:t>
+            </a:r>
+            <a:endParaRPr b="0" lang="pt-BR" sz="1800" strike="noStrike" u="none">
+              <a:solidFill>
+                <a:srgbClr val="000000"/>
+              </a:solidFill>
+              <a:effectLst/>
+              <a:uFillTx/>
+              <a:latin typeface="Arial"/>
+            </a:endParaRPr>
+          </a:p>
+          <a:p>
+            <a:pPr lvl="4" marL="2057400" indent="-228600" defTabSz="914400">
+              <a:lnSpc>
+                <a:spcPct val="90000"/>
+              </a:lnSpc>
+              <a:spcBef>
+                <a:spcPts val="499"/>
+              </a:spcBef>
+              <a:buClr>
+                <a:srgbClr val="000000"/>
+              </a:buClr>
+              <a:buFont typeface="Arial"/>
+              <a:buChar char="•"/>
+            </a:pPr>
+            <a:r>
+              <a:rPr b="0" lang="pt-BR" sz="1800" strike="noStrike" u="none">
+                <a:solidFill>
+                  <a:schemeClr val="dk1"/>
+                </a:solidFill>
+                <a:effectLst/>
+                <a:uFillTx/>
+                <a:latin typeface="Aptos"/>
+              </a:rPr>
+              <a:t>Quinto nível</a:t>
+            </a:r>
+            <a:endParaRPr b="0" lang="pt-BR" sz="1800" strike="noStrike" u="none">
+              <a:solidFill>
+                <a:srgbClr val="000000"/>
+              </a:solidFill>
+              <a:effectLst/>
+              <a:uFillTx/>
+              <a:latin typeface="Arial"/>
             </a:endParaRPr>
           </a:p>
         </p:txBody>
@@ -195,13 +312,13 @@
             <a:spLocks noGrp="1"/>
           </p:cNvSpPr>
           <p:nvPr>
-            <p:ph type="ftr" idx="2"/>
+            <p:ph type="dt" idx="1"/>
           </p:nvPr>
         </p:nvSpPr>
         <p:spPr>
           <a:xfrm>
-            <a:off x="4038480" y="6356520"/>
-            <a:ext cx="4110840" cy="361080"/>
+            <a:off x="838080" y="6356520"/>
+            <a:ext cx="2738880" cy="360720"/>
           </a:xfrm>
           <a:prstGeom prst="rect">
             <a:avLst/>
@@ -216,7 +333,7 @@
             <a:noAutofit/>
           </a:bodyPr>
           <a:lstStyle>
-            <a:lvl1pPr indent="0" algn="ctr">
+            <a:lvl1pPr indent="0" defTabSz="914400">
               <a:lnSpc>
                 <a:spcPct val="100000"/>
               </a:lnSpc>
@@ -224,18 +341,20 @@
               <a:tabLst>
                 <a:tab algn="l" pos="0"/>
               </a:tabLst>
-              <a:defRPr b="0" lang="pt-BR" sz="1400" strike="noStrike" u="none">
-                <a:solidFill>
-                  <a:srgbClr val="000000"/>
-                </a:solidFill>
-                <a:effectLst/>
-                <a:uFillTx/>
-                <a:latin typeface="Times New Roman"/>
+              <a:defRPr b="0" lang="de-DE" sz="1200" strike="noStrike" u="none">
+                <a:solidFill>
+                  <a:schemeClr val="dk1">
+                    <a:tint val="82000"/>
+                  </a:schemeClr>
+                </a:solidFill>
+                <a:effectLst/>
+                <a:uFillTx/>
+                <a:latin typeface="Aptos"/>
               </a:defRPr>
             </a:lvl1pPr>
           </a:lstStyle>
           <a:p>
-            <a:pPr indent="0" algn="ctr">
+            <a:pPr indent="0" defTabSz="914400">
               <a:lnSpc>
                 <a:spcPct val="100000"/>
               </a:lnSpc>
@@ -245,17 +364,19 @@
               </a:tabLst>
             </a:pPr>
             <a:r>
-              <a:rPr b="0" lang="pt-BR" sz="1400" strike="noStrike" u="none">
-                <a:solidFill>
-                  <a:srgbClr val="000000"/>
-                </a:solidFill>
-                <a:effectLst/>
-                <a:uFillTx/>
-                <a:latin typeface="Times New Roman"/>
-              </a:rPr>
-              <a:t>&lt;rodapé&gt;</a:t>
-            </a:r>
-            <a:endParaRPr b="0" lang="pt-BR" sz="1400" strike="noStrike" u="none">
+              <a:rPr b="0" lang="de-DE" sz="1200" strike="noStrike" u="none">
+                <a:solidFill>
+                  <a:schemeClr val="dk1">
+                    <a:tint val="82000"/>
+                  </a:schemeClr>
+                </a:solidFill>
+                <a:effectLst/>
+                <a:uFillTx/>
+                <a:latin typeface="Aptos"/>
+              </a:rPr>
+              <a:t> </a:t>
+            </a:r>
+            <a:endParaRPr b="0" lang="pt-BR" sz="1200" strike="noStrike" u="none">
               <a:solidFill>
                 <a:srgbClr val="000000"/>
               </a:solidFill>
@@ -273,13 +394,91 @@
             <a:spLocks noGrp="1"/>
           </p:cNvSpPr>
           <p:nvPr>
+            <p:ph type="ftr" idx="2"/>
+          </p:nvPr>
+        </p:nvSpPr>
+        <p:spPr>
+          <a:xfrm>
+            <a:off x="4038480" y="6356520"/>
+            <a:ext cx="4110480" cy="360720"/>
+          </a:xfrm>
+          <a:prstGeom prst="rect">
+            <a:avLst/>
+          </a:prstGeom>
+          <a:noFill/>
+          <a:ln w="0">
+            <a:noFill/>
+          </a:ln>
+        </p:spPr>
+        <p:txBody>
+          <a:bodyPr lIns="91440" rIns="91440" tIns="45720" bIns="45720" anchor="ctr">
+            <a:noAutofit/>
+          </a:bodyPr>
+          <a:lstStyle>
+            <a:lvl1pPr indent="0" algn="ctr">
+              <a:lnSpc>
+                <a:spcPct val="100000"/>
+              </a:lnSpc>
+              <a:buNone/>
+              <a:tabLst>
+                <a:tab algn="l" pos="0"/>
+              </a:tabLst>
+              <a:defRPr b="0" lang="pt-BR" sz="1400" strike="noStrike" u="none">
+                <a:solidFill>
+                  <a:srgbClr val="000000"/>
+                </a:solidFill>
+                <a:effectLst/>
+                <a:uFillTx/>
+                <a:latin typeface="Times New Roman"/>
+              </a:defRPr>
+            </a:lvl1pPr>
+          </a:lstStyle>
+          <a:p>
+            <a:pPr indent="0" algn="ctr">
+              <a:lnSpc>
+                <a:spcPct val="100000"/>
+              </a:lnSpc>
+              <a:buNone/>
+              <a:tabLst>
+                <a:tab algn="l" pos="0"/>
+              </a:tabLst>
+            </a:pPr>
+            <a:r>
+              <a:rPr b="0" lang="pt-BR" sz="1400" strike="noStrike" u="none">
+                <a:solidFill>
+                  <a:srgbClr val="000000"/>
+                </a:solidFill>
+                <a:effectLst/>
+                <a:uFillTx/>
+                <a:latin typeface="Times New Roman"/>
+              </a:rPr>
+              <a:t> </a:t>
+            </a:r>
+            <a:endParaRPr b="0" lang="pt-BR" sz="1400" strike="noStrike" u="none">
+              <a:solidFill>
+                <a:srgbClr val="000000"/>
+              </a:solidFill>
+              <a:effectLst/>
+              <a:uFillTx/>
+              <a:latin typeface="Times New Roman"/>
+            </a:endParaRPr>
+          </a:p>
+        </p:txBody>
+      </p:sp>
+      <p:sp>
+        <p:nvSpPr>
+          <p:cNvPr id="4" name="PlaceHolder 5"/>
+          <p:cNvSpPr>
+            <a:spLocks noGrp="1"/>
+          </p:cNvSpPr>
+          <p:nvPr>
             <p:ph type="sldNum" idx="3"/>
           </p:nvPr>
         </p:nvSpPr>
         <p:spPr>
           <a:xfrm>
             <a:off x="8610480" y="6356520"/>
-            <a:ext cx="2739240" cy="361080"/>
+            <a:ext cx="2738880" cy="360720"/>
           </a:xfrm>
           <a:prstGeom prst="rect">
             <a:avLst/>
@@ -324,7 +523,7 @@
                 <a:tab algn="l" pos="0"/>
               </a:tabLst>
             </a:pPr>
-            <a:fld id="{4C617E63-93FD-4405-B9A2-4450532486B2}" type="slidenum">
+            <a:fld id="{4DED2840-D636-43E9-8E52-52B45F17851B}" type="slidenum">
               <a:rPr b="0" lang="de-DE" sz="1200" strike="noStrike" u="none">
                 <a:solidFill>
                   <a:schemeClr val="dk1">
@@ -335,7 +534,7 @@
                 <a:uFillTx/>
                 <a:latin typeface="Aptos"/>
               </a:rPr>
-              <a:t>&lt;número&gt;</a:t>
+              <a:t>3</a:t>
             </a:fld>
             <a:endParaRPr b="0" lang="pt-BR" sz="1200" strike="noStrike" u="none">
               <a:solidFill>
@@ -354,6 +553,1668 @@
 </file>
 
 <file path=ppt/slideLayouts/slideLayout10.xml><?xml version="1.0" encoding="utf-8"?>
+<p:sldLayout xmlns:a="http://schemas.openxmlformats.org/drawingml/2006/main" xmlns:p="http://schemas.openxmlformats.org/presentationml/2006/main" xmlns:r="http://schemas.openxmlformats.org/officeDocument/2006/relationships" xmlns:p14="http://schemas.microsoft.com/office/powerpoint/2010/main" xmlns:p15="http://schemas.microsoft.com/office/powerpoint/2012/main" xmlns:mc="http://schemas.openxmlformats.org/markup-compatibility/2006" type="tx" preserve="1">
+  <p:cSld name="Padrão">
+    <p:bg>
+      <p:bgPr>
+        <a:solidFill>
+          <a:srgbClr val="ffffff"/>
+        </a:solidFill>
+      </p:bgPr>
+    </p:bg>
+    <p:spTree>
+      <p:nvGrpSpPr>
+        <p:cNvPr id="1" name=""/>
+        <p:cNvGrpSpPr/>
+        <p:nvPr/>
+      </p:nvGrpSpPr>
+      <p:grpSpPr>
+        <a:xfrm>
+          <a:off x="0" y="0"/>
+          <a:ext cx="0" cy="0"/>
+          <a:chOff x="0" y="0"/>
+          <a:chExt cx="0" cy="0"/>
+        </a:xfrm>
+      </p:grpSpPr>
+      <p:sp>
+        <p:nvSpPr>
+          <p:cNvPr id="50" name="PlaceHolder 1"/>
+          <p:cNvSpPr>
+            <a:spLocks noGrp="1"/>
+          </p:cNvSpPr>
+          <p:nvPr>
+            <p:ph type="title"/>
+          </p:nvPr>
+        </p:nvSpPr>
+        <p:spPr>
+          <a:xfrm>
+            <a:off x="1523880" y="1122480"/>
+            <a:ext cx="9139680" cy="2383200"/>
+          </a:xfrm>
+          <a:prstGeom prst="rect">
+            <a:avLst/>
+          </a:prstGeom>
+          <a:noFill/>
+          <a:ln w="0">
+            <a:noFill/>
+          </a:ln>
+        </p:spPr>
+        <p:txBody>
+          <a:bodyPr lIns="91440" rIns="91440" tIns="45720" bIns="45720" anchor="b">
+            <a:noAutofit/>
+          </a:bodyPr>
+          <a:p>
+            <a:pPr indent="0" algn="ctr" defTabSz="914400">
+              <a:lnSpc>
+                <a:spcPct val="90000"/>
+              </a:lnSpc>
+              <a:buNone/>
+              <a:tabLst>
+                <a:tab algn="l" pos="0"/>
+              </a:tabLst>
+            </a:pPr>
+            <a:r>
+              <a:rPr b="0" lang="pt-BR" sz="6000" strike="noStrike" u="none">
+                <a:solidFill>
+                  <a:schemeClr val="dk1"/>
+                </a:solidFill>
+                <a:effectLst/>
+                <a:uFillTx/>
+                <a:latin typeface="Aptos Display"/>
+              </a:rPr>
+              <a:t>Clique para editar o título mestre</a:t>
+            </a:r>
+            <a:endParaRPr b="0" lang="pt-BR" sz="6000" strike="noStrike" u="none">
+              <a:solidFill>
+                <a:srgbClr val="000000"/>
+              </a:solidFill>
+              <a:effectLst/>
+              <a:uFillTx/>
+              <a:latin typeface="Arial"/>
+            </a:endParaRPr>
+          </a:p>
+        </p:txBody>
+      </p:sp>
+      <p:sp>
+        <p:nvSpPr>
+          <p:cNvPr id="51" name="PlaceHolder 2"/>
+          <p:cNvSpPr>
+            <a:spLocks noGrp="1"/>
+          </p:cNvSpPr>
+          <p:nvPr>
+            <p:ph type="dt" idx="28"/>
+          </p:nvPr>
+        </p:nvSpPr>
+        <p:spPr>
+          <a:xfrm>
+            <a:off x="838080" y="6356520"/>
+            <a:ext cx="2738880" cy="360720"/>
+          </a:xfrm>
+          <a:prstGeom prst="rect">
+            <a:avLst/>
+          </a:prstGeom>
+          <a:noFill/>
+          <a:ln w="0">
+            <a:noFill/>
+          </a:ln>
+        </p:spPr>
+        <p:txBody>
+          <a:bodyPr lIns="91440" rIns="91440" tIns="45720" bIns="45720" anchor="ctr">
+            <a:noAutofit/>
+          </a:bodyPr>
+          <a:lstStyle>
+            <a:lvl1pPr indent="0" defTabSz="914400">
+              <a:lnSpc>
+                <a:spcPct val="100000"/>
+              </a:lnSpc>
+              <a:buNone/>
+              <a:tabLst>
+                <a:tab algn="l" pos="0"/>
+              </a:tabLst>
+              <a:defRPr b="0" lang="de-DE" sz="1200" strike="noStrike" u="none">
+                <a:solidFill>
+                  <a:schemeClr val="dk1">
+                    <a:tint val="82000"/>
+                  </a:schemeClr>
+                </a:solidFill>
+                <a:effectLst/>
+                <a:uFillTx/>
+                <a:latin typeface="Aptos"/>
+              </a:defRPr>
+            </a:lvl1pPr>
+          </a:lstStyle>
+          <a:p>
+            <a:pPr indent="0" defTabSz="914400">
+              <a:lnSpc>
+                <a:spcPct val="100000"/>
+              </a:lnSpc>
+              <a:buNone/>
+              <a:tabLst>
+                <a:tab algn="l" pos="0"/>
+              </a:tabLst>
+            </a:pPr>
+            <a:r>
+              <a:rPr b="0" lang="de-DE" sz="1200" strike="noStrike" u="none">
+                <a:solidFill>
+                  <a:schemeClr val="dk1">
+                    <a:tint val="82000"/>
+                  </a:schemeClr>
+                </a:solidFill>
+                <a:effectLst/>
+                <a:uFillTx/>
+                <a:latin typeface="Aptos"/>
+              </a:rPr>
+              <a:t>&lt;data/hora&gt;</a:t>
+            </a:r>
+            <a:endParaRPr b="0" lang="pt-BR" sz="1200" strike="noStrike" u="none">
+              <a:solidFill>
+                <a:srgbClr val="000000"/>
+              </a:solidFill>
+              <a:effectLst/>
+              <a:uFillTx/>
+              <a:latin typeface="Times New Roman"/>
+            </a:endParaRPr>
+          </a:p>
+        </p:txBody>
+      </p:sp>
+      <p:sp>
+        <p:nvSpPr>
+          <p:cNvPr id="52" name="PlaceHolder 3"/>
+          <p:cNvSpPr>
+            <a:spLocks noGrp="1"/>
+          </p:cNvSpPr>
+          <p:nvPr>
+            <p:ph type="ftr" idx="29"/>
+          </p:nvPr>
+        </p:nvSpPr>
+        <p:spPr>
+          <a:xfrm>
+            <a:off x="4038480" y="6356520"/>
+            <a:ext cx="4110480" cy="360720"/>
+          </a:xfrm>
+          <a:prstGeom prst="rect">
+            <a:avLst/>
+          </a:prstGeom>
+          <a:noFill/>
+          <a:ln w="0">
+            <a:noFill/>
+          </a:ln>
+        </p:spPr>
+        <p:txBody>
+          <a:bodyPr lIns="91440" rIns="91440" tIns="45720" bIns="45720" anchor="ctr">
+            <a:noAutofit/>
+          </a:bodyPr>
+          <a:lstStyle>
+            <a:lvl1pPr indent="0" algn="ctr">
+              <a:lnSpc>
+                <a:spcPct val="100000"/>
+              </a:lnSpc>
+              <a:buNone/>
+              <a:tabLst>
+                <a:tab algn="l" pos="0"/>
+              </a:tabLst>
+              <a:defRPr b="0" lang="pt-BR" sz="1400" strike="noStrike" u="none">
+                <a:solidFill>
+                  <a:srgbClr val="000000"/>
+                </a:solidFill>
+                <a:effectLst/>
+                <a:uFillTx/>
+                <a:latin typeface="Times New Roman"/>
+              </a:defRPr>
+            </a:lvl1pPr>
+          </a:lstStyle>
+          <a:p>
+            <a:pPr indent="0" algn="ctr">
+              <a:lnSpc>
+                <a:spcPct val="100000"/>
+              </a:lnSpc>
+              <a:buNone/>
+              <a:tabLst>
+                <a:tab algn="l" pos="0"/>
+              </a:tabLst>
+            </a:pPr>
+            <a:r>
+              <a:rPr b="0" lang="pt-BR" sz="1400" strike="noStrike" u="none">
+                <a:solidFill>
+                  <a:srgbClr val="000000"/>
+                </a:solidFill>
+                <a:effectLst/>
+                <a:uFillTx/>
+                <a:latin typeface="Times New Roman"/>
+              </a:rPr>
+              <a:t>&lt;rodapé&gt;</a:t>
+            </a:r>
+            <a:endParaRPr b="0" lang="pt-BR" sz="1400" strike="noStrike" u="none">
+              <a:solidFill>
+                <a:srgbClr val="000000"/>
+              </a:solidFill>
+              <a:effectLst/>
+              <a:uFillTx/>
+              <a:latin typeface="Times New Roman"/>
+            </a:endParaRPr>
+          </a:p>
+        </p:txBody>
+      </p:sp>
+      <p:sp>
+        <p:nvSpPr>
+          <p:cNvPr id="53" name="PlaceHolder 4"/>
+          <p:cNvSpPr>
+            <a:spLocks noGrp="1"/>
+          </p:cNvSpPr>
+          <p:nvPr>
+            <p:ph type="sldNum" idx="30"/>
+          </p:nvPr>
+        </p:nvSpPr>
+        <p:spPr>
+          <a:xfrm>
+            <a:off x="8610480" y="6356520"/>
+            <a:ext cx="2738880" cy="360720"/>
+          </a:xfrm>
+          <a:prstGeom prst="rect">
+            <a:avLst/>
+          </a:prstGeom>
+          <a:noFill/>
+          <a:ln w="0">
+            <a:noFill/>
+          </a:ln>
+        </p:spPr>
+        <p:txBody>
+          <a:bodyPr lIns="91440" rIns="91440" tIns="45720" bIns="45720" anchor="ctr">
+            <a:noAutofit/>
+          </a:bodyPr>
+          <a:lstStyle>
+            <a:lvl1pPr indent="0" algn="r" defTabSz="914400">
+              <a:lnSpc>
+                <a:spcPct val="100000"/>
+              </a:lnSpc>
+              <a:buNone/>
+              <a:tabLst>
+                <a:tab algn="l" pos="0"/>
+              </a:tabLst>
+              <a:defRPr b="0" lang="de-DE" sz="1200" strike="noStrike" u="none">
+                <a:solidFill>
+                  <a:schemeClr val="dk1">
+                    <a:tint val="82000"/>
+                  </a:schemeClr>
+                </a:solidFill>
+                <a:effectLst/>
+                <a:uFillTx/>
+                <a:latin typeface="Aptos"/>
+              </a:defRPr>
+            </a:lvl1pPr>
+          </a:lstStyle>
+          <a:p>
+            <a:pPr indent="0" algn="r" defTabSz="914400">
+              <a:lnSpc>
+                <a:spcPct val="100000"/>
+              </a:lnSpc>
+              <a:buNone/>
+              <a:tabLst>
+                <a:tab algn="l" pos="0"/>
+              </a:tabLst>
+            </a:pPr>
+            <a:fld id="{B87483A0-0801-4E22-8462-4BC4619740F2}" type="slidenum">
+              <a:rPr b="0" lang="de-DE" sz="1200" strike="noStrike" u="none">
+                <a:solidFill>
+                  <a:schemeClr val="dk1">
+                    <a:tint val="82000"/>
+                  </a:schemeClr>
+                </a:solidFill>
+                <a:effectLst/>
+                <a:uFillTx/>
+                <a:latin typeface="Aptos"/>
+              </a:rPr>
+              <a:t>&lt;número&gt;</a:t>
+            </a:fld>
+            <a:endParaRPr b="0" lang="pt-BR" sz="1200" strike="noStrike" u="none">
+              <a:solidFill>
+                <a:srgbClr val="000000"/>
+              </a:solidFill>
+              <a:effectLst/>
+              <a:uFillTx/>
+              <a:latin typeface="Times New Roman"/>
+            </a:endParaRPr>
+          </a:p>
+        </p:txBody>
+      </p:sp>
+      <p:sp>
+        <p:nvSpPr>
+          <p:cNvPr id="54" name="PlaceHolder 5"/>
+          <p:cNvSpPr>
+            <a:spLocks noGrp="1"/>
+          </p:cNvSpPr>
+          <p:nvPr>
+            <p:ph type="body"/>
+          </p:nvPr>
+        </p:nvSpPr>
+        <p:spPr>
+          <a:xfrm>
+            <a:off x="609480" y="1604520"/>
+            <a:ext cx="10968480" cy="3973320"/>
+          </a:xfrm>
+          <a:prstGeom prst="rect">
+            <a:avLst/>
+          </a:prstGeom>
+          <a:noFill/>
+          <a:ln w="0">
+            <a:noFill/>
+          </a:ln>
+        </p:spPr>
+        <p:txBody>
+          <a:bodyPr lIns="0" rIns="0" tIns="0" bIns="0" anchor="t">
+            <a:normAutofit/>
+          </a:bodyPr>
+          <a:p>
+            <a:pPr marL="432000" indent="-324000">
+              <a:lnSpc>
+                <a:spcPct val="90000"/>
+              </a:lnSpc>
+              <a:spcBef>
+                <a:spcPts val="1417"/>
+              </a:spcBef>
+              <a:buClr>
+                <a:srgbClr val="000000"/>
+              </a:buClr>
+              <a:buSzPct val="45000"/>
+              <a:buFont typeface="Wingdings" charset="2"/>
+              <a:buChar char=""/>
+            </a:pPr>
+            <a:r>
+              <a:rPr b="0" lang="de-DE" sz="2800" strike="noStrike" u="none">
+                <a:solidFill>
+                  <a:schemeClr val="dk1"/>
+                </a:solidFill>
+                <a:effectLst/>
+                <a:uFillTx/>
+                <a:latin typeface="Aptos"/>
+              </a:rPr>
+              <a:t>Clique para editar o formato de texto dos tópicos</a:t>
+            </a:r>
+            <a:endParaRPr b="0" lang="pt-BR" sz="2800" strike="noStrike" u="none">
+              <a:solidFill>
+                <a:srgbClr val="000000"/>
+              </a:solidFill>
+              <a:effectLst/>
+              <a:uFillTx/>
+              <a:latin typeface="Arial"/>
+            </a:endParaRPr>
+          </a:p>
+          <a:p>
+            <a:pPr lvl="1" marL="864000" indent="-324000">
+              <a:lnSpc>
+                <a:spcPct val="90000"/>
+              </a:lnSpc>
+              <a:spcBef>
+                <a:spcPts val="1134"/>
+              </a:spcBef>
+              <a:buClr>
+                <a:srgbClr val="000000"/>
+              </a:buClr>
+              <a:buSzPct val="75000"/>
+              <a:buFont typeface="Symbol" charset="2"/>
+              <a:buChar char=""/>
+            </a:pPr>
+            <a:r>
+              <a:rPr b="0" lang="de-DE" sz="2000" strike="noStrike" u="none">
+                <a:solidFill>
+                  <a:schemeClr val="dk1"/>
+                </a:solidFill>
+                <a:effectLst/>
+                <a:uFillTx/>
+                <a:latin typeface="Aptos"/>
+              </a:rPr>
+              <a:t>2.º nível de tópicos</a:t>
+            </a:r>
+            <a:endParaRPr b="0" lang="pt-BR" sz="2000" strike="noStrike" u="none">
+              <a:solidFill>
+                <a:srgbClr val="000000"/>
+              </a:solidFill>
+              <a:effectLst/>
+              <a:uFillTx/>
+              <a:latin typeface="Arial"/>
+            </a:endParaRPr>
+          </a:p>
+          <a:p>
+            <a:pPr lvl="2" marL="1296000" indent="-288000">
+              <a:lnSpc>
+                <a:spcPct val="90000"/>
+              </a:lnSpc>
+              <a:spcBef>
+                <a:spcPts val="850"/>
+              </a:spcBef>
+              <a:buClr>
+                <a:srgbClr val="000000"/>
+              </a:buClr>
+              <a:buSzPct val="45000"/>
+              <a:buFont typeface="Wingdings" charset="2"/>
+              <a:buChar char=""/>
+            </a:pPr>
+            <a:r>
+              <a:rPr b="0" lang="de-DE" sz="1800" strike="noStrike" u="none">
+                <a:solidFill>
+                  <a:schemeClr val="dk1"/>
+                </a:solidFill>
+                <a:effectLst/>
+                <a:uFillTx/>
+                <a:latin typeface="Aptos"/>
+              </a:rPr>
+              <a:t>3.º nível de tópicos</a:t>
+            </a:r>
+            <a:endParaRPr b="0" lang="pt-BR" sz="1800" strike="noStrike" u="none">
+              <a:solidFill>
+                <a:srgbClr val="000000"/>
+              </a:solidFill>
+              <a:effectLst/>
+              <a:uFillTx/>
+              <a:latin typeface="Arial"/>
+            </a:endParaRPr>
+          </a:p>
+          <a:p>
+            <a:pPr lvl="3" marL="1728000" indent="-216000">
+              <a:lnSpc>
+                <a:spcPct val="90000"/>
+              </a:lnSpc>
+              <a:spcBef>
+                <a:spcPts val="567"/>
+              </a:spcBef>
+              <a:buClr>
+                <a:srgbClr val="000000"/>
+              </a:buClr>
+              <a:buSzPct val="75000"/>
+              <a:buFont typeface="Symbol" charset="2"/>
+              <a:buChar char=""/>
+            </a:pPr>
+            <a:r>
+              <a:rPr b="0" lang="de-DE" sz="1800" strike="noStrike" u="none">
+                <a:solidFill>
+                  <a:schemeClr val="dk1"/>
+                </a:solidFill>
+                <a:effectLst/>
+                <a:uFillTx/>
+                <a:latin typeface="Aptos"/>
+              </a:rPr>
+              <a:t>4.º nível de tópicos</a:t>
+            </a:r>
+            <a:endParaRPr b="0" lang="pt-BR" sz="1800" strike="noStrike" u="none">
+              <a:solidFill>
+                <a:srgbClr val="000000"/>
+              </a:solidFill>
+              <a:effectLst/>
+              <a:uFillTx/>
+              <a:latin typeface="Arial"/>
+            </a:endParaRPr>
+          </a:p>
+          <a:p>
+            <a:pPr lvl="4" marL="2160000" indent="-216000">
+              <a:lnSpc>
+                <a:spcPct val="90000"/>
+              </a:lnSpc>
+              <a:spcBef>
+                <a:spcPts val="283"/>
+              </a:spcBef>
+              <a:buClr>
+                <a:srgbClr val="000000"/>
+              </a:buClr>
+              <a:buSzPct val="45000"/>
+              <a:buFont typeface="Wingdings" charset="2"/>
+              <a:buChar char=""/>
+            </a:pPr>
+            <a:r>
+              <a:rPr b="0" lang="de-DE" sz="2000" strike="noStrike" u="none">
+                <a:solidFill>
+                  <a:schemeClr val="dk1"/>
+                </a:solidFill>
+                <a:effectLst/>
+                <a:uFillTx/>
+                <a:latin typeface="Aptos"/>
+              </a:rPr>
+              <a:t>5.º nível de tópicos</a:t>
+            </a:r>
+            <a:endParaRPr b="0" lang="pt-BR" sz="2000" strike="noStrike" u="none">
+              <a:solidFill>
+                <a:srgbClr val="000000"/>
+              </a:solidFill>
+              <a:effectLst/>
+              <a:uFillTx/>
+              <a:latin typeface="Arial"/>
+            </a:endParaRPr>
+          </a:p>
+          <a:p>
+            <a:pPr lvl="5" marL="2592000" indent="-216000">
+              <a:lnSpc>
+                <a:spcPct val="90000"/>
+              </a:lnSpc>
+              <a:spcBef>
+                <a:spcPts val="283"/>
+              </a:spcBef>
+              <a:buClr>
+                <a:srgbClr val="000000"/>
+              </a:buClr>
+              <a:buSzPct val="45000"/>
+              <a:buFont typeface="Wingdings" charset="2"/>
+              <a:buChar char=""/>
+            </a:pPr>
+            <a:r>
+              <a:rPr b="0" lang="de-DE" sz="2000" strike="noStrike" u="none">
+                <a:solidFill>
+                  <a:schemeClr val="dk1"/>
+                </a:solidFill>
+                <a:effectLst/>
+                <a:uFillTx/>
+                <a:latin typeface="Aptos"/>
+              </a:rPr>
+              <a:t>6.º nível de tópicos</a:t>
+            </a:r>
+            <a:endParaRPr b="0" lang="pt-BR" sz="2000" strike="noStrike" u="none">
+              <a:solidFill>
+                <a:srgbClr val="000000"/>
+              </a:solidFill>
+              <a:effectLst/>
+              <a:uFillTx/>
+              <a:latin typeface="Arial"/>
+            </a:endParaRPr>
+          </a:p>
+          <a:p>
+            <a:pPr lvl="6" marL="3024000" indent="-216000">
+              <a:lnSpc>
+                <a:spcPct val="90000"/>
+              </a:lnSpc>
+              <a:spcBef>
+                <a:spcPts val="283"/>
+              </a:spcBef>
+              <a:buClr>
+                <a:srgbClr val="000000"/>
+              </a:buClr>
+              <a:buSzPct val="45000"/>
+              <a:buFont typeface="Wingdings" charset="2"/>
+              <a:buChar char=""/>
+            </a:pPr>
+            <a:r>
+              <a:rPr b="0" lang="de-DE" sz="2000" strike="noStrike" u="none">
+                <a:solidFill>
+                  <a:schemeClr val="dk1"/>
+                </a:solidFill>
+                <a:effectLst/>
+                <a:uFillTx/>
+                <a:latin typeface="Aptos"/>
+              </a:rPr>
+              <a:t>7.º nível de tópicos</a:t>
+            </a:r>
+            <a:endParaRPr b="0" lang="pt-BR" sz="2000" strike="noStrike" u="none">
+              <a:solidFill>
+                <a:srgbClr val="000000"/>
+              </a:solidFill>
+              <a:effectLst/>
+              <a:uFillTx/>
+              <a:latin typeface="Arial"/>
+            </a:endParaRPr>
+          </a:p>
+        </p:txBody>
+      </p:sp>
+    </p:spTree>
+  </p:cSld>
+</p:sldLayout>
+</file>
+
+<file path=ppt/slideLayouts/slideLayout11.xml><?xml version="1.0" encoding="utf-8"?>
+<p:sldLayout xmlns:a="http://schemas.openxmlformats.org/drawingml/2006/main" xmlns:p="http://schemas.openxmlformats.org/presentationml/2006/main" xmlns:r="http://schemas.openxmlformats.org/officeDocument/2006/relationships" xmlns:p14="http://schemas.microsoft.com/office/powerpoint/2010/main" xmlns:p15="http://schemas.microsoft.com/office/powerpoint/2012/main" xmlns:mc="http://schemas.openxmlformats.org/markup-compatibility/2006" type="vertTx" preserve="1">
+  <p:cSld name="Título e texto vertical">
+    <p:bg>
+      <p:bgPr>
+        <a:solidFill>
+          <a:srgbClr val="ffffff"/>
+        </a:solidFill>
+      </p:bgPr>
+    </p:bg>
+    <p:spTree>
+      <p:nvGrpSpPr>
+        <p:cNvPr id="1" name=""/>
+        <p:cNvGrpSpPr/>
+        <p:nvPr/>
+      </p:nvGrpSpPr>
+      <p:grpSpPr>
+        <a:xfrm>
+          <a:off x="0" y="0"/>
+          <a:ext cx="0" cy="0"/>
+          <a:chOff x="0" y="0"/>
+          <a:chExt cx="0" cy="0"/>
+        </a:xfrm>
+      </p:grpSpPr>
+      <p:sp>
+        <p:nvSpPr>
+          <p:cNvPr id="55" name="PlaceHolder 1"/>
+          <p:cNvSpPr>
+            <a:spLocks noGrp="1"/>
+          </p:cNvSpPr>
+          <p:nvPr>
+            <p:ph type="title"/>
+          </p:nvPr>
+        </p:nvSpPr>
+        <p:spPr>
+          <a:xfrm>
+            <a:off x="838080" y="365040"/>
+            <a:ext cx="10511280" cy="1321200"/>
+          </a:xfrm>
+          <a:prstGeom prst="rect">
+            <a:avLst/>
+          </a:prstGeom>
+          <a:noFill/>
+          <a:ln w="0">
+            <a:noFill/>
+          </a:ln>
+        </p:spPr>
+        <p:txBody>
+          <a:bodyPr lIns="91440" rIns="91440" tIns="45720" bIns="45720" anchor="ctr">
+            <a:noAutofit/>
+          </a:bodyPr>
+          <a:p>
+            <a:pPr indent="0" defTabSz="914400">
+              <a:lnSpc>
+                <a:spcPct val="90000"/>
+              </a:lnSpc>
+              <a:buNone/>
+              <a:tabLst>
+                <a:tab algn="l" pos="0"/>
+              </a:tabLst>
+            </a:pPr>
+            <a:r>
+              <a:rPr b="0" lang="pt-BR" sz="4400" strike="noStrike" u="none">
+                <a:solidFill>
+                  <a:schemeClr val="dk1"/>
+                </a:solidFill>
+                <a:effectLst/>
+                <a:uFillTx/>
+                <a:latin typeface="Aptos Display"/>
+              </a:rPr>
+              <a:t>Clique para editar o título mestre</a:t>
+            </a:r>
+            <a:endParaRPr b="0" lang="pt-BR" sz="4400" strike="noStrike" u="none">
+              <a:solidFill>
+                <a:srgbClr val="000000"/>
+              </a:solidFill>
+              <a:effectLst/>
+              <a:uFillTx/>
+              <a:latin typeface="Arial"/>
+            </a:endParaRPr>
+          </a:p>
+        </p:txBody>
+      </p:sp>
+      <p:sp>
+        <p:nvSpPr>
+          <p:cNvPr id="56" name="PlaceHolder 2"/>
+          <p:cNvSpPr>
+            <a:spLocks noGrp="1"/>
+          </p:cNvSpPr>
+          <p:nvPr>
+            <p:ph type="body"/>
+          </p:nvPr>
+        </p:nvSpPr>
+        <p:spPr>
+          <a:xfrm>
+            <a:off x="838080" y="1825560"/>
+            <a:ext cx="10511280" cy="4347000"/>
+          </a:xfrm>
+          <a:prstGeom prst="rect">
+            <a:avLst/>
+          </a:prstGeom>
+          <a:noFill/>
+          <a:ln w="0">
+            <a:noFill/>
+          </a:ln>
+        </p:spPr>
+        <p:txBody>
+          <a:bodyPr lIns="91440" rIns="91440" tIns="45720" bIns="45720" anchor="t" vert="eaVert">
+            <a:noAutofit/>
+          </a:bodyPr>
+          <a:p>
+            <a:pPr marL="228600" indent="-228600" defTabSz="914400">
+              <a:lnSpc>
+                <a:spcPct val="90000"/>
+              </a:lnSpc>
+              <a:spcBef>
+                <a:spcPts val="1001"/>
+              </a:spcBef>
+              <a:buClr>
+                <a:srgbClr val="000000"/>
+              </a:buClr>
+              <a:buFont typeface="Arial"/>
+              <a:buChar char="•"/>
+            </a:pPr>
+            <a:r>
+              <a:rPr b="0" lang="pt-BR" sz="2800" strike="noStrike" u="none">
+                <a:solidFill>
+                  <a:schemeClr val="dk1"/>
+                </a:solidFill>
+                <a:effectLst/>
+                <a:uFillTx/>
+                <a:latin typeface="Aptos"/>
+              </a:rPr>
+              <a:t>Clique para editar o texto mestre</a:t>
+            </a:r>
+            <a:endParaRPr b="0" lang="pt-BR" sz="2800" strike="noStrike" u="none">
+              <a:solidFill>
+                <a:srgbClr val="000000"/>
+              </a:solidFill>
+              <a:effectLst/>
+              <a:uFillTx/>
+              <a:latin typeface="Arial"/>
+            </a:endParaRPr>
+          </a:p>
+          <a:p>
+            <a:pPr lvl="1" marL="685800" indent="-228600" defTabSz="914400">
+              <a:lnSpc>
+                <a:spcPct val="90000"/>
+              </a:lnSpc>
+              <a:spcBef>
+                <a:spcPts val="499"/>
+              </a:spcBef>
+              <a:buClr>
+                <a:srgbClr val="000000"/>
+              </a:buClr>
+              <a:buFont typeface="Arial"/>
+              <a:buChar char="•"/>
+            </a:pPr>
+            <a:r>
+              <a:rPr b="0" lang="pt-BR" sz="2400" strike="noStrike" u="none">
+                <a:solidFill>
+                  <a:schemeClr val="dk1"/>
+                </a:solidFill>
+                <a:effectLst/>
+                <a:uFillTx/>
+                <a:latin typeface="Aptos"/>
+              </a:rPr>
+              <a:t>Segundo nível</a:t>
+            </a:r>
+            <a:endParaRPr b="0" lang="pt-BR" sz="2400" strike="noStrike" u="none">
+              <a:solidFill>
+                <a:srgbClr val="000000"/>
+              </a:solidFill>
+              <a:effectLst/>
+              <a:uFillTx/>
+              <a:latin typeface="Arial"/>
+            </a:endParaRPr>
+          </a:p>
+          <a:p>
+            <a:pPr lvl="2" marL="1143000" indent="-228600" defTabSz="914400">
+              <a:lnSpc>
+                <a:spcPct val="90000"/>
+              </a:lnSpc>
+              <a:spcBef>
+                <a:spcPts val="499"/>
+              </a:spcBef>
+              <a:buClr>
+                <a:srgbClr val="000000"/>
+              </a:buClr>
+              <a:buFont typeface="Arial"/>
+              <a:buChar char="•"/>
+            </a:pPr>
+            <a:r>
+              <a:rPr b="0" lang="pt-BR" sz="2000" strike="noStrike" u="none">
+                <a:solidFill>
+                  <a:schemeClr val="dk1"/>
+                </a:solidFill>
+                <a:effectLst/>
+                <a:uFillTx/>
+                <a:latin typeface="Aptos"/>
+              </a:rPr>
+              <a:t>Terceiro nível</a:t>
+            </a:r>
+            <a:endParaRPr b="0" lang="pt-BR" sz="2000" strike="noStrike" u="none">
+              <a:solidFill>
+                <a:srgbClr val="000000"/>
+              </a:solidFill>
+              <a:effectLst/>
+              <a:uFillTx/>
+              <a:latin typeface="Arial"/>
+            </a:endParaRPr>
+          </a:p>
+          <a:p>
+            <a:pPr lvl="3" marL="1600200" indent="-228600" defTabSz="914400">
+              <a:lnSpc>
+                <a:spcPct val="90000"/>
+              </a:lnSpc>
+              <a:spcBef>
+                <a:spcPts val="499"/>
+              </a:spcBef>
+              <a:buClr>
+                <a:srgbClr val="000000"/>
+              </a:buClr>
+              <a:buFont typeface="Arial"/>
+              <a:buChar char="•"/>
+            </a:pPr>
+            <a:r>
+              <a:rPr b="0" lang="pt-BR" sz="1800" strike="noStrike" u="none">
+                <a:solidFill>
+                  <a:schemeClr val="dk1"/>
+                </a:solidFill>
+                <a:effectLst/>
+                <a:uFillTx/>
+                <a:latin typeface="Aptos"/>
+              </a:rPr>
+              <a:t>Quarto nível</a:t>
+            </a:r>
+            <a:endParaRPr b="0" lang="pt-BR" sz="1800" strike="noStrike" u="none">
+              <a:solidFill>
+                <a:srgbClr val="000000"/>
+              </a:solidFill>
+              <a:effectLst/>
+              <a:uFillTx/>
+              <a:latin typeface="Arial"/>
+            </a:endParaRPr>
+          </a:p>
+          <a:p>
+            <a:pPr lvl="4" marL="2057400" indent="-228600" defTabSz="914400">
+              <a:lnSpc>
+                <a:spcPct val="90000"/>
+              </a:lnSpc>
+              <a:spcBef>
+                <a:spcPts val="499"/>
+              </a:spcBef>
+              <a:buClr>
+                <a:srgbClr val="000000"/>
+              </a:buClr>
+              <a:buFont typeface="Arial"/>
+              <a:buChar char="•"/>
+            </a:pPr>
+            <a:r>
+              <a:rPr b="0" lang="pt-BR" sz="1800" strike="noStrike" u="none">
+                <a:solidFill>
+                  <a:schemeClr val="dk1"/>
+                </a:solidFill>
+                <a:effectLst/>
+                <a:uFillTx/>
+                <a:latin typeface="Aptos"/>
+              </a:rPr>
+              <a:t>Quinto nível</a:t>
+            </a:r>
+            <a:endParaRPr b="0" lang="pt-BR" sz="1800" strike="noStrike" u="none">
+              <a:solidFill>
+                <a:srgbClr val="000000"/>
+              </a:solidFill>
+              <a:effectLst/>
+              <a:uFillTx/>
+              <a:latin typeface="Arial"/>
+            </a:endParaRPr>
+          </a:p>
+        </p:txBody>
+      </p:sp>
+      <p:sp>
+        <p:nvSpPr>
+          <p:cNvPr id="57" name="PlaceHolder 3"/>
+          <p:cNvSpPr>
+            <a:spLocks noGrp="1"/>
+          </p:cNvSpPr>
+          <p:nvPr>
+            <p:ph type="dt" idx="31"/>
+          </p:nvPr>
+        </p:nvSpPr>
+        <p:spPr>
+          <a:xfrm>
+            <a:off x="838080" y="6356520"/>
+            <a:ext cx="2738880" cy="360720"/>
+          </a:xfrm>
+          <a:prstGeom prst="rect">
+            <a:avLst/>
+          </a:prstGeom>
+          <a:noFill/>
+          <a:ln w="0">
+            <a:noFill/>
+          </a:ln>
+        </p:spPr>
+        <p:txBody>
+          <a:bodyPr lIns="91440" rIns="91440" tIns="45720" bIns="45720" anchor="ctr">
+            <a:noAutofit/>
+          </a:bodyPr>
+          <a:lstStyle>
+            <a:lvl1pPr indent="0" defTabSz="914400">
+              <a:lnSpc>
+                <a:spcPct val="100000"/>
+              </a:lnSpc>
+              <a:buNone/>
+              <a:tabLst>
+                <a:tab algn="l" pos="0"/>
+              </a:tabLst>
+              <a:defRPr b="0" lang="de-DE" sz="1200" strike="noStrike" u="none">
+                <a:solidFill>
+                  <a:schemeClr val="dk1">
+                    <a:tint val="82000"/>
+                  </a:schemeClr>
+                </a:solidFill>
+                <a:effectLst/>
+                <a:uFillTx/>
+                <a:latin typeface="Aptos"/>
+              </a:defRPr>
+            </a:lvl1pPr>
+          </a:lstStyle>
+          <a:p>
+            <a:pPr indent="0" defTabSz="914400">
+              <a:lnSpc>
+                <a:spcPct val="100000"/>
+              </a:lnSpc>
+              <a:buNone/>
+              <a:tabLst>
+                <a:tab algn="l" pos="0"/>
+              </a:tabLst>
+            </a:pPr>
+            <a:r>
+              <a:rPr b="0" lang="de-DE" sz="1200" strike="noStrike" u="none">
+                <a:solidFill>
+                  <a:schemeClr val="dk1">
+                    <a:tint val="82000"/>
+                  </a:schemeClr>
+                </a:solidFill>
+                <a:effectLst/>
+                <a:uFillTx/>
+                <a:latin typeface="Aptos"/>
+              </a:rPr>
+              <a:t>&lt;data/hora&gt;</a:t>
+            </a:r>
+            <a:endParaRPr b="0" lang="pt-BR" sz="1200" strike="noStrike" u="none">
+              <a:solidFill>
+                <a:srgbClr val="000000"/>
+              </a:solidFill>
+              <a:effectLst/>
+              <a:uFillTx/>
+              <a:latin typeface="Times New Roman"/>
+            </a:endParaRPr>
+          </a:p>
+        </p:txBody>
+      </p:sp>
+      <p:sp>
+        <p:nvSpPr>
+          <p:cNvPr id="58" name="PlaceHolder 4"/>
+          <p:cNvSpPr>
+            <a:spLocks noGrp="1"/>
+          </p:cNvSpPr>
+          <p:nvPr>
+            <p:ph type="ftr" idx="32"/>
+          </p:nvPr>
+        </p:nvSpPr>
+        <p:spPr>
+          <a:xfrm>
+            <a:off x="4038480" y="6356520"/>
+            <a:ext cx="4110480" cy="360720"/>
+          </a:xfrm>
+          <a:prstGeom prst="rect">
+            <a:avLst/>
+          </a:prstGeom>
+          <a:noFill/>
+          <a:ln w="0">
+            <a:noFill/>
+          </a:ln>
+        </p:spPr>
+        <p:txBody>
+          <a:bodyPr lIns="91440" rIns="91440" tIns="45720" bIns="45720" anchor="ctr">
+            <a:noAutofit/>
+          </a:bodyPr>
+          <a:lstStyle>
+            <a:lvl1pPr indent="0" algn="ctr">
+              <a:lnSpc>
+                <a:spcPct val="100000"/>
+              </a:lnSpc>
+              <a:buNone/>
+              <a:tabLst>
+                <a:tab algn="l" pos="0"/>
+              </a:tabLst>
+              <a:defRPr b="0" lang="pt-BR" sz="1400" strike="noStrike" u="none">
+                <a:solidFill>
+                  <a:srgbClr val="000000"/>
+                </a:solidFill>
+                <a:effectLst/>
+                <a:uFillTx/>
+                <a:latin typeface="Times New Roman"/>
+              </a:defRPr>
+            </a:lvl1pPr>
+          </a:lstStyle>
+          <a:p>
+            <a:pPr indent="0" algn="ctr">
+              <a:lnSpc>
+                <a:spcPct val="100000"/>
+              </a:lnSpc>
+              <a:buNone/>
+              <a:tabLst>
+                <a:tab algn="l" pos="0"/>
+              </a:tabLst>
+            </a:pPr>
+            <a:r>
+              <a:rPr b="0" lang="pt-BR" sz="1400" strike="noStrike" u="none">
+                <a:solidFill>
+                  <a:srgbClr val="000000"/>
+                </a:solidFill>
+                <a:effectLst/>
+                <a:uFillTx/>
+                <a:latin typeface="Times New Roman"/>
+              </a:rPr>
+              <a:t>&lt;rodapé&gt;</a:t>
+            </a:r>
+            <a:endParaRPr b="0" lang="pt-BR" sz="1400" strike="noStrike" u="none">
+              <a:solidFill>
+                <a:srgbClr val="000000"/>
+              </a:solidFill>
+              <a:effectLst/>
+              <a:uFillTx/>
+              <a:latin typeface="Times New Roman"/>
+            </a:endParaRPr>
+          </a:p>
+        </p:txBody>
+      </p:sp>
+      <p:sp>
+        <p:nvSpPr>
+          <p:cNvPr id="59" name="PlaceHolder 5"/>
+          <p:cNvSpPr>
+            <a:spLocks noGrp="1"/>
+          </p:cNvSpPr>
+          <p:nvPr>
+            <p:ph type="sldNum" idx="33"/>
+          </p:nvPr>
+        </p:nvSpPr>
+        <p:spPr>
+          <a:xfrm>
+            <a:off x="8610480" y="6356520"/>
+            <a:ext cx="2738880" cy="360720"/>
+          </a:xfrm>
+          <a:prstGeom prst="rect">
+            <a:avLst/>
+          </a:prstGeom>
+          <a:noFill/>
+          <a:ln w="0">
+            <a:noFill/>
+          </a:ln>
+        </p:spPr>
+        <p:txBody>
+          <a:bodyPr lIns="91440" rIns="91440" tIns="45720" bIns="45720" anchor="ctr">
+            <a:noAutofit/>
+          </a:bodyPr>
+          <a:lstStyle>
+            <a:lvl1pPr indent="0" algn="r" defTabSz="914400">
+              <a:lnSpc>
+                <a:spcPct val="100000"/>
+              </a:lnSpc>
+              <a:buNone/>
+              <a:tabLst>
+                <a:tab algn="l" pos="0"/>
+              </a:tabLst>
+              <a:defRPr b="0" lang="de-DE" sz="1200" strike="noStrike" u="none">
+                <a:solidFill>
+                  <a:schemeClr val="dk1">
+                    <a:tint val="82000"/>
+                  </a:schemeClr>
+                </a:solidFill>
+                <a:effectLst/>
+                <a:uFillTx/>
+                <a:latin typeface="Aptos"/>
+              </a:defRPr>
+            </a:lvl1pPr>
+          </a:lstStyle>
+          <a:p>
+            <a:pPr indent="0" algn="r" defTabSz="914400">
+              <a:lnSpc>
+                <a:spcPct val="100000"/>
+              </a:lnSpc>
+              <a:buNone/>
+              <a:tabLst>
+                <a:tab algn="l" pos="0"/>
+              </a:tabLst>
+            </a:pPr>
+            <a:fld id="{E960DD7D-8811-474C-82E1-A5897B7902ED}" type="slidenum">
+              <a:rPr b="0" lang="de-DE" sz="1200" strike="noStrike" u="none">
+                <a:solidFill>
+                  <a:schemeClr val="dk1">
+                    <a:tint val="82000"/>
+                  </a:schemeClr>
+                </a:solidFill>
+                <a:effectLst/>
+                <a:uFillTx/>
+                <a:latin typeface="Aptos"/>
+              </a:rPr>
+              <a:t>&lt;número&gt;</a:t>
+            </a:fld>
+            <a:endParaRPr b="0" lang="pt-BR" sz="1200" strike="noStrike" u="none">
+              <a:solidFill>
+                <a:srgbClr val="000000"/>
+              </a:solidFill>
+              <a:effectLst/>
+              <a:uFillTx/>
+              <a:latin typeface="Times New Roman"/>
+            </a:endParaRPr>
+          </a:p>
+        </p:txBody>
+      </p:sp>
+    </p:spTree>
+  </p:cSld>
+</p:sldLayout>
+</file>
+
+<file path=ppt/slideLayouts/slideLayout12.xml><?xml version="1.0" encoding="utf-8"?>
+<p:sldLayout xmlns:a="http://schemas.openxmlformats.org/drawingml/2006/main" xmlns:p="http://schemas.openxmlformats.org/presentationml/2006/main" xmlns:r="http://schemas.openxmlformats.org/officeDocument/2006/relationships" xmlns:p14="http://schemas.microsoft.com/office/powerpoint/2010/main" xmlns:p15="http://schemas.microsoft.com/office/powerpoint/2012/main" xmlns:mc="http://schemas.openxmlformats.org/markup-compatibility/2006" type="vertTitleAndTx" preserve="1">
+  <p:cSld name="Título e texto verticais">
+    <p:bg>
+      <p:bgPr>
+        <a:solidFill>
+          <a:srgbClr val="ffffff"/>
+        </a:solidFill>
+      </p:bgPr>
+    </p:bg>
+    <p:spTree>
+      <p:nvGrpSpPr>
+        <p:cNvPr id="1" name=""/>
+        <p:cNvGrpSpPr/>
+        <p:nvPr/>
+      </p:nvGrpSpPr>
+      <p:grpSpPr>
+        <a:xfrm>
+          <a:off x="0" y="0"/>
+          <a:ext cx="0" cy="0"/>
+          <a:chOff x="0" y="0"/>
+          <a:chExt cx="0" cy="0"/>
+        </a:xfrm>
+      </p:grpSpPr>
+      <p:sp>
+        <p:nvSpPr>
+          <p:cNvPr id="60" name="PlaceHolder 1"/>
+          <p:cNvSpPr>
+            <a:spLocks noGrp="1"/>
+          </p:cNvSpPr>
+          <p:nvPr>
+            <p:ph type="title"/>
+          </p:nvPr>
+        </p:nvSpPr>
+        <p:spPr>
+          <a:xfrm>
+            <a:off x="8724960" y="365040"/>
+            <a:ext cx="2624760" cy="5807520"/>
+          </a:xfrm>
+          <a:prstGeom prst="rect">
+            <a:avLst/>
+          </a:prstGeom>
+          <a:noFill/>
+          <a:ln w="0">
+            <a:noFill/>
+          </a:ln>
+        </p:spPr>
+        <p:txBody>
+          <a:bodyPr lIns="91440" rIns="91440" tIns="45720" bIns="45720" anchor="ctr" vert="eaVert">
+            <a:noAutofit/>
+          </a:bodyPr>
+          <a:p>
+            <a:pPr indent="0" defTabSz="914400">
+              <a:lnSpc>
+                <a:spcPct val="90000"/>
+              </a:lnSpc>
+              <a:buNone/>
+              <a:tabLst>
+                <a:tab algn="l" pos="0"/>
+              </a:tabLst>
+            </a:pPr>
+            <a:r>
+              <a:rPr b="0" lang="pt-BR" sz="4400" strike="noStrike" u="none">
+                <a:solidFill>
+                  <a:schemeClr val="dk1"/>
+                </a:solidFill>
+                <a:effectLst/>
+                <a:uFillTx/>
+                <a:latin typeface="Aptos Display"/>
+              </a:rPr>
+              <a:t>Clique para editar o título mestre</a:t>
+            </a:r>
+            <a:endParaRPr b="0" lang="pt-BR" sz="4400" strike="noStrike" u="none">
+              <a:solidFill>
+                <a:srgbClr val="000000"/>
+              </a:solidFill>
+              <a:effectLst/>
+              <a:uFillTx/>
+              <a:latin typeface="Arial"/>
+            </a:endParaRPr>
+          </a:p>
+        </p:txBody>
+      </p:sp>
+      <p:sp>
+        <p:nvSpPr>
+          <p:cNvPr id="61" name="PlaceHolder 2"/>
+          <p:cNvSpPr>
+            <a:spLocks noGrp="1"/>
+          </p:cNvSpPr>
+          <p:nvPr>
+            <p:ph type="body"/>
+          </p:nvPr>
+        </p:nvSpPr>
+        <p:spPr>
+          <a:xfrm>
+            <a:off x="838080" y="365040"/>
+            <a:ext cx="7729920" cy="5807520"/>
+          </a:xfrm>
+          <a:prstGeom prst="rect">
+            <a:avLst/>
+          </a:prstGeom>
+          <a:noFill/>
+          <a:ln w="0">
+            <a:noFill/>
+          </a:ln>
+        </p:spPr>
+        <p:txBody>
+          <a:bodyPr lIns="91440" rIns="91440" tIns="45720" bIns="45720" anchor="t" vert="eaVert">
+            <a:noAutofit/>
+          </a:bodyPr>
+          <a:p>
+            <a:pPr marL="228600" indent="-228600" defTabSz="914400">
+              <a:lnSpc>
+                <a:spcPct val="90000"/>
+              </a:lnSpc>
+              <a:spcBef>
+                <a:spcPts val="1001"/>
+              </a:spcBef>
+              <a:buClr>
+                <a:srgbClr val="000000"/>
+              </a:buClr>
+              <a:buFont typeface="Arial"/>
+              <a:buChar char="•"/>
+            </a:pPr>
+            <a:r>
+              <a:rPr b="0" lang="pt-BR" sz="2800" strike="noStrike" u="none">
+                <a:solidFill>
+                  <a:schemeClr val="dk1"/>
+                </a:solidFill>
+                <a:effectLst/>
+                <a:uFillTx/>
+                <a:latin typeface="Aptos"/>
+              </a:rPr>
+              <a:t>Clique para editar o texto mestre</a:t>
+            </a:r>
+            <a:endParaRPr b="0" lang="pt-BR" sz="2800" strike="noStrike" u="none">
+              <a:solidFill>
+                <a:srgbClr val="000000"/>
+              </a:solidFill>
+              <a:effectLst/>
+              <a:uFillTx/>
+              <a:latin typeface="Arial"/>
+            </a:endParaRPr>
+          </a:p>
+          <a:p>
+            <a:pPr lvl="1" marL="685800" indent="-228600" defTabSz="914400">
+              <a:lnSpc>
+                <a:spcPct val="90000"/>
+              </a:lnSpc>
+              <a:spcBef>
+                <a:spcPts val="499"/>
+              </a:spcBef>
+              <a:buClr>
+                <a:srgbClr val="000000"/>
+              </a:buClr>
+              <a:buFont typeface="Arial"/>
+              <a:buChar char="•"/>
+            </a:pPr>
+            <a:r>
+              <a:rPr b="0" lang="pt-BR" sz="2400" strike="noStrike" u="none">
+                <a:solidFill>
+                  <a:schemeClr val="dk1"/>
+                </a:solidFill>
+                <a:effectLst/>
+                <a:uFillTx/>
+                <a:latin typeface="Aptos"/>
+              </a:rPr>
+              <a:t>Segundo nível</a:t>
+            </a:r>
+            <a:endParaRPr b="0" lang="pt-BR" sz="2400" strike="noStrike" u="none">
+              <a:solidFill>
+                <a:srgbClr val="000000"/>
+              </a:solidFill>
+              <a:effectLst/>
+              <a:uFillTx/>
+              <a:latin typeface="Arial"/>
+            </a:endParaRPr>
+          </a:p>
+          <a:p>
+            <a:pPr lvl="2" marL="1143000" indent="-228600" defTabSz="914400">
+              <a:lnSpc>
+                <a:spcPct val="90000"/>
+              </a:lnSpc>
+              <a:spcBef>
+                <a:spcPts val="499"/>
+              </a:spcBef>
+              <a:buClr>
+                <a:srgbClr val="000000"/>
+              </a:buClr>
+              <a:buFont typeface="Arial"/>
+              <a:buChar char="•"/>
+            </a:pPr>
+            <a:r>
+              <a:rPr b="0" lang="pt-BR" sz="2000" strike="noStrike" u="none">
+                <a:solidFill>
+                  <a:schemeClr val="dk1"/>
+                </a:solidFill>
+                <a:effectLst/>
+                <a:uFillTx/>
+                <a:latin typeface="Aptos"/>
+              </a:rPr>
+              <a:t>Terceiro nível</a:t>
+            </a:r>
+            <a:endParaRPr b="0" lang="pt-BR" sz="2000" strike="noStrike" u="none">
+              <a:solidFill>
+                <a:srgbClr val="000000"/>
+              </a:solidFill>
+              <a:effectLst/>
+              <a:uFillTx/>
+              <a:latin typeface="Arial"/>
+            </a:endParaRPr>
+          </a:p>
+          <a:p>
+            <a:pPr lvl="3" marL="1600200" indent="-228600" defTabSz="914400">
+              <a:lnSpc>
+                <a:spcPct val="90000"/>
+              </a:lnSpc>
+              <a:spcBef>
+                <a:spcPts val="499"/>
+              </a:spcBef>
+              <a:buClr>
+                <a:srgbClr val="000000"/>
+              </a:buClr>
+              <a:buFont typeface="Arial"/>
+              <a:buChar char="•"/>
+            </a:pPr>
+            <a:r>
+              <a:rPr b="0" lang="pt-BR" sz="1800" strike="noStrike" u="none">
+                <a:solidFill>
+                  <a:schemeClr val="dk1"/>
+                </a:solidFill>
+                <a:effectLst/>
+                <a:uFillTx/>
+                <a:latin typeface="Aptos"/>
+              </a:rPr>
+              <a:t>Quarto nível</a:t>
+            </a:r>
+            <a:endParaRPr b="0" lang="pt-BR" sz="1800" strike="noStrike" u="none">
+              <a:solidFill>
+                <a:srgbClr val="000000"/>
+              </a:solidFill>
+              <a:effectLst/>
+              <a:uFillTx/>
+              <a:latin typeface="Arial"/>
+            </a:endParaRPr>
+          </a:p>
+          <a:p>
+            <a:pPr lvl="4" marL="2057400" indent="-228600" defTabSz="914400">
+              <a:lnSpc>
+                <a:spcPct val="90000"/>
+              </a:lnSpc>
+              <a:spcBef>
+                <a:spcPts val="499"/>
+              </a:spcBef>
+              <a:buClr>
+                <a:srgbClr val="000000"/>
+              </a:buClr>
+              <a:buFont typeface="Arial"/>
+              <a:buChar char="•"/>
+            </a:pPr>
+            <a:r>
+              <a:rPr b="0" lang="pt-BR" sz="1800" strike="noStrike" u="none">
+                <a:solidFill>
+                  <a:schemeClr val="dk1"/>
+                </a:solidFill>
+                <a:effectLst/>
+                <a:uFillTx/>
+                <a:latin typeface="Aptos"/>
+              </a:rPr>
+              <a:t>Quinto nível</a:t>
+            </a:r>
+            <a:endParaRPr b="0" lang="pt-BR" sz="1800" strike="noStrike" u="none">
+              <a:solidFill>
+                <a:srgbClr val="000000"/>
+              </a:solidFill>
+              <a:effectLst/>
+              <a:uFillTx/>
+              <a:latin typeface="Arial"/>
+            </a:endParaRPr>
+          </a:p>
+        </p:txBody>
+      </p:sp>
+      <p:sp>
+        <p:nvSpPr>
+          <p:cNvPr id="62" name="PlaceHolder 3"/>
+          <p:cNvSpPr>
+            <a:spLocks noGrp="1"/>
+          </p:cNvSpPr>
+          <p:nvPr>
+            <p:ph type="dt" idx="34"/>
+          </p:nvPr>
+        </p:nvSpPr>
+        <p:spPr>
+          <a:xfrm>
+            <a:off x="838080" y="6356520"/>
+            <a:ext cx="2738880" cy="360720"/>
+          </a:xfrm>
+          <a:prstGeom prst="rect">
+            <a:avLst/>
+          </a:prstGeom>
+          <a:noFill/>
+          <a:ln w="0">
+            <a:noFill/>
+          </a:ln>
+        </p:spPr>
+        <p:txBody>
+          <a:bodyPr lIns="91440" rIns="91440" tIns="45720" bIns="45720" anchor="ctr">
+            <a:noAutofit/>
+          </a:bodyPr>
+          <a:lstStyle>
+            <a:lvl1pPr indent="0" defTabSz="914400">
+              <a:lnSpc>
+                <a:spcPct val="100000"/>
+              </a:lnSpc>
+              <a:buNone/>
+              <a:tabLst>
+                <a:tab algn="l" pos="0"/>
+              </a:tabLst>
+              <a:defRPr b="0" lang="de-DE" sz="1200" strike="noStrike" u="none">
+                <a:solidFill>
+                  <a:schemeClr val="dk1">
+                    <a:tint val="82000"/>
+                  </a:schemeClr>
+                </a:solidFill>
+                <a:effectLst/>
+                <a:uFillTx/>
+                <a:latin typeface="Aptos"/>
+              </a:defRPr>
+            </a:lvl1pPr>
+          </a:lstStyle>
+          <a:p>
+            <a:pPr indent="0" defTabSz="914400">
+              <a:lnSpc>
+                <a:spcPct val="100000"/>
+              </a:lnSpc>
+              <a:buNone/>
+              <a:tabLst>
+                <a:tab algn="l" pos="0"/>
+              </a:tabLst>
+            </a:pPr>
+            <a:r>
+              <a:rPr b="0" lang="de-DE" sz="1200" strike="noStrike" u="none">
+                <a:solidFill>
+                  <a:schemeClr val="dk1">
+                    <a:tint val="82000"/>
+                  </a:schemeClr>
+                </a:solidFill>
+                <a:effectLst/>
+                <a:uFillTx/>
+                <a:latin typeface="Aptos"/>
+              </a:rPr>
+              <a:t>&lt;data/hora&gt;</a:t>
+            </a:r>
+            <a:endParaRPr b="0" lang="pt-BR" sz="1200" strike="noStrike" u="none">
+              <a:solidFill>
+                <a:srgbClr val="000000"/>
+              </a:solidFill>
+              <a:effectLst/>
+              <a:uFillTx/>
+              <a:latin typeface="Times New Roman"/>
+            </a:endParaRPr>
+          </a:p>
+        </p:txBody>
+      </p:sp>
+      <p:sp>
+        <p:nvSpPr>
+          <p:cNvPr id="63" name="PlaceHolder 4"/>
+          <p:cNvSpPr>
+            <a:spLocks noGrp="1"/>
+          </p:cNvSpPr>
+          <p:nvPr>
+            <p:ph type="ftr" idx="35"/>
+          </p:nvPr>
+        </p:nvSpPr>
+        <p:spPr>
+          <a:xfrm>
+            <a:off x="4038480" y="6356520"/>
+            <a:ext cx="4110480" cy="360720"/>
+          </a:xfrm>
+          <a:prstGeom prst="rect">
+            <a:avLst/>
+          </a:prstGeom>
+          <a:noFill/>
+          <a:ln w="0">
+            <a:noFill/>
+          </a:ln>
+        </p:spPr>
+        <p:txBody>
+          <a:bodyPr lIns="91440" rIns="91440" tIns="45720" bIns="45720" anchor="ctr">
+            <a:noAutofit/>
+          </a:bodyPr>
+          <a:lstStyle>
+            <a:lvl1pPr indent="0" algn="ctr">
+              <a:lnSpc>
+                <a:spcPct val="100000"/>
+              </a:lnSpc>
+              <a:buNone/>
+              <a:tabLst>
+                <a:tab algn="l" pos="0"/>
+              </a:tabLst>
+              <a:defRPr b="0" lang="pt-BR" sz="1400" strike="noStrike" u="none">
+                <a:solidFill>
+                  <a:srgbClr val="000000"/>
+                </a:solidFill>
+                <a:effectLst/>
+                <a:uFillTx/>
+                <a:latin typeface="Times New Roman"/>
+              </a:defRPr>
+            </a:lvl1pPr>
+          </a:lstStyle>
+          <a:p>
+            <a:pPr indent="0" algn="ctr">
+              <a:lnSpc>
+                <a:spcPct val="100000"/>
+              </a:lnSpc>
+              <a:buNone/>
+              <a:tabLst>
+                <a:tab algn="l" pos="0"/>
+              </a:tabLst>
+            </a:pPr>
+            <a:r>
+              <a:rPr b="0" lang="pt-BR" sz="1400" strike="noStrike" u="none">
+                <a:solidFill>
+                  <a:srgbClr val="000000"/>
+                </a:solidFill>
+                <a:effectLst/>
+                <a:uFillTx/>
+                <a:latin typeface="Times New Roman"/>
+              </a:rPr>
+              <a:t>&lt;rodapé&gt;</a:t>
+            </a:r>
+            <a:endParaRPr b="0" lang="pt-BR" sz="1400" strike="noStrike" u="none">
+              <a:solidFill>
+                <a:srgbClr val="000000"/>
+              </a:solidFill>
+              <a:effectLst/>
+              <a:uFillTx/>
+              <a:latin typeface="Times New Roman"/>
+            </a:endParaRPr>
+          </a:p>
+        </p:txBody>
+      </p:sp>
+      <p:sp>
+        <p:nvSpPr>
+          <p:cNvPr id="64" name="PlaceHolder 5"/>
+          <p:cNvSpPr>
+            <a:spLocks noGrp="1"/>
+          </p:cNvSpPr>
+          <p:nvPr>
+            <p:ph type="sldNum" idx="36"/>
+          </p:nvPr>
+        </p:nvSpPr>
+        <p:spPr>
+          <a:xfrm>
+            <a:off x="8610480" y="6356520"/>
+            <a:ext cx="2738880" cy="360720"/>
+          </a:xfrm>
+          <a:prstGeom prst="rect">
+            <a:avLst/>
+          </a:prstGeom>
+          <a:noFill/>
+          <a:ln w="0">
+            <a:noFill/>
+          </a:ln>
+        </p:spPr>
+        <p:txBody>
+          <a:bodyPr lIns="91440" rIns="91440" tIns="45720" bIns="45720" anchor="ctr">
+            <a:noAutofit/>
+          </a:bodyPr>
+          <a:lstStyle>
+            <a:lvl1pPr indent="0" algn="r" defTabSz="914400">
+              <a:lnSpc>
+                <a:spcPct val="100000"/>
+              </a:lnSpc>
+              <a:buNone/>
+              <a:tabLst>
+                <a:tab algn="l" pos="0"/>
+              </a:tabLst>
+              <a:defRPr b="0" lang="de-DE" sz="1200" strike="noStrike" u="none">
+                <a:solidFill>
+                  <a:schemeClr val="dk1">
+                    <a:tint val="82000"/>
+                  </a:schemeClr>
+                </a:solidFill>
+                <a:effectLst/>
+                <a:uFillTx/>
+                <a:latin typeface="Aptos"/>
+              </a:defRPr>
+            </a:lvl1pPr>
+          </a:lstStyle>
+          <a:p>
+            <a:pPr indent="0" algn="r" defTabSz="914400">
+              <a:lnSpc>
+                <a:spcPct val="100000"/>
+              </a:lnSpc>
+              <a:buNone/>
+              <a:tabLst>
+                <a:tab algn="l" pos="0"/>
+              </a:tabLst>
+            </a:pPr>
+            <a:fld id="{07EBE07D-13FC-4D42-B3F8-49B61E6FE6AF}" type="slidenum">
+              <a:rPr b="0" lang="de-DE" sz="1200" strike="noStrike" u="none">
+                <a:solidFill>
+                  <a:schemeClr val="dk1">
+                    <a:tint val="82000"/>
+                  </a:schemeClr>
+                </a:solidFill>
+                <a:effectLst/>
+                <a:uFillTx/>
+                <a:latin typeface="Aptos"/>
+              </a:rPr>
+              <a:t>&lt;número&gt;</a:t>
+            </a:fld>
+            <a:endParaRPr b="0" lang="pt-BR" sz="1200" strike="noStrike" u="none">
+              <a:solidFill>
+                <a:srgbClr val="000000"/>
+              </a:solidFill>
+              <a:effectLst/>
+              <a:uFillTx/>
+              <a:latin typeface="Times New Roman"/>
+            </a:endParaRPr>
+          </a:p>
+        </p:txBody>
+      </p:sp>
+    </p:spTree>
+  </p:cSld>
+</p:sldLayout>
+</file>
+
+<file path=ppt/slideLayouts/slideLayout2.xml><?xml version="1.0" encoding="utf-8"?>
 <p:sldLayout xmlns:a="http://schemas.openxmlformats.org/drawingml/2006/main" xmlns:p="http://schemas.openxmlformats.org/presentationml/2006/main" xmlns:r="http://schemas.openxmlformats.org/officeDocument/2006/relationships" xmlns:p14="http://schemas.microsoft.com/office/powerpoint/2010/main" xmlns:p15="http://schemas.microsoft.com/office/powerpoint/2012/main" xmlns:mc="http://schemas.openxmlformats.org/markup-compatibility/2006" type="blank" preserve="1">
   <p:cSld name="Cabeçalho da Seção">
     <p:bg>
@@ -379,7 +2240,7 @@
       </p:grpSpPr>
       <p:sp>
         <p:nvSpPr>
-          <p:cNvPr id="46" name="PlaceHolder 1"/>
+          <p:cNvPr id="5" name="PlaceHolder 1"/>
           <p:cNvSpPr>
             <a:spLocks noGrp="1"/>
           </p:cNvSpPr>
@@ -390,7 +2251,7 @@
         <p:spPr>
           <a:xfrm>
             <a:off x="831960" y="1709640"/>
-            <a:ext cx="10511640" cy="2848680"/>
+            <a:ext cx="10511280" cy="2848320"/>
           </a:xfrm>
           <a:prstGeom prst="rect">
             <a:avLst/>
@@ -438,7 +2299,7 @@
       </p:sp>
       <p:sp>
         <p:nvSpPr>
-          <p:cNvPr id="47" name="PlaceHolder 2"/>
+          <p:cNvPr id="6" name="PlaceHolder 2"/>
           <p:cNvSpPr>
             <a:spLocks noGrp="1"/>
           </p:cNvSpPr>
@@ -449,7 +2310,7 @@
         <p:spPr>
           <a:xfrm>
             <a:off x="831960" y="4589640"/>
-            <a:ext cx="10511640" cy="1496160"/>
+            <a:ext cx="10511280" cy="1495800"/>
           </a:xfrm>
           <a:prstGeom prst="rect">
             <a:avLst/>
@@ -502,18 +2363,18 @@
       </p:sp>
       <p:sp>
         <p:nvSpPr>
-          <p:cNvPr id="48" name="PlaceHolder 3"/>
+          <p:cNvPr id="7" name="PlaceHolder 3"/>
           <p:cNvSpPr>
             <a:spLocks noGrp="1"/>
           </p:cNvSpPr>
           <p:nvPr>
-            <p:ph type="dt" idx="28"/>
+            <p:ph type="dt" idx="4"/>
           </p:nvPr>
         </p:nvSpPr>
         <p:spPr>
           <a:xfrm>
             <a:off x="838080" y="6356520"/>
-            <a:ext cx="2739240" cy="361080"/>
+            <a:ext cx="2738880" cy="360720"/>
           </a:xfrm>
           <a:prstGeom prst="rect">
             <a:avLst/>
@@ -569,7 +2430,7 @@
                 <a:uFillTx/>
                 <a:latin typeface="Aptos"/>
               </a:rPr>
-              <a:t>&lt;data/hora&gt;</a:t>
+              <a:t> </a:t>
             </a:r>
             <a:endParaRPr b="0" lang="pt-BR" sz="1200" strike="noStrike" u="none">
               <a:solidFill>
@@ -584,18 +2445,18 @@
       </p:sp>
       <p:sp>
         <p:nvSpPr>
-          <p:cNvPr id="49" name="PlaceHolder 4"/>
+          <p:cNvPr id="8" name="PlaceHolder 4"/>
           <p:cNvSpPr>
             <a:spLocks noGrp="1"/>
           </p:cNvSpPr>
           <p:nvPr>
-            <p:ph type="ftr" idx="29"/>
+            <p:ph type="ftr" idx="5"/>
           </p:nvPr>
         </p:nvSpPr>
         <p:spPr>
           <a:xfrm>
             <a:off x="4038480" y="6356520"/>
-            <a:ext cx="4110840" cy="361080"/>
+            <a:ext cx="4110480" cy="360720"/>
           </a:xfrm>
           <a:prstGeom prst="rect">
             <a:avLst/>
@@ -647,7 +2508,7 @@
                 <a:uFillTx/>
                 <a:latin typeface="Times New Roman"/>
               </a:rPr>
-              <a:t>&lt;rodapé&gt;</a:t>
+              <a:t> </a:t>
             </a:r>
             <a:endParaRPr b="0" lang="pt-BR" sz="1400" strike="noStrike" u="none">
               <a:solidFill>
@@ -662,18 +2523,18 @@
       </p:sp>
       <p:sp>
         <p:nvSpPr>
-          <p:cNvPr id="50" name="PlaceHolder 5"/>
+          <p:cNvPr id="9" name="PlaceHolder 5"/>
           <p:cNvSpPr>
             <a:spLocks noGrp="1"/>
           </p:cNvSpPr>
           <p:nvPr>
-            <p:ph type="sldNum" idx="30"/>
+            <p:ph type="sldNum" idx="6"/>
           </p:nvPr>
         </p:nvSpPr>
         <p:spPr>
           <a:xfrm>
             <a:off x="8610480" y="6356520"/>
-            <a:ext cx="2739240" cy="361080"/>
+            <a:ext cx="2738880" cy="360720"/>
           </a:xfrm>
           <a:prstGeom prst="rect">
             <a:avLst/>
@@ -718,7 +2579,7 @@
                 <a:tab algn="l" pos="0"/>
               </a:tabLst>
             </a:pPr>
-            <a:fld id="{4B976F68-341A-4D69-8501-7E57087B0A25}" type="slidenum">
+            <a:fld id="{39E5C2E3-92A2-4219-98AA-D0B418124BDE}" type="slidenum">
               <a:rPr b="0" lang="de-DE" sz="1200" strike="noStrike" u="none">
                 <a:solidFill>
                   <a:schemeClr val="dk1">
@@ -729,7 +2590,7 @@
                 <a:uFillTx/>
                 <a:latin typeface="Aptos"/>
               </a:rPr>
-              <a:t>&lt;número&gt;</a:t>
+              <a:t>3</a:t>
             </a:fld>
             <a:endParaRPr b="0" lang="pt-BR" sz="1200" strike="noStrike" u="none">
               <a:solidFill>
@@ -747,7 +2608,7 @@
 </p:sldLayout>
 </file>
 
-<file path=ppt/slideLayouts/slideLayout11.xml><?xml version="1.0" encoding="utf-8"?>
+<file path=ppt/slideLayouts/slideLayout3.xml><?xml version="1.0" encoding="utf-8"?>
 <p:sldLayout xmlns:a="http://schemas.openxmlformats.org/drawingml/2006/main" xmlns:p="http://schemas.openxmlformats.org/presentationml/2006/main" xmlns:r="http://schemas.openxmlformats.org/officeDocument/2006/relationships" xmlns:p14="http://schemas.microsoft.com/office/powerpoint/2010/main" xmlns:p15="http://schemas.microsoft.com/office/powerpoint/2012/main" xmlns:mc="http://schemas.openxmlformats.org/markup-compatibility/2006" type="twoObj" preserve="1">
   <p:cSld name="Duas Partes de Conteúdo">
     <p:bg>
@@ -773,7 +2634,7 @@
       </p:grpSpPr>
       <p:sp>
         <p:nvSpPr>
-          <p:cNvPr id="51" name="PlaceHolder 1"/>
+          <p:cNvPr id="10" name="PlaceHolder 1"/>
           <p:cNvSpPr>
             <a:spLocks noGrp="1"/>
           </p:cNvSpPr>
@@ -784,7 +2645,7 @@
         <p:spPr>
           <a:xfrm>
             <a:off x="838080" y="365040"/>
-            <a:ext cx="10511640" cy="1321560"/>
+            <a:ext cx="10511280" cy="1321200"/>
           </a:xfrm>
           <a:prstGeom prst="rect">
             <a:avLst/>
@@ -832,7 +2693,7 @@
       </p:sp>
       <p:sp>
         <p:nvSpPr>
-          <p:cNvPr id="52" name="PlaceHolder 2"/>
+          <p:cNvPr id="11" name="PlaceHolder 2"/>
           <p:cNvSpPr>
             <a:spLocks noGrp="1"/>
           </p:cNvSpPr>
@@ -843,7 +2704,7 @@
         <p:spPr>
           <a:xfrm>
             <a:off x="838080" y="1825560"/>
-            <a:ext cx="5177520" cy="4347360"/>
+            <a:ext cx="5177160" cy="4347000"/>
           </a:xfrm>
           <a:prstGeom prst="rect">
             <a:avLst/>
@@ -1031,7 +2892,7 @@
       </p:sp>
       <p:sp>
         <p:nvSpPr>
-          <p:cNvPr id="53" name="PlaceHolder 3"/>
+          <p:cNvPr id="12" name="PlaceHolder 3"/>
           <p:cNvSpPr>
             <a:spLocks noGrp="1"/>
           </p:cNvSpPr>
@@ -1042,7 +2903,7 @@
         <p:spPr>
           <a:xfrm>
             <a:off x="6172200" y="1825560"/>
-            <a:ext cx="5177520" cy="4347360"/>
+            <a:ext cx="5177160" cy="4347000"/>
           </a:xfrm>
           <a:prstGeom prst="rect">
             <a:avLst/>
@@ -1230,18 +3091,18 @@
       </p:sp>
       <p:sp>
         <p:nvSpPr>
-          <p:cNvPr id="54" name="PlaceHolder 4"/>
+          <p:cNvPr id="13" name="PlaceHolder 4"/>
           <p:cNvSpPr>
             <a:spLocks noGrp="1"/>
           </p:cNvSpPr>
           <p:nvPr>
-            <p:ph type="dt" idx="31"/>
+            <p:ph type="dt" idx="7"/>
           </p:nvPr>
         </p:nvSpPr>
         <p:spPr>
           <a:xfrm>
             <a:off x="838080" y="6356520"/>
-            <a:ext cx="2739240" cy="361080"/>
+            <a:ext cx="2738880" cy="360720"/>
           </a:xfrm>
           <a:prstGeom prst="rect">
             <a:avLst/>
@@ -1297,7 +3158,7 @@
                 <a:uFillTx/>
                 <a:latin typeface="Aptos"/>
               </a:rPr>
-              <a:t>&lt;data/hora&gt;</a:t>
+              <a:t> </a:t>
             </a:r>
             <a:endParaRPr b="0" lang="pt-BR" sz="1200" strike="noStrike" u="none">
               <a:solidFill>
@@ -1312,18 +3173,18 @@
       </p:sp>
       <p:sp>
         <p:nvSpPr>
-          <p:cNvPr id="55" name="PlaceHolder 5"/>
+          <p:cNvPr id="14" name="PlaceHolder 5"/>
           <p:cNvSpPr>
             <a:spLocks noGrp="1"/>
           </p:cNvSpPr>
           <p:nvPr>
-            <p:ph type="ftr" idx="32"/>
+            <p:ph type="ftr" idx="8"/>
           </p:nvPr>
         </p:nvSpPr>
         <p:spPr>
           <a:xfrm>
             <a:off x="4038480" y="6356520"/>
-            <a:ext cx="4110840" cy="361080"/>
+            <a:ext cx="4110480" cy="360720"/>
           </a:xfrm>
           <a:prstGeom prst="rect">
             <a:avLst/>
@@ -1375,7 +3236,7 @@
                 <a:uFillTx/>
                 <a:latin typeface="Times New Roman"/>
               </a:rPr>
-              <a:t>&lt;rodapé&gt;</a:t>
+              <a:t> </a:t>
             </a:r>
             <a:endParaRPr b="0" lang="pt-BR" sz="1400" strike="noStrike" u="none">
               <a:solidFill>
@@ -1390,18 +3251,18 @@
       </p:sp>
       <p:sp>
         <p:nvSpPr>
-          <p:cNvPr id="56" name="PlaceHolder 6"/>
+          <p:cNvPr id="15" name="PlaceHolder 6"/>
           <p:cNvSpPr>
             <a:spLocks noGrp="1"/>
           </p:cNvSpPr>
           <p:nvPr>
-            <p:ph type="sldNum" idx="33"/>
+            <p:ph type="sldNum" idx="9"/>
           </p:nvPr>
         </p:nvSpPr>
         <p:spPr>
           <a:xfrm>
             <a:off x="8610480" y="6356520"/>
-            <a:ext cx="2739240" cy="361080"/>
+            <a:ext cx="2738880" cy="360720"/>
           </a:xfrm>
           <a:prstGeom prst="rect">
             <a:avLst/>
@@ -1446,7 +3307,7 @@
                 <a:tab algn="l" pos="0"/>
               </a:tabLst>
             </a:pPr>
-            <a:fld id="{2241F637-026F-4C6E-93A7-5D5046F63502}" type="slidenum">
+            <a:fld id="{7EF198A6-225E-4562-9382-591E1FF97544}" type="slidenum">
               <a:rPr b="0" lang="de-DE" sz="1200" strike="noStrike" u="none">
                 <a:solidFill>
                   <a:schemeClr val="dk1">
@@ -1457,7 +3318,7 @@
                 <a:uFillTx/>
                 <a:latin typeface="Aptos"/>
               </a:rPr>
-              <a:t>&lt;número&gt;</a:t>
+              <a:t>3</a:t>
             </a:fld>
             <a:endParaRPr b="0" lang="pt-BR" sz="1200" strike="noStrike" u="none">
               <a:solidFill>
@@ -1475,7 +3336,7 @@
 </p:sldLayout>
 </file>
 
-<file path=ppt/slideLayouts/slideLayout12.xml><?xml version="1.0" encoding="utf-8"?>
+<file path=ppt/slideLayouts/slideLayout4.xml><?xml version="1.0" encoding="utf-8"?>
 <p:sldLayout xmlns:a="http://schemas.openxmlformats.org/drawingml/2006/main" xmlns:p="http://schemas.openxmlformats.org/presentationml/2006/main" xmlns:r="http://schemas.openxmlformats.org/officeDocument/2006/relationships" xmlns:p14="http://schemas.microsoft.com/office/powerpoint/2010/main" xmlns:p15="http://schemas.microsoft.com/office/powerpoint/2012/main" xmlns:mc="http://schemas.openxmlformats.org/markup-compatibility/2006" type="blank" preserve="1">
   <p:cSld name="Comparação">
     <p:bg>
@@ -1501,7 +3362,7 @@
       </p:grpSpPr>
       <p:sp>
         <p:nvSpPr>
-          <p:cNvPr id="57" name="PlaceHolder 1"/>
+          <p:cNvPr id="16" name="PlaceHolder 1"/>
           <p:cNvSpPr>
             <a:spLocks noGrp="1"/>
           </p:cNvSpPr>
@@ -1512,7 +3373,7 @@
         <p:spPr>
           <a:xfrm>
             <a:off x="839880" y="365040"/>
-            <a:ext cx="10511640" cy="1321560"/>
+            <a:ext cx="10511280" cy="1321200"/>
           </a:xfrm>
           <a:prstGeom prst="rect">
             <a:avLst/>
@@ -1560,7 +3421,7 @@
       </p:sp>
       <p:sp>
         <p:nvSpPr>
-          <p:cNvPr id="58" name="PlaceHolder 2"/>
+          <p:cNvPr id="17" name="PlaceHolder 2"/>
           <p:cNvSpPr>
             <a:spLocks noGrp="1"/>
           </p:cNvSpPr>
@@ -1571,7 +3432,7 @@
         <p:spPr>
           <a:xfrm>
             <a:off x="839880" y="1681200"/>
-            <a:ext cx="5153760" cy="820080"/>
+            <a:ext cx="5153400" cy="819720"/>
           </a:xfrm>
           <a:prstGeom prst="rect">
             <a:avLst/>
@@ -1622,7 +3483,7 @@
       </p:sp>
       <p:sp>
         <p:nvSpPr>
-          <p:cNvPr id="59" name="PlaceHolder 3"/>
+          <p:cNvPr id="18" name="PlaceHolder 3"/>
           <p:cNvSpPr>
             <a:spLocks noGrp="1"/>
           </p:cNvSpPr>
@@ -1633,7 +3494,7 @@
         <p:spPr>
           <a:xfrm>
             <a:off x="839880" y="2505240"/>
-            <a:ext cx="5153760" cy="3680640"/>
+            <a:ext cx="5153400" cy="3680280"/>
           </a:xfrm>
           <a:prstGeom prst="rect">
             <a:avLst/>
@@ -1821,7 +3682,7 @@
       </p:sp>
       <p:sp>
         <p:nvSpPr>
-          <p:cNvPr id="60" name="PlaceHolder 4"/>
+          <p:cNvPr id="19" name="PlaceHolder 4"/>
           <p:cNvSpPr>
             <a:spLocks noGrp="1"/>
           </p:cNvSpPr>
@@ -1832,7 +3693,7 @@
         <p:spPr>
           <a:xfrm>
             <a:off x="6172200" y="1681200"/>
-            <a:ext cx="5179320" cy="820080"/>
+            <a:ext cx="5178960" cy="819720"/>
           </a:xfrm>
           <a:prstGeom prst="rect">
             <a:avLst/>
@@ -1883,7 +3744,7 @@
       </p:sp>
       <p:sp>
         <p:nvSpPr>
-          <p:cNvPr id="61" name="PlaceHolder 5"/>
+          <p:cNvPr id="20" name="PlaceHolder 5"/>
           <p:cNvSpPr>
             <a:spLocks noGrp="1"/>
           </p:cNvSpPr>
@@ -1894,7 +3755,7 @@
         <p:spPr>
           <a:xfrm>
             <a:off x="6172200" y="2505240"/>
-            <a:ext cx="5179320" cy="3680640"/>
+            <a:ext cx="5178960" cy="3680280"/>
           </a:xfrm>
           <a:prstGeom prst="rect">
             <a:avLst/>
@@ -2082,18 +3943,18 @@
       </p:sp>
       <p:sp>
         <p:nvSpPr>
-          <p:cNvPr id="62" name="PlaceHolder 6"/>
+          <p:cNvPr id="21" name="PlaceHolder 6"/>
           <p:cNvSpPr>
             <a:spLocks noGrp="1"/>
           </p:cNvSpPr>
           <p:nvPr>
-            <p:ph type="dt" idx="34"/>
+            <p:ph type="dt" idx="10"/>
           </p:nvPr>
         </p:nvSpPr>
         <p:spPr>
           <a:xfrm>
             <a:off x="838080" y="6356520"/>
-            <a:ext cx="2739240" cy="361080"/>
+            <a:ext cx="2738880" cy="360720"/>
           </a:xfrm>
           <a:prstGeom prst="rect">
             <a:avLst/>
@@ -2149,7 +4010,7 @@
                 <a:uFillTx/>
                 <a:latin typeface="Aptos"/>
               </a:rPr>
-              <a:t>&lt;data/hora&gt;</a:t>
+              <a:t> </a:t>
             </a:r>
             <a:endParaRPr b="0" lang="pt-BR" sz="1200" strike="noStrike" u="none">
               <a:solidFill>
@@ -2164,18 +4025,18 @@
       </p:sp>
       <p:sp>
         <p:nvSpPr>
-          <p:cNvPr id="63" name="PlaceHolder 7"/>
+          <p:cNvPr id="22" name="PlaceHolder 7"/>
           <p:cNvSpPr>
             <a:spLocks noGrp="1"/>
           </p:cNvSpPr>
           <p:nvPr>
-            <p:ph type="ftr" idx="35"/>
+            <p:ph type="ftr" idx="11"/>
           </p:nvPr>
         </p:nvSpPr>
         <p:spPr>
           <a:xfrm>
             <a:off x="4038480" y="6356520"/>
-            <a:ext cx="4110840" cy="361080"/>
+            <a:ext cx="4110480" cy="360720"/>
           </a:xfrm>
           <a:prstGeom prst="rect">
             <a:avLst/>
@@ -2227,7 +4088,7 @@
                 <a:uFillTx/>
                 <a:latin typeface="Times New Roman"/>
               </a:rPr>
-              <a:t>&lt;rodapé&gt;</a:t>
+              <a:t> </a:t>
             </a:r>
             <a:endParaRPr b="0" lang="pt-BR" sz="1400" strike="noStrike" u="none">
               <a:solidFill>
@@ -2242,18 +4103,18 @@
       </p:sp>
       <p:sp>
         <p:nvSpPr>
-          <p:cNvPr id="64" name="PlaceHolder 8"/>
+          <p:cNvPr id="23" name="PlaceHolder 8"/>
           <p:cNvSpPr>
             <a:spLocks noGrp="1"/>
           </p:cNvSpPr>
           <p:nvPr>
-            <p:ph type="sldNum" idx="36"/>
+            <p:ph type="sldNum" idx="12"/>
           </p:nvPr>
         </p:nvSpPr>
         <p:spPr>
           <a:xfrm>
             <a:off x="8610480" y="6356520"/>
-            <a:ext cx="2739240" cy="361080"/>
+            <a:ext cx="2738880" cy="360720"/>
           </a:xfrm>
           <a:prstGeom prst="rect">
             <a:avLst/>
@@ -2298,7 +4159,7 @@
                 <a:tab algn="l" pos="0"/>
               </a:tabLst>
             </a:pPr>
-            <a:fld id="{AE3A4F46-68EA-43C9-BD8F-7CCFA091BA55}" type="slidenum">
+            <a:fld id="{2DC311F4-2BD1-4D7C-91AB-A4A4332B2A93}" type="slidenum">
               <a:rPr b="0" lang="de-DE" sz="1200" strike="noStrike" u="none">
                 <a:solidFill>
                   <a:schemeClr val="dk1">
@@ -2309,7 +4170,7 @@
                 <a:uFillTx/>
                 <a:latin typeface="Aptos"/>
               </a:rPr>
-              <a:t>&lt;número&gt;</a:t>
+              <a:t>3</a:t>
             </a:fld>
             <a:endParaRPr b="0" lang="pt-BR" sz="1200" strike="noStrike" u="none">
               <a:solidFill>
@@ -2327,7 +4188,337 @@
 </p:sldLayout>
 </file>
 
-<file path=ppt/slideLayouts/slideLayout2.xml><?xml version="1.0" encoding="utf-8"?>
+<file path=ppt/slideLayouts/slideLayout5.xml><?xml version="1.0" encoding="utf-8"?>
+<p:sldLayout xmlns:a="http://schemas.openxmlformats.org/drawingml/2006/main" xmlns:p="http://schemas.openxmlformats.org/presentationml/2006/main" xmlns:r="http://schemas.openxmlformats.org/officeDocument/2006/relationships" xmlns:p14="http://schemas.microsoft.com/office/powerpoint/2010/main" xmlns:p15="http://schemas.microsoft.com/office/powerpoint/2012/main" xmlns:mc="http://schemas.openxmlformats.org/markup-compatibility/2006" type="titleOnly" preserve="1">
+  <p:cSld name="Somente título">
+    <p:bg>
+      <p:bgPr>
+        <a:solidFill>
+          <a:srgbClr val="ffffff"/>
+        </a:solidFill>
+      </p:bgPr>
+    </p:bg>
+    <p:spTree>
+      <p:nvGrpSpPr>
+        <p:cNvPr id="1" name=""/>
+        <p:cNvGrpSpPr/>
+        <p:nvPr/>
+      </p:nvGrpSpPr>
+      <p:grpSpPr>
+        <a:xfrm>
+          <a:off x="0" y="0"/>
+          <a:ext cx="0" cy="0"/>
+          <a:chOff x="0" y="0"/>
+          <a:chExt cx="0" cy="0"/>
+        </a:xfrm>
+      </p:grpSpPr>
+      <p:sp>
+        <p:nvSpPr>
+          <p:cNvPr id="24" name="PlaceHolder 1"/>
+          <p:cNvSpPr>
+            <a:spLocks noGrp="1"/>
+          </p:cNvSpPr>
+          <p:nvPr>
+            <p:ph type="title"/>
+          </p:nvPr>
+        </p:nvSpPr>
+        <p:spPr>
+          <a:xfrm>
+            <a:off x="838080" y="365040"/>
+            <a:ext cx="10511280" cy="1321200"/>
+          </a:xfrm>
+          <a:prstGeom prst="rect">
+            <a:avLst/>
+          </a:prstGeom>
+          <a:noFill/>
+          <a:ln w="0">
+            <a:noFill/>
+          </a:ln>
+        </p:spPr>
+        <p:txBody>
+          <a:bodyPr lIns="91440" rIns="91440" tIns="45720" bIns="45720" anchor="ctr">
+            <a:noAutofit/>
+          </a:bodyPr>
+          <a:p>
+            <a:pPr indent="0" defTabSz="914400">
+              <a:lnSpc>
+                <a:spcPct val="90000"/>
+              </a:lnSpc>
+              <a:buNone/>
+              <a:tabLst>
+                <a:tab algn="l" pos="0"/>
+              </a:tabLst>
+            </a:pPr>
+            <a:r>
+              <a:rPr b="0" lang="pt-BR" sz="4400" strike="noStrike" u="none">
+                <a:solidFill>
+                  <a:schemeClr val="dk1"/>
+                </a:solidFill>
+                <a:effectLst/>
+                <a:uFillTx/>
+                <a:latin typeface="Aptos Display"/>
+              </a:rPr>
+              <a:t>Clique para editar o título mestre</a:t>
+            </a:r>
+            <a:endParaRPr b="0" lang="pt-BR" sz="4400" strike="noStrike" u="none">
+              <a:solidFill>
+                <a:srgbClr val="000000"/>
+              </a:solidFill>
+              <a:effectLst/>
+              <a:uFillTx/>
+              <a:latin typeface="Arial"/>
+            </a:endParaRPr>
+          </a:p>
+        </p:txBody>
+      </p:sp>
+      <p:sp>
+        <p:nvSpPr>
+          <p:cNvPr id="25" name="PlaceHolder 2"/>
+          <p:cNvSpPr>
+            <a:spLocks noGrp="1"/>
+          </p:cNvSpPr>
+          <p:nvPr>
+            <p:ph type="dt" idx="13"/>
+          </p:nvPr>
+        </p:nvSpPr>
+        <p:spPr>
+          <a:xfrm>
+            <a:off x="838080" y="6356520"/>
+            <a:ext cx="2738880" cy="360720"/>
+          </a:xfrm>
+          <a:prstGeom prst="rect">
+            <a:avLst/>
+          </a:prstGeom>
+          <a:noFill/>
+          <a:ln w="0">
+            <a:noFill/>
+          </a:ln>
+        </p:spPr>
+        <p:txBody>
+          <a:bodyPr lIns="91440" rIns="91440" tIns="45720" bIns="45720" anchor="ctr">
+            <a:noAutofit/>
+          </a:bodyPr>
+          <a:lstStyle>
+            <a:lvl1pPr indent="0" defTabSz="914400">
+              <a:lnSpc>
+                <a:spcPct val="100000"/>
+              </a:lnSpc>
+              <a:buNone/>
+              <a:tabLst>
+                <a:tab algn="l" pos="0"/>
+              </a:tabLst>
+              <a:defRPr b="0" lang="de-DE" sz="1200" strike="noStrike" u="none">
+                <a:solidFill>
+                  <a:schemeClr val="dk1">
+                    <a:tint val="82000"/>
+                  </a:schemeClr>
+                </a:solidFill>
+                <a:effectLst/>
+                <a:uFillTx/>
+                <a:latin typeface="Aptos"/>
+              </a:defRPr>
+            </a:lvl1pPr>
+          </a:lstStyle>
+          <a:p>
+            <a:pPr indent="0" defTabSz="914400">
+              <a:lnSpc>
+                <a:spcPct val="100000"/>
+              </a:lnSpc>
+              <a:buNone/>
+              <a:tabLst>
+                <a:tab algn="l" pos="0"/>
+              </a:tabLst>
+            </a:pPr>
+            <a:r>
+              <a:rPr b="0" lang="de-DE" sz="1200" strike="noStrike" u="none">
+                <a:solidFill>
+                  <a:schemeClr val="dk1">
+                    <a:tint val="82000"/>
+                  </a:schemeClr>
+                </a:solidFill>
+                <a:effectLst/>
+                <a:uFillTx/>
+                <a:latin typeface="Aptos"/>
+              </a:rPr>
+              <a:t> </a:t>
+            </a:r>
+            <a:endParaRPr b="0" lang="pt-BR" sz="1200" strike="noStrike" u="none">
+              <a:solidFill>
+                <a:srgbClr val="000000"/>
+              </a:solidFill>
+              <a:effectLst/>
+              <a:uFillTx/>
+              <a:latin typeface="Times New Roman"/>
+            </a:endParaRPr>
+          </a:p>
+        </p:txBody>
+      </p:sp>
+      <p:sp>
+        <p:nvSpPr>
+          <p:cNvPr id="26" name="PlaceHolder 3"/>
+          <p:cNvSpPr>
+            <a:spLocks noGrp="1"/>
+          </p:cNvSpPr>
+          <p:nvPr>
+            <p:ph type="ftr" idx="14"/>
+          </p:nvPr>
+        </p:nvSpPr>
+        <p:spPr>
+          <a:xfrm>
+            <a:off x="4038480" y="6356520"/>
+            <a:ext cx="4110480" cy="360720"/>
+          </a:xfrm>
+          <a:prstGeom prst="rect">
+            <a:avLst/>
+          </a:prstGeom>
+          <a:noFill/>
+          <a:ln w="0">
+            <a:noFill/>
+          </a:ln>
+        </p:spPr>
+        <p:txBody>
+          <a:bodyPr lIns="91440" rIns="91440" tIns="45720" bIns="45720" anchor="ctr">
+            <a:noAutofit/>
+          </a:bodyPr>
+          <a:lstStyle>
+            <a:lvl1pPr indent="0" algn="ctr">
+              <a:lnSpc>
+                <a:spcPct val="100000"/>
+              </a:lnSpc>
+              <a:buNone/>
+              <a:tabLst>
+                <a:tab algn="l" pos="0"/>
+              </a:tabLst>
+              <a:defRPr b="0" lang="pt-BR" sz="1400" strike="noStrike" u="none">
+                <a:solidFill>
+                  <a:srgbClr val="000000"/>
+                </a:solidFill>
+                <a:effectLst/>
+                <a:uFillTx/>
+                <a:latin typeface="Times New Roman"/>
+              </a:defRPr>
+            </a:lvl1pPr>
+          </a:lstStyle>
+          <a:p>
+            <a:pPr indent="0" algn="ctr">
+              <a:lnSpc>
+                <a:spcPct val="100000"/>
+              </a:lnSpc>
+              <a:buNone/>
+              <a:tabLst>
+                <a:tab algn="l" pos="0"/>
+              </a:tabLst>
+            </a:pPr>
+            <a:r>
+              <a:rPr b="0" lang="pt-BR" sz="1400" strike="noStrike" u="none">
+                <a:solidFill>
+                  <a:srgbClr val="000000"/>
+                </a:solidFill>
+                <a:effectLst/>
+                <a:uFillTx/>
+                <a:latin typeface="Times New Roman"/>
+              </a:rPr>
+              <a:t> </a:t>
+            </a:r>
+            <a:endParaRPr b="0" lang="pt-BR" sz="1400" strike="noStrike" u="none">
+              <a:solidFill>
+                <a:srgbClr val="000000"/>
+              </a:solidFill>
+              <a:effectLst/>
+              <a:uFillTx/>
+              <a:latin typeface="Times New Roman"/>
+            </a:endParaRPr>
+          </a:p>
+        </p:txBody>
+      </p:sp>
+      <p:sp>
+        <p:nvSpPr>
+          <p:cNvPr id="27" name="PlaceHolder 4"/>
+          <p:cNvSpPr>
+            <a:spLocks noGrp="1"/>
+          </p:cNvSpPr>
+          <p:nvPr>
+            <p:ph type="sldNum" idx="15"/>
+          </p:nvPr>
+        </p:nvSpPr>
+        <p:spPr>
+          <a:xfrm>
+            <a:off x="8610480" y="6356520"/>
+            <a:ext cx="2738880" cy="360720"/>
+          </a:xfrm>
+          <a:prstGeom prst="rect">
+            <a:avLst/>
+          </a:prstGeom>
+          <a:noFill/>
+          <a:ln w="0">
+            <a:noFill/>
+          </a:ln>
+        </p:spPr>
+        <p:txBody>
+          <a:bodyPr lIns="91440" rIns="91440" tIns="45720" bIns="45720" anchor="ctr">
+            <a:noAutofit/>
+          </a:bodyPr>
+          <a:lstStyle>
+            <a:lvl1pPr indent="0" algn="r" defTabSz="914400">
+              <a:lnSpc>
+                <a:spcPct val="100000"/>
+              </a:lnSpc>
+              <a:buNone/>
+              <a:tabLst>
+                <a:tab algn="l" pos="0"/>
+              </a:tabLst>
+              <a:defRPr b="0" lang="de-DE" sz="1200" strike="noStrike" u="none">
+                <a:solidFill>
+                  <a:schemeClr val="dk1">
+                    <a:tint val="82000"/>
+                  </a:schemeClr>
+                </a:solidFill>
+                <a:effectLst/>
+                <a:uFillTx/>
+                <a:latin typeface="Aptos"/>
+              </a:defRPr>
+            </a:lvl1pPr>
+          </a:lstStyle>
+          <a:p>
+            <a:pPr indent="0" algn="r" defTabSz="914400">
+              <a:lnSpc>
+                <a:spcPct val="100000"/>
+              </a:lnSpc>
+              <a:buNone/>
+              <a:tabLst>
+                <a:tab algn="l" pos="0"/>
+              </a:tabLst>
+            </a:pPr>
+            <a:fld id="{2C482E10-03DE-4DE4-A5FE-75589D997C37}" type="slidenum">
+              <a:rPr b="0" lang="de-DE" sz="1200" strike="noStrike" u="none">
+                <a:solidFill>
+                  <a:schemeClr val="dk1">
+                    <a:tint val="82000"/>
+                  </a:schemeClr>
+                </a:solidFill>
+                <a:effectLst/>
+                <a:uFillTx/>
+                <a:latin typeface="Aptos"/>
+              </a:rPr>
+              <a:t>3</a:t>
+            </a:fld>
+            <a:endParaRPr b="0" lang="pt-BR" sz="1200" strike="noStrike" u="none">
+              <a:solidFill>
+                <a:srgbClr val="000000"/>
+              </a:solidFill>
+              <a:effectLst/>
+              <a:uFillTx/>
+              <a:latin typeface="Times New Roman"/>
+            </a:endParaRPr>
+          </a:p>
+        </p:txBody>
+      </p:sp>
+    </p:spTree>
+  </p:cSld>
+</p:sldLayout>
+</file>
+
+<file path=ppt/slideLayouts/slideLayout6.xml><?xml version="1.0" encoding="utf-8"?>
 <p:sldLayout xmlns:a="http://schemas.openxmlformats.org/drawingml/2006/main" xmlns:p="http://schemas.openxmlformats.org/presentationml/2006/main" xmlns:r="http://schemas.openxmlformats.org/officeDocument/2006/relationships" xmlns:p14="http://schemas.microsoft.com/office/powerpoint/2010/main" xmlns:p15="http://schemas.microsoft.com/office/powerpoint/2012/main" xmlns:mc="http://schemas.openxmlformats.org/markup-compatibility/2006" type="blank" preserve="1">
   <p:cSld name="Em branco">
     <p:bg>
@@ -2353,18 +4544,18 @@
       </p:grpSpPr>
       <p:sp>
         <p:nvSpPr>
-          <p:cNvPr id="4" name="PlaceHolder 1"/>
+          <p:cNvPr id="28" name="PlaceHolder 1"/>
           <p:cNvSpPr>
             <a:spLocks noGrp="1"/>
           </p:cNvSpPr>
           <p:nvPr>
-            <p:ph type="dt" idx="4"/>
+            <p:ph type="dt" idx="16"/>
           </p:nvPr>
         </p:nvSpPr>
         <p:spPr>
           <a:xfrm>
             <a:off x="838080" y="6356520"/>
-            <a:ext cx="2739240" cy="361080"/>
+            <a:ext cx="2738880" cy="360720"/>
           </a:xfrm>
           <a:prstGeom prst="rect">
             <a:avLst/>
@@ -2420,7 +4611,7 @@
                 <a:uFillTx/>
                 <a:latin typeface="Aptos"/>
               </a:rPr>
-              <a:t>&lt;data/hora&gt;</a:t>
+              <a:t> </a:t>
             </a:r>
             <a:endParaRPr b="0" lang="pt-BR" sz="1200" strike="noStrike" u="none">
               <a:solidFill>
@@ -2435,18 +4626,18 @@
       </p:sp>
       <p:sp>
         <p:nvSpPr>
-          <p:cNvPr id="5" name="PlaceHolder 2"/>
+          <p:cNvPr id="29" name="PlaceHolder 2"/>
           <p:cNvSpPr>
             <a:spLocks noGrp="1"/>
           </p:cNvSpPr>
           <p:nvPr>
-            <p:ph type="ftr" idx="5"/>
+            <p:ph type="ftr" idx="17"/>
           </p:nvPr>
         </p:nvSpPr>
         <p:spPr>
           <a:xfrm>
             <a:off x="4038480" y="6356520"/>
-            <a:ext cx="4110840" cy="361080"/>
+            <a:ext cx="4110480" cy="360720"/>
           </a:xfrm>
           <a:prstGeom prst="rect">
             <a:avLst/>
@@ -2498,7 +4689,7 @@
                 <a:uFillTx/>
                 <a:latin typeface="Times New Roman"/>
               </a:rPr>
-              <a:t>&lt;rodapé&gt;</a:t>
+              <a:t> </a:t>
             </a:r>
             <a:endParaRPr b="0" lang="pt-BR" sz="1400" strike="noStrike" u="none">
               <a:solidFill>
@@ -2513,18 +4704,18 @@
       </p:sp>
       <p:sp>
         <p:nvSpPr>
-          <p:cNvPr id="6" name="PlaceHolder 3"/>
+          <p:cNvPr id="30" name="PlaceHolder 3"/>
           <p:cNvSpPr>
             <a:spLocks noGrp="1"/>
           </p:cNvSpPr>
           <p:nvPr>
-            <p:ph type="sldNum" idx="6"/>
+            <p:ph type="sldNum" idx="18"/>
           </p:nvPr>
         </p:nvSpPr>
         <p:spPr>
           <a:xfrm>
             <a:off x="8610480" y="6356520"/>
-            <a:ext cx="2739240" cy="361080"/>
+            <a:ext cx="2738880" cy="360720"/>
           </a:xfrm>
           <a:prstGeom prst="rect">
             <a:avLst/>
@@ -2569,7 +4760,7 @@
                 <a:tab algn="l" pos="0"/>
               </a:tabLst>
             </a:pPr>
-            <a:fld id="{6FFA6776-6289-4BE8-9B70-9732F8B380AA}" type="slidenum">
+            <a:fld id="{F58EFE9E-A6A4-49A4-BBAB-4353AD18A9DD}" type="slidenum">
               <a:rPr b="0" lang="de-DE" sz="1200" strike="noStrike" u="none">
                 <a:solidFill>
                   <a:schemeClr val="dk1">
@@ -2580,7 +4771,7 @@
                 <a:uFillTx/>
                 <a:latin typeface="Aptos"/>
               </a:rPr>
-              <a:t>&lt;número&gt;</a:t>
+              <a:t>3</a:t>
             </a:fld>
             <a:endParaRPr b="0" lang="pt-BR" sz="1200" strike="noStrike" u="none">
               <a:solidFill>
@@ -2595,7 +4786,7 @@
       </p:sp>
       <p:sp>
         <p:nvSpPr>
-          <p:cNvPr id="7" name="PlaceHolder 4"/>
+          <p:cNvPr id="31" name="PlaceHolder 4"/>
           <p:cNvSpPr>
             <a:spLocks noGrp="1"/>
           </p:cNvSpPr>
@@ -2606,7 +4797,7 @@
         <p:spPr>
           <a:xfrm>
             <a:off x="609480" y="273600"/>
-            <a:ext cx="10969560" cy="1141920"/>
+            <a:ext cx="10969200" cy="1141560"/>
           </a:xfrm>
           <a:prstGeom prst="rect">
             <a:avLst/>
@@ -2654,7 +4845,7 @@
       </p:sp>
       <p:sp>
         <p:nvSpPr>
-          <p:cNvPr id="8" name="PlaceHolder 5"/>
+          <p:cNvPr id="32" name="PlaceHolder 5"/>
           <p:cNvSpPr>
             <a:spLocks noGrp="1"/>
           </p:cNvSpPr>
@@ -2665,7 +4856,7 @@
         <p:spPr>
           <a:xfrm>
             <a:off x="609480" y="1604520"/>
-            <a:ext cx="10969560" cy="3974400"/>
+            <a:ext cx="10969200" cy="3974040"/>
           </a:xfrm>
           <a:prstGeom prst="rect">
             <a:avLst/>
@@ -2931,7 +5122,7 @@
 </p:sldLayout>
 </file>
 
-<file path=ppt/slideLayouts/slideLayout3.xml><?xml version="1.0" encoding="utf-8"?>
+<file path=ppt/slideLayouts/slideLayout7.xml><?xml version="1.0" encoding="utf-8"?>
 <p:sldLayout xmlns:a="http://schemas.openxmlformats.org/drawingml/2006/main" xmlns:p="http://schemas.openxmlformats.org/presentationml/2006/main" xmlns:r="http://schemas.openxmlformats.org/officeDocument/2006/relationships" xmlns:p14="http://schemas.microsoft.com/office/powerpoint/2010/main" xmlns:p15="http://schemas.microsoft.com/office/powerpoint/2012/main" xmlns:mc="http://schemas.openxmlformats.org/markup-compatibility/2006" type="blank" preserve="1">
   <p:cSld name="Conteúdo com Legenda">
     <p:bg>
@@ -2957,7 +5148,7 @@
       </p:grpSpPr>
       <p:sp>
         <p:nvSpPr>
-          <p:cNvPr id="9" name="PlaceHolder 1"/>
+          <p:cNvPr id="33" name="PlaceHolder 1"/>
           <p:cNvSpPr>
             <a:spLocks noGrp="1"/>
           </p:cNvSpPr>
@@ -2968,7 +5159,7 @@
         <p:spPr>
           <a:xfrm>
             <a:off x="839880" y="457200"/>
-            <a:ext cx="3928320" cy="1596240"/>
+            <a:ext cx="3927960" cy="1595880"/>
           </a:xfrm>
           <a:prstGeom prst="rect">
             <a:avLst/>
@@ -3016,7 +5207,7 @@
       </p:sp>
       <p:sp>
         <p:nvSpPr>
-          <p:cNvPr id="10" name="PlaceHolder 2"/>
+          <p:cNvPr id="34" name="PlaceHolder 2"/>
           <p:cNvSpPr>
             <a:spLocks noGrp="1"/>
           </p:cNvSpPr>
@@ -3027,7 +5218,7 @@
         <p:spPr>
           <a:xfrm>
             <a:off x="5183280" y="987480"/>
-            <a:ext cx="6168240" cy="4869720"/>
+            <a:ext cx="6167880" cy="4869360"/>
           </a:xfrm>
           <a:prstGeom prst="rect">
             <a:avLst/>
@@ -3215,7 +5406,7 @@
       </p:sp>
       <p:sp>
         <p:nvSpPr>
-          <p:cNvPr id="11" name="PlaceHolder 3"/>
+          <p:cNvPr id="35" name="PlaceHolder 3"/>
           <p:cNvSpPr>
             <a:spLocks noGrp="1"/>
           </p:cNvSpPr>
@@ -3226,7 +5417,7 @@
         <p:spPr>
           <a:xfrm>
             <a:off x="839880" y="2057400"/>
-            <a:ext cx="3928320" cy="3807720"/>
+            <a:ext cx="3927960" cy="3807360"/>
           </a:xfrm>
           <a:prstGeom prst="rect">
             <a:avLst/>
@@ -3277,18 +5468,18 @@
       </p:sp>
       <p:sp>
         <p:nvSpPr>
-          <p:cNvPr id="12" name="PlaceHolder 4"/>
+          <p:cNvPr id="36" name="PlaceHolder 4"/>
           <p:cNvSpPr>
             <a:spLocks noGrp="1"/>
           </p:cNvSpPr>
           <p:nvPr>
-            <p:ph type="dt" idx="7"/>
+            <p:ph type="dt" idx="19"/>
           </p:nvPr>
         </p:nvSpPr>
         <p:spPr>
           <a:xfrm>
             <a:off x="838080" y="6356520"/>
-            <a:ext cx="2739240" cy="361080"/>
+            <a:ext cx="2738880" cy="360720"/>
           </a:xfrm>
           <a:prstGeom prst="rect">
             <a:avLst/>
@@ -3359,18 +5550,18 @@
       </p:sp>
       <p:sp>
         <p:nvSpPr>
-          <p:cNvPr id="13" name="PlaceHolder 5"/>
+          <p:cNvPr id="37" name="PlaceHolder 5"/>
           <p:cNvSpPr>
             <a:spLocks noGrp="1"/>
           </p:cNvSpPr>
           <p:nvPr>
-            <p:ph type="ftr" idx="8"/>
+            <p:ph type="ftr" idx="20"/>
           </p:nvPr>
         </p:nvSpPr>
         <p:spPr>
           <a:xfrm>
             <a:off x="4038480" y="6356520"/>
-            <a:ext cx="4110840" cy="361080"/>
+            <a:ext cx="4110480" cy="360720"/>
           </a:xfrm>
           <a:prstGeom prst="rect">
             <a:avLst/>
@@ -3437,18 +5628,18 @@
       </p:sp>
       <p:sp>
         <p:nvSpPr>
-          <p:cNvPr id="14" name="PlaceHolder 6"/>
+          <p:cNvPr id="38" name="PlaceHolder 6"/>
           <p:cNvSpPr>
             <a:spLocks noGrp="1"/>
           </p:cNvSpPr>
           <p:nvPr>
-            <p:ph type="sldNum" idx="9"/>
+            <p:ph type="sldNum" idx="21"/>
           </p:nvPr>
         </p:nvSpPr>
         <p:spPr>
           <a:xfrm>
             <a:off x="8610480" y="6356520"/>
-            <a:ext cx="2739240" cy="361080"/>
+            <a:ext cx="2738880" cy="360720"/>
           </a:xfrm>
           <a:prstGeom prst="rect">
             <a:avLst/>
@@ -3493,7 +5684,7 @@
                 <a:tab algn="l" pos="0"/>
               </a:tabLst>
             </a:pPr>
-            <a:fld id="{3A2016BF-8E68-4986-A360-CA3803D7CAA8}" type="slidenum">
+            <a:fld id="{28C6B771-1FDA-47E5-A346-3BFB5A4A77CC}" type="slidenum">
               <a:rPr b="0" lang="de-DE" sz="1200" strike="noStrike" u="none">
                 <a:solidFill>
                   <a:schemeClr val="dk1">
@@ -3522,7 +5713,7 @@
 </p:sldLayout>
 </file>
 
-<file path=ppt/slideLayouts/slideLayout4.xml><?xml version="1.0" encoding="utf-8"?>
+<file path=ppt/slideLayouts/slideLayout8.xml><?xml version="1.0" encoding="utf-8"?>
 <p:sldLayout xmlns:a="http://schemas.openxmlformats.org/drawingml/2006/main" xmlns:p="http://schemas.openxmlformats.org/presentationml/2006/main" xmlns:r="http://schemas.openxmlformats.org/officeDocument/2006/relationships" xmlns:p14="http://schemas.microsoft.com/office/powerpoint/2010/main" xmlns:p15="http://schemas.microsoft.com/office/powerpoint/2012/main" xmlns:mc="http://schemas.openxmlformats.org/markup-compatibility/2006" type="blank" preserve="1">
   <p:cSld name="Imagem com Legenda">
     <p:bg>
@@ -3548,7 +5739,7 @@
       </p:grpSpPr>
       <p:sp>
         <p:nvSpPr>
-          <p:cNvPr id="15" name="PlaceHolder 1"/>
+          <p:cNvPr id="39" name="PlaceHolder 1"/>
           <p:cNvSpPr>
             <a:spLocks noGrp="1"/>
           </p:cNvSpPr>
@@ -3559,7 +5750,7 @@
         <p:spPr>
           <a:xfrm>
             <a:off x="839880" y="457200"/>
-            <a:ext cx="3928320" cy="1596240"/>
+            <a:ext cx="3927960" cy="1595880"/>
           </a:xfrm>
           <a:prstGeom prst="rect">
             <a:avLst/>
@@ -3607,7 +5798,7 @@
       </p:sp>
       <p:sp>
         <p:nvSpPr>
-          <p:cNvPr id="16" name="PlaceHolder 2"/>
+          <p:cNvPr id="40" name="PlaceHolder 2"/>
           <p:cNvSpPr>
             <a:spLocks noGrp="1"/>
           </p:cNvSpPr>
@@ -3618,7 +5809,7 @@
         <p:spPr>
           <a:xfrm>
             <a:off x="5183280" y="987480"/>
-            <a:ext cx="6168240" cy="4869720"/>
+            <a:ext cx="6167880" cy="4869360"/>
           </a:xfrm>
           <a:prstGeom prst="rect">
             <a:avLst/>
@@ -3881,7 +6072,7 @@
       </p:sp>
       <p:sp>
         <p:nvSpPr>
-          <p:cNvPr id="17" name="PlaceHolder 3"/>
+          <p:cNvPr id="41" name="PlaceHolder 3"/>
           <p:cNvSpPr>
             <a:spLocks noGrp="1"/>
           </p:cNvSpPr>
@@ -3892,7 +6083,7 @@
         <p:spPr>
           <a:xfrm>
             <a:off x="839880" y="2057400"/>
-            <a:ext cx="3928320" cy="3807720"/>
+            <a:ext cx="3927960" cy="3807360"/>
           </a:xfrm>
           <a:prstGeom prst="rect">
             <a:avLst/>
@@ -3943,18 +6134,18 @@
       </p:sp>
       <p:sp>
         <p:nvSpPr>
-          <p:cNvPr id="18" name="PlaceHolder 4"/>
+          <p:cNvPr id="42" name="PlaceHolder 4"/>
           <p:cNvSpPr>
             <a:spLocks noGrp="1"/>
           </p:cNvSpPr>
           <p:nvPr>
-            <p:ph type="dt" idx="10"/>
+            <p:ph type="dt" idx="22"/>
           </p:nvPr>
         </p:nvSpPr>
         <p:spPr>
           <a:xfrm>
             <a:off x="838080" y="6356520"/>
-            <a:ext cx="2739240" cy="361080"/>
+            <a:ext cx="2738880" cy="360720"/>
           </a:xfrm>
           <a:prstGeom prst="rect">
             <a:avLst/>
@@ -4025,18 +6216,18 @@
       </p:sp>
       <p:sp>
         <p:nvSpPr>
-          <p:cNvPr id="19" name="PlaceHolder 5"/>
+          <p:cNvPr id="43" name="PlaceHolder 5"/>
           <p:cNvSpPr>
             <a:spLocks noGrp="1"/>
           </p:cNvSpPr>
           <p:nvPr>
-            <p:ph type="ftr" idx="11"/>
+            <p:ph type="ftr" idx="23"/>
           </p:nvPr>
         </p:nvSpPr>
         <p:spPr>
           <a:xfrm>
             <a:off x="4038480" y="6356520"/>
-            <a:ext cx="4110840" cy="361080"/>
+            <a:ext cx="4110480" cy="360720"/>
           </a:xfrm>
           <a:prstGeom prst="rect">
             <a:avLst/>
@@ -4103,18 +6294,18 @@
       </p:sp>
       <p:sp>
         <p:nvSpPr>
-          <p:cNvPr id="20" name="PlaceHolder 6"/>
+          <p:cNvPr id="44" name="PlaceHolder 6"/>
           <p:cNvSpPr>
             <a:spLocks noGrp="1"/>
           </p:cNvSpPr>
           <p:nvPr>
-            <p:ph type="sldNum" idx="12"/>
+            <p:ph type="sldNum" idx="24"/>
           </p:nvPr>
         </p:nvSpPr>
         <p:spPr>
           <a:xfrm>
             <a:off x="8610480" y="6356520"/>
-            <a:ext cx="2739240" cy="361080"/>
+            <a:ext cx="2738880" cy="360720"/>
           </a:xfrm>
           <a:prstGeom prst="rect">
             <a:avLst/>
@@ -4159,7 +6350,7 @@
                 <a:tab algn="l" pos="0"/>
               </a:tabLst>
             </a:pPr>
-            <a:fld id="{F3A7B8AC-5EE8-4A70-8BE1-B1F78BAAA8A5}" type="slidenum">
+            <a:fld id="{14EEFD41-BE26-4E9F-BC1E-317027507B7F}" type="slidenum">
               <a:rPr b="0" lang="de-DE" sz="1200" strike="noStrike" u="none">
                 <a:solidFill>
                   <a:schemeClr val="dk1">
@@ -4188,7 +6379,7 @@
 </p:sldLayout>
 </file>
 
-<file path=ppt/slideLayouts/slideLayout5.xml><?xml version="1.0" encoding="utf-8"?>
+<file path=ppt/slideLayouts/slideLayout9.xml><?xml version="1.0" encoding="utf-8"?>
 <p:sldLayout xmlns:a="http://schemas.openxmlformats.org/drawingml/2006/main" xmlns:p="http://schemas.openxmlformats.org/presentationml/2006/main" xmlns:r="http://schemas.openxmlformats.org/officeDocument/2006/relationships" xmlns:p14="http://schemas.microsoft.com/office/powerpoint/2010/main" xmlns:p15="http://schemas.microsoft.com/office/powerpoint/2012/main" xmlns:mc="http://schemas.openxmlformats.org/markup-compatibility/2006" type="title" preserve="1">
   <p:cSld name="Slide de título">
     <p:bg>
@@ -4214,7 +6405,7 @@
       </p:grpSpPr>
       <p:sp>
         <p:nvSpPr>
-          <p:cNvPr id="21" name="PlaceHolder 1"/>
+          <p:cNvPr id="45" name="PlaceHolder 1"/>
           <p:cNvSpPr>
             <a:spLocks noGrp="1"/>
           </p:cNvSpPr>
@@ -4225,7 +6416,7 @@
         <p:spPr>
           <a:xfrm>
             <a:off x="1523880" y="1122480"/>
-            <a:ext cx="9140040" cy="2383560"/>
+            <a:ext cx="9139680" cy="2383200"/>
           </a:xfrm>
           <a:prstGeom prst="rect">
             <a:avLst/>
@@ -4273,18 +6464,18 @@
       </p:sp>
       <p:sp>
         <p:nvSpPr>
-          <p:cNvPr id="22" name="PlaceHolder 2"/>
+          <p:cNvPr id="46" name="PlaceHolder 2"/>
           <p:cNvSpPr>
             <a:spLocks noGrp="1"/>
           </p:cNvSpPr>
           <p:nvPr>
-            <p:ph type="dt" idx="13"/>
+            <p:ph type="dt" idx="25"/>
           </p:nvPr>
         </p:nvSpPr>
         <p:spPr>
           <a:xfrm>
             <a:off x="838080" y="6356520"/>
-            <a:ext cx="2739240" cy="361080"/>
+            <a:ext cx="2738880" cy="360720"/>
           </a:xfrm>
           <a:prstGeom prst="rect">
             <a:avLst/>
@@ -4355,18 +6546,18 @@
       </p:sp>
       <p:sp>
         <p:nvSpPr>
-          <p:cNvPr id="23" name="PlaceHolder 3"/>
+          <p:cNvPr id="47" name="PlaceHolder 3"/>
           <p:cNvSpPr>
             <a:spLocks noGrp="1"/>
           </p:cNvSpPr>
           <p:nvPr>
-            <p:ph type="ftr" idx="14"/>
+            <p:ph type="ftr" idx="26"/>
           </p:nvPr>
         </p:nvSpPr>
         <p:spPr>
           <a:xfrm>
             <a:off x="4038480" y="6356520"/>
-            <a:ext cx="4110840" cy="361080"/>
+            <a:ext cx="4110480" cy="360720"/>
           </a:xfrm>
           <a:prstGeom prst="rect">
             <a:avLst/>
@@ -4433,18 +6624,18 @@
       </p:sp>
       <p:sp>
         <p:nvSpPr>
-          <p:cNvPr id="24" name="PlaceHolder 4"/>
+          <p:cNvPr id="48" name="PlaceHolder 4"/>
           <p:cNvSpPr>
             <a:spLocks noGrp="1"/>
           </p:cNvSpPr>
           <p:nvPr>
-            <p:ph type="sldNum" idx="15"/>
+            <p:ph type="sldNum" idx="27"/>
           </p:nvPr>
         </p:nvSpPr>
         <p:spPr>
           <a:xfrm>
             <a:off x="8610480" y="6356520"/>
-            <a:ext cx="2739240" cy="361080"/>
+            <a:ext cx="2738880" cy="360720"/>
           </a:xfrm>
           <a:prstGeom prst="rect">
             <a:avLst/>
@@ -4489,7 +6680,7 @@
                 <a:tab algn="l" pos="0"/>
               </a:tabLst>
             </a:pPr>
-            <a:fld id="{726F940B-3738-497F-8BE2-F840F3E091F1}" type="slidenum">
+            <a:fld id="{49C36E4C-68FA-44C4-B2E9-31F59FFB553F}" type="slidenum">
               <a:rPr b="0" lang="de-DE" sz="1200" strike="noStrike" u="none">
                 <a:solidFill>
                   <a:schemeClr val="dk1">
@@ -4515,7 +6706,7 @@
       </p:sp>
       <p:sp>
         <p:nvSpPr>
-          <p:cNvPr id="25" name="PlaceHolder 5"/>
+          <p:cNvPr id="49" name="PlaceHolder 5"/>
           <p:cNvSpPr>
             <a:spLocks noGrp="1"/>
           </p:cNvSpPr>
@@ -4526,7 +6717,7 @@
         <p:spPr>
           <a:xfrm>
             <a:off x="609480" y="1604520"/>
-            <a:ext cx="10968840" cy="3973680"/>
+            <a:ext cx="10968480" cy="3973320"/>
           </a:xfrm>
           <a:prstGeom prst="rect">
             <a:avLst/>
@@ -4783,2197 +6974,6 @@
               <a:effectLst/>
               <a:uFillTx/>
               <a:latin typeface="Arial"/>
-            </a:endParaRPr>
-          </a:p>
-        </p:txBody>
-      </p:sp>
-    </p:spTree>
-  </p:cSld>
-</p:sldLayout>
-</file>
-
-<file path=ppt/slideLayouts/slideLayout6.xml><?xml version="1.0" encoding="utf-8"?>
-<p:sldLayout xmlns:a="http://schemas.openxmlformats.org/drawingml/2006/main" xmlns:p="http://schemas.openxmlformats.org/presentationml/2006/main" xmlns:r="http://schemas.openxmlformats.org/officeDocument/2006/relationships" xmlns:p14="http://schemas.microsoft.com/office/powerpoint/2010/main" xmlns:p15="http://schemas.microsoft.com/office/powerpoint/2012/main" xmlns:mc="http://schemas.openxmlformats.org/markup-compatibility/2006" type="tx" preserve="1">
-  <p:cSld name="Padrão">
-    <p:bg>
-      <p:bgPr>
-        <a:solidFill>
-          <a:srgbClr val="ffffff"/>
-        </a:solidFill>
-      </p:bgPr>
-    </p:bg>
-    <p:spTree>
-      <p:nvGrpSpPr>
-        <p:cNvPr id="1" name=""/>
-        <p:cNvGrpSpPr/>
-        <p:nvPr/>
-      </p:nvGrpSpPr>
-      <p:grpSpPr>
-        <a:xfrm>
-          <a:off x="0" y="0"/>
-          <a:ext cx="0" cy="0"/>
-          <a:chOff x="0" y="0"/>
-          <a:chExt cx="0" cy="0"/>
-        </a:xfrm>
-      </p:grpSpPr>
-      <p:sp>
-        <p:nvSpPr>
-          <p:cNvPr id="26" name="PlaceHolder 1"/>
-          <p:cNvSpPr>
-            <a:spLocks noGrp="1"/>
-          </p:cNvSpPr>
-          <p:nvPr>
-            <p:ph type="title"/>
-          </p:nvPr>
-        </p:nvSpPr>
-        <p:spPr>
-          <a:xfrm>
-            <a:off x="1523880" y="1122480"/>
-            <a:ext cx="9140040" cy="2383560"/>
-          </a:xfrm>
-          <a:prstGeom prst="rect">
-            <a:avLst/>
-          </a:prstGeom>
-          <a:noFill/>
-          <a:ln w="0">
-            <a:noFill/>
-          </a:ln>
-        </p:spPr>
-        <p:txBody>
-          <a:bodyPr lIns="91440" rIns="91440" tIns="45720" bIns="45720" anchor="b">
-            <a:noAutofit/>
-          </a:bodyPr>
-          <a:p>
-            <a:pPr indent="0" algn="ctr" defTabSz="914400">
-              <a:lnSpc>
-                <a:spcPct val="90000"/>
-              </a:lnSpc>
-              <a:buNone/>
-              <a:tabLst>
-                <a:tab algn="l" pos="0"/>
-              </a:tabLst>
-            </a:pPr>
-            <a:r>
-              <a:rPr b="0" lang="pt-BR" sz="6000" strike="noStrike" u="none">
-                <a:solidFill>
-                  <a:schemeClr val="dk1"/>
-                </a:solidFill>
-                <a:effectLst/>
-                <a:uFillTx/>
-                <a:latin typeface="Aptos Display"/>
-              </a:rPr>
-              <a:t>Clique para editar o título mestre</a:t>
-            </a:r>
-            <a:endParaRPr b="0" lang="pt-BR" sz="6000" strike="noStrike" u="none">
-              <a:solidFill>
-                <a:srgbClr val="000000"/>
-              </a:solidFill>
-              <a:effectLst/>
-              <a:uFillTx/>
-              <a:latin typeface="Arial"/>
-            </a:endParaRPr>
-          </a:p>
-        </p:txBody>
-      </p:sp>
-      <p:sp>
-        <p:nvSpPr>
-          <p:cNvPr id="27" name="PlaceHolder 2"/>
-          <p:cNvSpPr>
-            <a:spLocks noGrp="1"/>
-          </p:cNvSpPr>
-          <p:nvPr>
-            <p:ph type="dt" idx="16"/>
-          </p:nvPr>
-        </p:nvSpPr>
-        <p:spPr>
-          <a:xfrm>
-            <a:off x="838080" y="6356520"/>
-            <a:ext cx="2739240" cy="361080"/>
-          </a:xfrm>
-          <a:prstGeom prst="rect">
-            <a:avLst/>
-          </a:prstGeom>
-          <a:noFill/>
-          <a:ln w="0">
-            <a:noFill/>
-          </a:ln>
-        </p:spPr>
-        <p:txBody>
-          <a:bodyPr lIns="91440" rIns="91440" tIns="45720" bIns="45720" anchor="ctr">
-            <a:noAutofit/>
-          </a:bodyPr>
-          <a:lstStyle>
-            <a:lvl1pPr indent="0" defTabSz="914400">
-              <a:lnSpc>
-                <a:spcPct val="100000"/>
-              </a:lnSpc>
-              <a:buNone/>
-              <a:tabLst>
-                <a:tab algn="l" pos="0"/>
-              </a:tabLst>
-              <a:defRPr b="0" lang="de-DE" sz="1200" strike="noStrike" u="none">
-                <a:solidFill>
-                  <a:schemeClr val="dk1">
-                    <a:tint val="82000"/>
-                  </a:schemeClr>
-                </a:solidFill>
-                <a:effectLst/>
-                <a:uFillTx/>
-                <a:latin typeface="Aptos"/>
-              </a:defRPr>
-            </a:lvl1pPr>
-          </a:lstStyle>
-          <a:p>
-            <a:pPr indent="0" defTabSz="914400">
-              <a:lnSpc>
-                <a:spcPct val="100000"/>
-              </a:lnSpc>
-              <a:buNone/>
-              <a:tabLst>
-                <a:tab algn="l" pos="0"/>
-              </a:tabLst>
-            </a:pPr>
-            <a:r>
-              <a:rPr b="0" lang="de-DE" sz="1200" strike="noStrike" u="none">
-                <a:solidFill>
-                  <a:schemeClr val="dk1">
-                    <a:tint val="82000"/>
-                  </a:schemeClr>
-                </a:solidFill>
-                <a:effectLst/>
-                <a:uFillTx/>
-                <a:latin typeface="Aptos"/>
-              </a:rPr>
-              <a:t>&lt;data/hora&gt;</a:t>
-            </a:r>
-            <a:endParaRPr b="0" lang="pt-BR" sz="1200" strike="noStrike" u="none">
-              <a:solidFill>
-                <a:srgbClr val="000000"/>
-              </a:solidFill>
-              <a:effectLst/>
-              <a:uFillTx/>
-              <a:latin typeface="Times New Roman"/>
-            </a:endParaRPr>
-          </a:p>
-        </p:txBody>
-      </p:sp>
-      <p:sp>
-        <p:nvSpPr>
-          <p:cNvPr id="28" name="PlaceHolder 3"/>
-          <p:cNvSpPr>
-            <a:spLocks noGrp="1"/>
-          </p:cNvSpPr>
-          <p:nvPr>
-            <p:ph type="ftr" idx="17"/>
-          </p:nvPr>
-        </p:nvSpPr>
-        <p:spPr>
-          <a:xfrm>
-            <a:off x="4038480" y="6356520"/>
-            <a:ext cx="4110840" cy="361080"/>
-          </a:xfrm>
-          <a:prstGeom prst="rect">
-            <a:avLst/>
-          </a:prstGeom>
-          <a:noFill/>
-          <a:ln w="0">
-            <a:noFill/>
-          </a:ln>
-        </p:spPr>
-        <p:txBody>
-          <a:bodyPr lIns="91440" rIns="91440" tIns="45720" bIns="45720" anchor="ctr">
-            <a:noAutofit/>
-          </a:bodyPr>
-          <a:lstStyle>
-            <a:lvl1pPr indent="0" algn="ctr">
-              <a:lnSpc>
-                <a:spcPct val="100000"/>
-              </a:lnSpc>
-              <a:buNone/>
-              <a:tabLst>
-                <a:tab algn="l" pos="0"/>
-              </a:tabLst>
-              <a:defRPr b="0" lang="pt-BR" sz="1400" strike="noStrike" u="none">
-                <a:solidFill>
-                  <a:srgbClr val="000000"/>
-                </a:solidFill>
-                <a:effectLst/>
-                <a:uFillTx/>
-                <a:latin typeface="Times New Roman"/>
-              </a:defRPr>
-            </a:lvl1pPr>
-          </a:lstStyle>
-          <a:p>
-            <a:pPr indent="0" algn="ctr">
-              <a:lnSpc>
-                <a:spcPct val="100000"/>
-              </a:lnSpc>
-              <a:buNone/>
-              <a:tabLst>
-                <a:tab algn="l" pos="0"/>
-              </a:tabLst>
-            </a:pPr>
-            <a:r>
-              <a:rPr b="0" lang="pt-BR" sz="1400" strike="noStrike" u="none">
-                <a:solidFill>
-                  <a:srgbClr val="000000"/>
-                </a:solidFill>
-                <a:effectLst/>
-                <a:uFillTx/>
-                <a:latin typeface="Times New Roman"/>
-              </a:rPr>
-              <a:t>&lt;rodapé&gt;</a:t>
-            </a:r>
-            <a:endParaRPr b="0" lang="pt-BR" sz="1400" strike="noStrike" u="none">
-              <a:solidFill>
-                <a:srgbClr val="000000"/>
-              </a:solidFill>
-              <a:effectLst/>
-              <a:uFillTx/>
-              <a:latin typeface="Times New Roman"/>
-            </a:endParaRPr>
-          </a:p>
-        </p:txBody>
-      </p:sp>
-      <p:sp>
-        <p:nvSpPr>
-          <p:cNvPr id="29" name="PlaceHolder 4"/>
-          <p:cNvSpPr>
-            <a:spLocks noGrp="1"/>
-          </p:cNvSpPr>
-          <p:nvPr>
-            <p:ph type="sldNum" idx="18"/>
-          </p:nvPr>
-        </p:nvSpPr>
-        <p:spPr>
-          <a:xfrm>
-            <a:off x="8610480" y="6356520"/>
-            <a:ext cx="2739240" cy="361080"/>
-          </a:xfrm>
-          <a:prstGeom prst="rect">
-            <a:avLst/>
-          </a:prstGeom>
-          <a:noFill/>
-          <a:ln w="0">
-            <a:noFill/>
-          </a:ln>
-        </p:spPr>
-        <p:txBody>
-          <a:bodyPr lIns="91440" rIns="91440" tIns="45720" bIns="45720" anchor="ctr">
-            <a:noAutofit/>
-          </a:bodyPr>
-          <a:lstStyle>
-            <a:lvl1pPr indent="0" algn="r" defTabSz="914400">
-              <a:lnSpc>
-                <a:spcPct val="100000"/>
-              </a:lnSpc>
-              <a:buNone/>
-              <a:tabLst>
-                <a:tab algn="l" pos="0"/>
-              </a:tabLst>
-              <a:defRPr b="0" lang="de-DE" sz="1200" strike="noStrike" u="none">
-                <a:solidFill>
-                  <a:schemeClr val="dk1">
-                    <a:tint val="82000"/>
-                  </a:schemeClr>
-                </a:solidFill>
-                <a:effectLst/>
-                <a:uFillTx/>
-                <a:latin typeface="Aptos"/>
-              </a:defRPr>
-            </a:lvl1pPr>
-          </a:lstStyle>
-          <a:p>
-            <a:pPr indent="0" algn="r" defTabSz="914400">
-              <a:lnSpc>
-                <a:spcPct val="100000"/>
-              </a:lnSpc>
-              <a:buNone/>
-              <a:tabLst>
-                <a:tab algn="l" pos="0"/>
-              </a:tabLst>
-            </a:pPr>
-            <a:fld id="{0CD0D0EE-817F-4274-A38B-CE5F005B3ECC}" type="slidenum">
-              <a:rPr b="0" lang="de-DE" sz="1200" strike="noStrike" u="none">
-                <a:solidFill>
-                  <a:schemeClr val="dk1">
-                    <a:tint val="82000"/>
-                  </a:schemeClr>
-                </a:solidFill>
-                <a:effectLst/>
-                <a:uFillTx/>
-                <a:latin typeface="Aptos"/>
-              </a:rPr>
-              <a:t>&lt;número&gt;</a:t>
-            </a:fld>
-            <a:endParaRPr b="0" lang="pt-BR" sz="1200" strike="noStrike" u="none">
-              <a:solidFill>
-                <a:srgbClr val="000000"/>
-              </a:solidFill>
-              <a:effectLst/>
-              <a:uFillTx/>
-              <a:latin typeface="Times New Roman"/>
-            </a:endParaRPr>
-          </a:p>
-        </p:txBody>
-      </p:sp>
-      <p:sp>
-        <p:nvSpPr>
-          <p:cNvPr id="30" name="PlaceHolder 5"/>
-          <p:cNvSpPr>
-            <a:spLocks noGrp="1"/>
-          </p:cNvSpPr>
-          <p:nvPr>
-            <p:ph type="body"/>
-          </p:nvPr>
-        </p:nvSpPr>
-        <p:spPr>
-          <a:xfrm>
-            <a:off x="609480" y="1604520"/>
-            <a:ext cx="10968840" cy="3973680"/>
-          </a:xfrm>
-          <a:prstGeom prst="rect">
-            <a:avLst/>
-          </a:prstGeom>
-          <a:noFill/>
-          <a:ln w="0">
-            <a:noFill/>
-          </a:ln>
-        </p:spPr>
-        <p:txBody>
-          <a:bodyPr lIns="0" rIns="0" tIns="0" bIns="0" anchor="t">
-            <a:normAutofit/>
-          </a:bodyPr>
-          <a:p>
-            <a:pPr marL="432000" indent="-324000">
-              <a:lnSpc>
-                <a:spcPct val="90000"/>
-              </a:lnSpc>
-              <a:spcBef>
-                <a:spcPts val="1417"/>
-              </a:spcBef>
-              <a:buClr>
-                <a:srgbClr val="000000"/>
-              </a:buClr>
-              <a:buSzPct val="45000"/>
-              <a:buFont typeface="Wingdings" charset="2"/>
-              <a:buChar char=""/>
-            </a:pPr>
-            <a:r>
-              <a:rPr b="0" lang="de-DE" sz="2800" strike="noStrike" u="none">
-                <a:solidFill>
-                  <a:schemeClr val="dk1"/>
-                </a:solidFill>
-                <a:effectLst/>
-                <a:uFillTx/>
-                <a:latin typeface="Aptos"/>
-              </a:rPr>
-              <a:t>Clique para editar o formato de texto dos tópicos</a:t>
-            </a:r>
-            <a:endParaRPr b="0" lang="pt-BR" sz="2800" strike="noStrike" u="none">
-              <a:solidFill>
-                <a:srgbClr val="000000"/>
-              </a:solidFill>
-              <a:effectLst/>
-              <a:uFillTx/>
-              <a:latin typeface="Arial"/>
-            </a:endParaRPr>
-          </a:p>
-          <a:p>
-            <a:pPr lvl="1" marL="864000" indent="-324000">
-              <a:lnSpc>
-                <a:spcPct val="90000"/>
-              </a:lnSpc>
-              <a:spcBef>
-                <a:spcPts val="1134"/>
-              </a:spcBef>
-              <a:buClr>
-                <a:srgbClr val="000000"/>
-              </a:buClr>
-              <a:buSzPct val="75000"/>
-              <a:buFont typeface="Symbol" charset="2"/>
-              <a:buChar char=""/>
-            </a:pPr>
-            <a:r>
-              <a:rPr b="0" lang="de-DE" sz="2000" strike="noStrike" u="none">
-                <a:solidFill>
-                  <a:schemeClr val="dk1"/>
-                </a:solidFill>
-                <a:effectLst/>
-                <a:uFillTx/>
-                <a:latin typeface="Aptos"/>
-              </a:rPr>
-              <a:t>2.º nível de tópicos</a:t>
-            </a:r>
-            <a:endParaRPr b="0" lang="pt-BR" sz="2000" strike="noStrike" u="none">
-              <a:solidFill>
-                <a:srgbClr val="000000"/>
-              </a:solidFill>
-              <a:effectLst/>
-              <a:uFillTx/>
-              <a:latin typeface="Arial"/>
-            </a:endParaRPr>
-          </a:p>
-          <a:p>
-            <a:pPr lvl="2" marL="1296000" indent="-288000">
-              <a:lnSpc>
-                <a:spcPct val="90000"/>
-              </a:lnSpc>
-              <a:spcBef>
-                <a:spcPts val="850"/>
-              </a:spcBef>
-              <a:buClr>
-                <a:srgbClr val="000000"/>
-              </a:buClr>
-              <a:buSzPct val="45000"/>
-              <a:buFont typeface="Wingdings" charset="2"/>
-              <a:buChar char=""/>
-            </a:pPr>
-            <a:r>
-              <a:rPr b="0" lang="de-DE" sz="1800" strike="noStrike" u="none">
-                <a:solidFill>
-                  <a:schemeClr val="dk1"/>
-                </a:solidFill>
-                <a:effectLst/>
-                <a:uFillTx/>
-                <a:latin typeface="Aptos"/>
-              </a:rPr>
-              <a:t>3.º nível de tópicos</a:t>
-            </a:r>
-            <a:endParaRPr b="0" lang="pt-BR" sz="1800" strike="noStrike" u="none">
-              <a:solidFill>
-                <a:srgbClr val="000000"/>
-              </a:solidFill>
-              <a:effectLst/>
-              <a:uFillTx/>
-              <a:latin typeface="Arial"/>
-            </a:endParaRPr>
-          </a:p>
-          <a:p>
-            <a:pPr lvl="3" marL="1728000" indent="-216000">
-              <a:lnSpc>
-                <a:spcPct val="90000"/>
-              </a:lnSpc>
-              <a:spcBef>
-                <a:spcPts val="567"/>
-              </a:spcBef>
-              <a:buClr>
-                <a:srgbClr val="000000"/>
-              </a:buClr>
-              <a:buSzPct val="75000"/>
-              <a:buFont typeface="Symbol" charset="2"/>
-              <a:buChar char=""/>
-            </a:pPr>
-            <a:r>
-              <a:rPr b="0" lang="de-DE" sz="1800" strike="noStrike" u="none">
-                <a:solidFill>
-                  <a:schemeClr val="dk1"/>
-                </a:solidFill>
-                <a:effectLst/>
-                <a:uFillTx/>
-                <a:latin typeface="Aptos"/>
-              </a:rPr>
-              <a:t>4.º nível de tópicos</a:t>
-            </a:r>
-            <a:endParaRPr b="0" lang="pt-BR" sz="1800" strike="noStrike" u="none">
-              <a:solidFill>
-                <a:srgbClr val="000000"/>
-              </a:solidFill>
-              <a:effectLst/>
-              <a:uFillTx/>
-              <a:latin typeface="Arial"/>
-            </a:endParaRPr>
-          </a:p>
-          <a:p>
-            <a:pPr lvl="4" marL="2160000" indent="-216000">
-              <a:lnSpc>
-                <a:spcPct val="90000"/>
-              </a:lnSpc>
-              <a:spcBef>
-                <a:spcPts val="283"/>
-              </a:spcBef>
-              <a:buClr>
-                <a:srgbClr val="000000"/>
-              </a:buClr>
-              <a:buSzPct val="45000"/>
-              <a:buFont typeface="Wingdings" charset="2"/>
-              <a:buChar char=""/>
-            </a:pPr>
-            <a:r>
-              <a:rPr b="0" lang="de-DE" sz="2000" strike="noStrike" u="none">
-                <a:solidFill>
-                  <a:schemeClr val="dk1"/>
-                </a:solidFill>
-                <a:effectLst/>
-                <a:uFillTx/>
-                <a:latin typeface="Aptos"/>
-              </a:rPr>
-              <a:t>5.º nível de tópicos</a:t>
-            </a:r>
-            <a:endParaRPr b="0" lang="pt-BR" sz="2000" strike="noStrike" u="none">
-              <a:solidFill>
-                <a:srgbClr val="000000"/>
-              </a:solidFill>
-              <a:effectLst/>
-              <a:uFillTx/>
-              <a:latin typeface="Arial"/>
-            </a:endParaRPr>
-          </a:p>
-          <a:p>
-            <a:pPr lvl="5" marL="2592000" indent="-216000">
-              <a:lnSpc>
-                <a:spcPct val="90000"/>
-              </a:lnSpc>
-              <a:spcBef>
-                <a:spcPts val="283"/>
-              </a:spcBef>
-              <a:buClr>
-                <a:srgbClr val="000000"/>
-              </a:buClr>
-              <a:buSzPct val="45000"/>
-              <a:buFont typeface="Wingdings" charset="2"/>
-              <a:buChar char=""/>
-            </a:pPr>
-            <a:r>
-              <a:rPr b="0" lang="de-DE" sz="2000" strike="noStrike" u="none">
-                <a:solidFill>
-                  <a:schemeClr val="dk1"/>
-                </a:solidFill>
-                <a:effectLst/>
-                <a:uFillTx/>
-                <a:latin typeface="Aptos"/>
-              </a:rPr>
-              <a:t>6.º nível de tópicos</a:t>
-            </a:r>
-            <a:endParaRPr b="0" lang="pt-BR" sz="2000" strike="noStrike" u="none">
-              <a:solidFill>
-                <a:srgbClr val="000000"/>
-              </a:solidFill>
-              <a:effectLst/>
-              <a:uFillTx/>
-              <a:latin typeface="Arial"/>
-            </a:endParaRPr>
-          </a:p>
-          <a:p>
-            <a:pPr lvl="6" marL="3024000" indent="-216000">
-              <a:lnSpc>
-                <a:spcPct val="90000"/>
-              </a:lnSpc>
-              <a:spcBef>
-                <a:spcPts val="283"/>
-              </a:spcBef>
-              <a:buClr>
-                <a:srgbClr val="000000"/>
-              </a:buClr>
-              <a:buSzPct val="45000"/>
-              <a:buFont typeface="Wingdings" charset="2"/>
-              <a:buChar char=""/>
-            </a:pPr>
-            <a:r>
-              <a:rPr b="0" lang="de-DE" sz="2000" strike="noStrike" u="none">
-                <a:solidFill>
-                  <a:schemeClr val="dk1"/>
-                </a:solidFill>
-                <a:effectLst/>
-                <a:uFillTx/>
-                <a:latin typeface="Aptos"/>
-              </a:rPr>
-              <a:t>7.º nível de tópicos</a:t>
-            </a:r>
-            <a:endParaRPr b="0" lang="pt-BR" sz="2000" strike="noStrike" u="none">
-              <a:solidFill>
-                <a:srgbClr val="000000"/>
-              </a:solidFill>
-              <a:effectLst/>
-              <a:uFillTx/>
-              <a:latin typeface="Arial"/>
-            </a:endParaRPr>
-          </a:p>
-        </p:txBody>
-      </p:sp>
-    </p:spTree>
-  </p:cSld>
-</p:sldLayout>
-</file>
-
-<file path=ppt/slideLayouts/slideLayout7.xml><?xml version="1.0" encoding="utf-8"?>
-<p:sldLayout xmlns:a="http://schemas.openxmlformats.org/drawingml/2006/main" xmlns:p="http://schemas.openxmlformats.org/presentationml/2006/main" xmlns:r="http://schemas.openxmlformats.org/officeDocument/2006/relationships" xmlns:p14="http://schemas.microsoft.com/office/powerpoint/2010/main" xmlns:p15="http://schemas.microsoft.com/office/powerpoint/2012/main" xmlns:mc="http://schemas.openxmlformats.org/markup-compatibility/2006" type="vertTx" preserve="1">
-  <p:cSld name="Título e texto vertical">
-    <p:bg>
-      <p:bgPr>
-        <a:solidFill>
-          <a:srgbClr val="ffffff"/>
-        </a:solidFill>
-      </p:bgPr>
-    </p:bg>
-    <p:spTree>
-      <p:nvGrpSpPr>
-        <p:cNvPr id="1" name=""/>
-        <p:cNvGrpSpPr/>
-        <p:nvPr/>
-      </p:nvGrpSpPr>
-      <p:grpSpPr>
-        <a:xfrm>
-          <a:off x="0" y="0"/>
-          <a:ext cx="0" cy="0"/>
-          <a:chOff x="0" y="0"/>
-          <a:chExt cx="0" cy="0"/>
-        </a:xfrm>
-      </p:grpSpPr>
-      <p:sp>
-        <p:nvSpPr>
-          <p:cNvPr id="31" name="PlaceHolder 1"/>
-          <p:cNvSpPr>
-            <a:spLocks noGrp="1"/>
-          </p:cNvSpPr>
-          <p:nvPr>
-            <p:ph type="title"/>
-          </p:nvPr>
-        </p:nvSpPr>
-        <p:spPr>
-          <a:xfrm>
-            <a:off x="838080" y="365040"/>
-            <a:ext cx="10511640" cy="1321560"/>
-          </a:xfrm>
-          <a:prstGeom prst="rect">
-            <a:avLst/>
-          </a:prstGeom>
-          <a:noFill/>
-          <a:ln w="0">
-            <a:noFill/>
-          </a:ln>
-        </p:spPr>
-        <p:txBody>
-          <a:bodyPr lIns="91440" rIns="91440" tIns="45720" bIns="45720" anchor="ctr">
-            <a:noAutofit/>
-          </a:bodyPr>
-          <a:p>
-            <a:pPr indent="0" defTabSz="914400">
-              <a:lnSpc>
-                <a:spcPct val="90000"/>
-              </a:lnSpc>
-              <a:buNone/>
-              <a:tabLst>
-                <a:tab algn="l" pos="0"/>
-              </a:tabLst>
-            </a:pPr>
-            <a:r>
-              <a:rPr b="0" lang="pt-BR" sz="4400" strike="noStrike" u="none">
-                <a:solidFill>
-                  <a:schemeClr val="dk1"/>
-                </a:solidFill>
-                <a:effectLst/>
-                <a:uFillTx/>
-                <a:latin typeface="Aptos Display"/>
-              </a:rPr>
-              <a:t>Clique para editar o título mestre</a:t>
-            </a:r>
-            <a:endParaRPr b="0" lang="pt-BR" sz="4400" strike="noStrike" u="none">
-              <a:solidFill>
-                <a:srgbClr val="000000"/>
-              </a:solidFill>
-              <a:effectLst/>
-              <a:uFillTx/>
-              <a:latin typeface="Arial"/>
-            </a:endParaRPr>
-          </a:p>
-        </p:txBody>
-      </p:sp>
-      <p:sp>
-        <p:nvSpPr>
-          <p:cNvPr id="32" name="PlaceHolder 2"/>
-          <p:cNvSpPr>
-            <a:spLocks noGrp="1"/>
-          </p:cNvSpPr>
-          <p:nvPr>
-            <p:ph type="body"/>
-          </p:nvPr>
-        </p:nvSpPr>
-        <p:spPr>
-          <a:xfrm>
-            <a:off x="838080" y="1825560"/>
-            <a:ext cx="10511640" cy="4347360"/>
-          </a:xfrm>
-          <a:prstGeom prst="rect">
-            <a:avLst/>
-          </a:prstGeom>
-          <a:noFill/>
-          <a:ln w="0">
-            <a:noFill/>
-          </a:ln>
-        </p:spPr>
-        <p:txBody>
-          <a:bodyPr lIns="91440" rIns="91440" tIns="45720" bIns="45720" anchor="t" vert="eaVert">
-            <a:noAutofit/>
-          </a:bodyPr>
-          <a:p>
-            <a:pPr marL="228600" indent="-228600" defTabSz="914400">
-              <a:lnSpc>
-                <a:spcPct val="90000"/>
-              </a:lnSpc>
-              <a:spcBef>
-                <a:spcPts val="1001"/>
-              </a:spcBef>
-              <a:buClr>
-                <a:srgbClr val="000000"/>
-              </a:buClr>
-              <a:buFont typeface="Arial"/>
-              <a:buChar char="•"/>
-            </a:pPr>
-            <a:r>
-              <a:rPr b="0" lang="pt-BR" sz="2800" strike="noStrike" u="none">
-                <a:solidFill>
-                  <a:schemeClr val="dk1"/>
-                </a:solidFill>
-                <a:effectLst/>
-                <a:uFillTx/>
-                <a:latin typeface="Aptos"/>
-              </a:rPr>
-              <a:t>Clique para editar o texto mestre</a:t>
-            </a:r>
-            <a:endParaRPr b="0" lang="pt-BR" sz="2800" strike="noStrike" u="none">
-              <a:solidFill>
-                <a:srgbClr val="000000"/>
-              </a:solidFill>
-              <a:effectLst/>
-              <a:uFillTx/>
-              <a:latin typeface="Arial"/>
-            </a:endParaRPr>
-          </a:p>
-          <a:p>
-            <a:pPr lvl="1" marL="685800" indent="-228600" defTabSz="914400">
-              <a:lnSpc>
-                <a:spcPct val="90000"/>
-              </a:lnSpc>
-              <a:spcBef>
-                <a:spcPts val="499"/>
-              </a:spcBef>
-              <a:buClr>
-                <a:srgbClr val="000000"/>
-              </a:buClr>
-              <a:buFont typeface="Arial"/>
-              <a:buChar char="•"/>
-            </a:pPr>
-            <a:r>
-              <a:rPr b="0" lang="pt-BR" sz="2400" strike="noStrike" u="none">
-                <a:solidFill>
-                  <a:schemeClr val="dk1"/>
-                </a:solidFill>
-                <a:effectLst/>
-                <a:uFillTx/>
-                <a:latin typeface="Aptos"/>
-              </a:rPr>
-              <a:t>Segundo nível</a:t>
-            </a:r>
-            <a:endParaRPr b="0" lang="pt-BR" sz="2400" strike="noStrike" u="none">
-              <a:solidFill>
-                <a:srgbClr val="000000"/>
-              </a:solidFill>
-              <a:effectLst/>
-              <a:uFillTx/>
-              <a:latin typeface="Arial"/>
-            </a:endParaRPr>
-          </a:p>
-          <a:p>
-            <a:pPr lvl="2" marL="1143000" indent="-228600" defTabSz="914400">
-              <a:lnSpc>
-                <a:spcPct val="90000"/>
-              </a:lnSpc>
-              <a:spcBef>
-                <a:spcPts val="499"/>
-              </a:spcBef>
-              <a:buClr>
-                <a:srgbClr val="000000"/>
-              </a:buClr>
-              <a:buFont typeface="Arial"/>
-              <a:buChar char="•"/>
-            </a:pPr>
-            <a:r>
-              <a:rPr b="0" lang="pt-BR" sz="2000" strike="noStrike" u="none">
-                <a:solidFill>
-                  <a:schemeClr val="dk1"/>
-                </a:solidFill>
-                <a:effectLst/>
-                <a:uFillTx/>
-                <a:latin typeface="Aptos"/>
-              </a:rPr>
-              <a:t>Terceiro nível</a:t>
-            </a:r>
-            <a:endParaRPr b="0" lang="pt-BR" sz="2000" strike="noStrike" u="none">
-              <a:solidFill>
-                <a:srgbClr val="000000"/>
-              </a:solidFill>
-              <a:effectLst/>
-              <a:uFillTx/>
-              <a:latin typeface="Arial"/>
-            </a:endParaRPr>
-          </a:p>
-          <a:p>
-            <a:pPr lvl="3" marL="1600200" indent="-228600" defTabSz="914400">
-              <a:lnSpc>
-                <a:spcPct val="90000"/>
-              </a:lnSpc>
-              <a:spcBef>
-                <a:spcPts val="499"/>
-              </a:spcBef>
-              <a:buClr>
-                <a:srgbClr val="000000"/>
-              </a:buClr>
-              <a:buFont typeface="Arial"/>
-              <a:buChar char="•"/>
-            </a:pPr>
-            <a:r>
-              <a:rPr b="0" lang="pt-BR" sz="1800" strike="noStrike" u="none">
-                <a:solidFill>
-                  <a:schemeClr val="dk1"/>
-                </a:solidFill>
-                <a:effectLst/>
-                <a:uFillTx/>
-                <a:latin typeface="Aptos"/>
-              </a:rPr>
-              <a:t>Quarto nível</a:t>
-            </a:r>
-            <a:endParaRPr b="0" lang="pt-BR" sz="1800" strike="noStrike" u="none">
-              <a:solidFill>
-                <a:srgbClr val="000000"/>
-              </a:solidFill>
-              <a:effectLst/>
-              <a:uFillTx/>
-              <a:latin typeface="Arial"/>
-            </a:endParaRPr>
-          </a:p>
-          <a:p>
-            <a:pPr lvl="4" marL="2057400" indent="-228600" defTabSz="914400">
-              <a:lnSpc>
-                <a:spcPct val="90000"/>
-              </a:lnSpc>
-              <a:spcBef>
-                <a:spcPts val="499"/>
-              </a:spcBef>
-              <a:buClr>
-                <a:srgbClr val="000000"/>
-              </a:buClr>
-              <a:buFont typeface="Arial"/>
-              <a:buChar char="•"/>
-            </a:pPr>
-            <a:r>
-              <a:rPr b="0" lang="pt-BR" sz="1800" strike="noStrike" u="none">
-                <a:solidFill>
-                  <a:schemeClr val="dk1"/>
-                </a:solidFill>
-                <a:effectLst/>
-                <a:uFillTx/>
-                <a:latin typeface="Aptos"/>
-              </a:rPr>
-              <a:t>Quinto nível</a:t>
-            </a:r>
-            <a:endParaRPr b="0" lang="pt-BR" sz="1800" strike="noStrike" u="none">
-              <a:solidFill>
-                <a:srgbClr val="000000"/>
-              </a:solidFill>
-              <a:effectLst/>
-              <a:uFillTx/>
-              <a:latin typeface="Arial"/>
-            </a:endParaRPr>
-          </a:p>
-        </p:txBody>
-      </p:sp>
-      <p:sp>
-        <p:nvSpPr>
-          <p:cNvPr id="33" name="PlaceHolder 3"/>
-          <p:cNvSpPr>
-            <a:spLocks noGrp="1"/>
-          </p:cNvSpPr>
-          <p:nvPr>
-            <p:ph type="dt" idx="19"/>
-          </p:nvPr>
-        </p:nvSpPr>
-        <p:spPr>
-          <a:xfrm>
-            <a:off x="838080" y="6356520"/>
-            <a:ext cx="2739240" cy="361080"/>
-          </a:xfrm>
-          <a:prstGeom prst="rect">
-            <a:avLst/>
-          </a:prstGeom>
-          <a:noFill/>
-          <a:ln w="0">
-            <a:noFill/>
-          </a:ln>
-        </p:spPr>
-        <p:txBody>
-          <a:bodyPr lIns="91440" rIns="91440" tIns="45720" bIns="45720" anchor="ctr">
-            <a:noAutofit/>
-          </a:bodyPr>
-          <a:lstStyle>
-            <a:lvl1pPr indent="0" defTabSz="914400">
-              <a:lnSpc>
-                <a:spcPct val="100000"/>
-              </a:lnSpc>
-              <a:buNone/>
-              <a:tabLst>
-                <a:tab algn="l" pos="0"/>
-              </a:tabLst>
-              <a:defRPr b="0" lang="de-DE" sz="1200" strike="noStrike" u="none">
-                <a:solidFill>
-                  <a:schemeClr val="dk1">
-                    <a:tint val="82000"/>
-                  </a:schemeClr>
-                </a:solidFill>
-                <a:effectLst/>
-                <a:uFillTx/>
-                <a:latin typeface="Aptos"/>
-              </a:defRPr>
-            </a:lvl1pPr>
-          </a:lstStyle>
-          <a:p>
-            <a:pPr indent="0" defTabSz="914400">
-              <a:lnSpc>
-                <a:spcPct val="100000"/>
-              </a:lnSpc>
-              <a:buNone/>
-              <a:tabLst>
-                <a:tab algn="l" pos="0"/>
-              </a:tabLst>
-            </a:pPr>
-            <a:r>
-              <a:rPr b="0" lang="de-DE" sz="1200" strike="noStrike" u="none">
-                <a:solidFill>
-                  <a:schemeClr val="dk1">
-                    <a:tint val="82000"/>
-                  </a:schemeClr>
-                </a:solidFill>
-                <a:effectLst/>
-                <a:uFillTx/>
-                <a:latin typeface="Aptos"/>
-              </a:rPr>
-              <a:t>&lt;data/hora&gt;</a:t>
-            </a:r>
-            <a:endParaRPr b="0" lang="pt-BR" sz="1200" strike="noStrike" u="none">
-              <a:solidFill>
-                <a:srgbClr val="000000"/>
-              </a:solidFill>
-              <a:effectLst/>
-              <a:uFillTx/>
-              <a:latin typeface="Times New Roman"/>
-            </a:endParaRPr>
-          </a:p>
-        </p:txBody>
-      </p:sp>
-      <p:sp>
-        <p:nvSpPr>
-          <p:cNvPr id="34" name="PlaceHolder 4"/>
-          <p:cNvSpPr>
-            <a:spLocks noGrp="1"/>
-          </p:cNvSpPr>
-          <p:nvPr>
-            <p:ph type="ftr" idx="20"/>
-          </p:nvPr>
-        </p:nvSpPr>
-        <p:spPr>
-          <a:xfrm>
-            <a:off x="4038480" y="6356520"/>
-            <a:ext cx="4110840" cy="361080"/>
-          </a:xfrm>
-          <a:prstGeom prst="rect">
-            <a:avLst/>
-          </a:prstGeom>
-          <a:noFill/>
-          <a:ln w="0">
-            <a:noFill/>
-          </a:ln>
-        </p:spPr>
-        <p:txBody>
-          <a:bodyPr lIns="91440" rIns="91440" tIns="45720" bIns="45720" anchor="ctr">
-            <a:noAutofit/>
-          </a:bodyPr>
-          <a:lstStyle>
-            <a:lvl1pPr indent="0" algn="ctr">
-              <a:lnSpc>
-                <a:spcPct val="100000"/>
-              </a:lnSpc>
-              <a:buNone/>
-              <a:tabLst>
-                <a:tab algn="l" pos="0"/>
-              </a:tabLst>
-              <a:defRPr b="0" lang="pt-BR" sz="1400" strike="noStrike" u="none">
-                <a:solidFill>
-                  <a:srgbClr val="000000"/>
-                </a:solidFill>
-                <a:effectLst/>
-                <a:uFillTx/>
-                <a:latin typeface="Times New Roman"/>
-              </a:defRPr>
-            </a:lvl1pPr>
-          </a:lstStyle>
-          <a:p>
-            <a:pPr indent="0" algn="ctr">
-              <a:lnSpc>
-                <a:spcPct val="100000"/>
-              </a:lnSpc>
-              <a:buNone/>
-              <a:tabLst>
-                <a:tab algn="l" pos="0"/>
-              </a:tabLst>
-            </a:pPr>
-            <a:r>
-              <a:rPr b="0" lang="pt-BR" sz="1400" strike="noStrike" u="none">
-                <a:solidFill>
-                  <a:srgbClr val="000000"/>
-                </a:solidFill>
-                <a:effectLst/>
-                <a:uFillTx/>
-                <a:latin typeface="Times New Roman"/>
-              </a:rPr>
-              <a:t>&lt;rodapé&gt;</a:t>
-            </a:r>
-            <a:endParaRPr b="0" lang="pt-BR" sz="1400" strike="noStrike" u="none">
-              <a:solidFill>
-                <a:srgbClr val="000000"/>
-              </a:solidFill>
-              <a:effectLst/>
-              <a:uFillTx/>
-              <a:latin typeface="Times New Roman"/>
-            </a:endParaRPr>
-          </a:p>
-        </p:txBody>
-      </p:sp>
-      <p:sp>
-        <p:nvSpPr>
-          <p:cNvPr id="35" name="PlaceHolder 5"/>
-          <p:cNvSpPr>
-            <a:spLocks noGrp="1"/>
-          </p:cNvSpPr>
-          <p:nvPr>
-            <p:ph type="sldNum" idx="21"/>
-          </p:nvPr>
-        </p:nvSpPr>
-        <p:spPr>
-          <a:xfrm>
-            <a:off x="8610480" y="6356520"/>
-            <a:ext cx="2739240" cy="361080"/>
-          </a:xfrm>
-          <a:prstGeom prst="rect">
-            <a:avLst/>
-          </a:prstGeom>
-          <a:noFill/>
-          <a:ln w="0">
-            <a:noFill/>
-          </a:ln>
-        </p:spPr>
-        <p:txBody>
-          <a:bodyPr lIns="91440" rIns="91440" tIns="45720" bIns="45720" anchor="ctr">
-            <a:noAutofit/>
-          </a:bodyPr>
-          <a:lstStyle>
-            <a:lvl1pPr indent="0" algn="r" defTabSz="914400">
-              <a:lnSpc>
-                <a:spcPct val="100000"/>
-              </a:lnSpc>
-              <a:buNone/>
-              <a:tabLst>
-                <a:tab algn="l" pos="0"/>
-              </a:tabLst>
-              <a:defRPr b="0" lang="de-DE" sz="1200" strike="noStrike" u="none">
-                <a:solidFill>
-                  <a:schemeClr val="dk1">
-                    <a:tint val="82000"/>
-                  </a:schemeClr>
-                </a:solidFill>
-                <a:effectLst/>
-                <a:uFillTx/>
-                <a:latin typeface="Aptos"/>
-              </a:defRPr>
-            </a:lvl1pPr>
-          </a:lstStyle>
-          <a:p>
-            <a:pPr indent="0" algn="r" defTabSz="914400">
-              <a:lnSpc>
-                <a:spcPct val="100000"/>
-              </a:lnSpc>
-              <a:buNone/>
-              <a:tabLst>
-                <a:tab algn="l" pos="0"/>
-              </a:tabLst>
-            </a:pPr>
-            <a:fld id="{C5E342EC-355A-478C-8776-7F84689C179F}" type="slidenum">
-              <a:rPr b="0" lang="de-DE" sz="1200" strike="noStrike" u="none">
-                <a:solidFill>
-                  <a:schemeClr val="dk1">
-                    <a:tint val="82000"/>
-                  </a:schemeClr>
-                </a:solidFill>
-                <a:effectLst/>
-                <a:uFillTx/>
-                <a:latin typeface="Aptos"/>
-              </a:rPr>
-              <a:t>&lt;número&gt;</a:t>
-            </a:fld>
-            <a:endParaRPr b="0" lang="pt-BR" sz="1200" strike="noStrike" u="none">
-              <a:solidFill>
-                <a:srgbClr val="000000"/>
-              </a:solidFill>
-              <a:effectLst/>
-              <a:uFillTx/>
-              <a:latin typeface="Times New Roman"/>
-            </a:endParaRPr>
-          </a:p>
-        </p:txBody>
-      </p:sp>
-    </p:spTree>
-  </p:cSld>
-</p:sldLayout>
-</file>
-
-<file path=ppt/slideLayouts/slideLayout8.xml><?xml version="1.0" encoding="utf-8"?>
-<p:sldLayout xmlns:a="http://schemas.openxmlformats.org/drawingml/2006/main" xmlns:p="http://schemas.openxmlformats.org/presentationml/2006/main" xmlns:r="http://schemas.openxmlformats.org/officeDocument/2006/relationships" xmlns:p14="http://schemas.microsoft.com/office/powerpoint/2010/main" xmlns:p15="http://schemas.microsoft.com/office/powerpoint/2012/main" xmlns:mc="http://schemas.openxmlformats.org/markup-compatibility/2006" type="vertTitleAndTx" preserve="1">
-  <p:cSld name="Título e texto verticais">
-    <p:bg>
-      <p:bgPr>
-        <a:solidFill>
-          <a:srgbClr val="ffffff"/>
-        </a:solidFill>
-      </p:bgPr>
-    </p:bg>
-    <p:spTree>
-      <p:nvGrpSpPr>
-        <p:cNvPr id="1" name=""/>
-        <p:cNvGrpSpPr/>
-        <p:nvPr/>
-      </p:nvGrpSpPr>
-      <p:grpSpPr>
-        <a:xfrm>
-          <a:off x="0" y="0"/>
-          <a:ext cx="0" cy="0"/>
-          <a:chOff x="0" y="0"/>
-          <a:chExt cx="0" cy="0"/>
-        </a:xfrm>
-      </p:grpSpPr>
-      <p:sp>
-        <p:nvSpPr>
-          <p:cNvPr id="36" name="PlaceHolder 1"/>
-          <p:cNvSpPr>
-            <a:spLocks noGrp="1"/>
-          </p:cNvSpPr>
-          <p:nvPr>
-            <p:ph type="title"/>
-          </p:nvPr>
-        </p:nvSpPr>
-        <p:spPr>
-          <a:xfrm>
-            <a:off x="8724960" y="365040"/>
-            <a:ext cx="2625120" cy="5807880"/>
-          </a:xfrm>
-          <a:prstGeom prst="rect">
-            <a:avLst/>
-          </a:prstGeom>
-          <a:noFill/>
-          <a:ln w="0">
-            <a:noFill/>
-          </a:ln>
-        </p:spPr>
-        <p:txBody>
-          <a:bodyPr lIns="91440" rIns="91440" tIns="45720" bIns="45720" anchor="ctr" vert="eaVert">
-            <a:noAutofit/>
-          </a:bodyPr>
-          <a:p>
-            <a:pPr indent="0" defTabSz="914400">
-              <a:lnSpc>
-                <a:spcPct val="90000"/>
-              </a:lnSpc>
-              <a:buNone/>
-              <a:tabLst>
-                <a:tab algn="l" pos="0"/>
-              </a:tabLst>
-            </a:pPr>
-            <a:r>
-              <a:rPr b="0" lang="pt-BR" sz="4400" strike="noStrike" u="none">
-                <a:solidFill>
-                  <a:schemeClr val="dk1"/>
-                </a:solidFill>
-                <a:effectLst/>
-                <a:uFillTx/>
-                <a:latin typeface="Aptos Display"/>
-              </a:rPr>
-              <a:t>Clique para editar o título mestre</a:t>
-            </a:r>
-            <a:endParaRPr b="0" lang="pt-BR" sz="4400" strike="noStrike" u="none">
-              <a:solidFill>
-                <a:srgbClr val="000000"/>
-              </a:solidFill>
-              <a:effectLst/>
-              <a:uFillTx/>
-              <a:latin typeface="Arial"/>
-            </a:endParaRPr>
-          </a:p>
-        </p:txBody>
-      </p:sp>
-      <p:sp>
-        <p:nvSpPr>
-          <p:cNvPr id="37" name="PlaceHolder 2"/>
-          <p:cNvSpPr>
-            <a:spLocks noGrp="1"/>
-          </p:cNvSpPr>
-          <p:nvPr>
-            <p:ph type="body"/>
-          </p:nvPr>
-        </p:nvSpPr>
-        <p:spPr>
-          <a:xfrm>
-            <a:off x="838080" y="365040"/>
-            <a:ext cx="7730280" cy="5807880"/>
-          </a:xfrm>
-          <a:prstGeom prst="rect">
-            <a:avLst/>
-          </a:prstGeom>
-          <a:noFill/>
-          <a:ln w="0">
-            <a:noFill/>
-          </a:ln>
-        </p:spPr>
-        <p:txBody>
-          <a:bodyPr lIns="91440" rIns="91440" tIns="45720" bIns="45720" anchor="t" vert="eaVert">
-            <a:noAutofit/>
-          </a:bodyPr>
-          <a:p>
-            <a:pPr marL="228600" indent="-228600" defTabSz="914400">
-              <a:lnSpc>
-                <a:spcPct val="90000"/>
-              </a:lnSpc>
-              <a:spcBef>
-                <a:spcPts val="1001"/>
-              </a:spcBef>
-              <a:buClr>
-                <a:srgbClr val="000000"/>
-              </a:buClr>
-              <a:buFont typeface="Arial"/>
-              <a:buChar char="•"/>
-            </a:pPr>
-            <a:r>
-              <a:rPr b="0" lang="pt-BR" sz="2800" strike="noStrike" u="none">
-                <a:solidFill>
-                  <a:schemeClr val="dk1"/>
-                </a:solidFill>
-                <a:effectLst/>
-                <a:uFillTx/>
-                <a:latin typeface="Aptos"/>
-              </a:rPr>
-              <a:t>Clique para editar o texto mestre</a:t>
-            </a:r>
-            <a:endParaRPr b="0" lang="pt-BR" sz="2800" strike="noStrike" u="none">
-              <a:solidFill>
-                <a:srgbClr val="000000"/>
-              </a:solidFill>
-              <a:effectLst/>
-              <a:uFillTx/>
-              <a:latin typeface="Arial"/>
-            </a:endParaRPr>
-          </a:p>
-          <a:p>
-            <a:pPr lvl="1" marL="685800" indent="-228600" defTabSz="914400">
-              <a:lnSpc>
-                <a:spcPct val="90000"/>
-              </a:lnSpc>
-              <a:spcBef>
-                <a:spcPts val="499"/>
-              </a:spcBef>
-              <a:buClr>
-                <a:srgbClr val="000000"/>
-              </a:buClr>
-              <a:buFont typeface="Arial"/>
-              <a:buChar char="•"/>
-            </a:pPr>
-            <a:r>
-              <a:rPr b="0" lang="pt-BR" sz="2400" strike="noStrike" u="none">
-                <a:solidFill>
-                  <a:schemeClr val="dk1"/>
-                </a:solidFill>
-                <a:effectLst/>
-                <a:uFillTx/>
-                <a:latin typeface="Aptos"/>
-              </a:rPr>
-              <a:t>Segundo nível</a:t>
-            </a:r>
-            <a:endParaRPr b="0" lang="pt-BR" sz="2400" strike="noStrike" u="none">
-              <a:solidFill>
-                <a:srgbClr val="000000"/>
-              </a:solidFill>
-              <a:effectLst/>
-              <a:uFillTx/>
-              <a:latin typeface="Arial"/>
-            </a:endParaRPr>
-          </a:p>
-          <a:p>
-            <a:pPr lvl="2" marL="1143000" indent="-228600" defTabSz="914400">
-              <a:lnSpc>
-                <a:spcPct val="90000"/>
-              </a:lnSpc>
-              <a:spcBef>
-                <a:spcPts val="499"/>
-              </a:spcBef>
-              <a:buClr>
-                <a:srgbClr val="000000"/>
-              </a:buClr>
-              <a:buFont typeface="Arial"/>
-              <a:buChar char="•"/>
-            </a:pPr>
-            <a:r>
-              <a:rPr b="0" lang="pt-BR" sz="2000" strike="noStrike" u="none">
-                <a:solidFill>
-                  <a:schemeClr val="dk1"/>
-                </a:solidFill>
-                <a:effectLst/>
-                <a:uFillTx/>
-                <a:latin typeface="Aptos"/>
-              </a:rPr>
-              <a:t>Terceiro nível</a:t>
-            </a:r>
-            <a:endParaRPr b="0" lang="pt-BR" sz="2000" strike="noStrike" u="none">
-              <a:solidFill>
-                <a:srgbClr val="000000"/>
-              </a:solidFill>
-              <a:effectLst/>
-              <a:uFillTx/>
-              <a:latin typeface="Arial"/>
-            </a:endParaRPr>
-          </a:p>
-          <a:p>
-            <a:pPr lvl="3" marL="1600200" indent="-228600" defTabSz="914400">
-              <a:lnSpc>
-                <a:spcPct val="90000"/>
-              </a:lnSpc>
-              <a:spcBef>
-                <a:spcPts val="499"/>
-              </a:spcBef>
-              <a:buClr>
-                <a:srgbClr val="000000"/>
-              </a:buClr>
-              <a:buFont typeface="Arial"/>
-              <a:buChar char="•"/>
-            </a:pPr>
-            <a:r>
-              <a:rPr b="0" lang="pt-BR" sz="1800" strike="noStrike" u="none">
-                <a:solidFill>
-                  <a:schemeClr val="dk1"/>
-                </a:solidFill>
-                <a:effectLst/>
-                <a:uFillTx/>
-                <a:latin typeface="Aptos"/>
-              </a:rPr>
-              <a:t>Quarto nível</a:t>
-            </a:r>
-            <a:endParaRPr b="0" lang="pt-BR" sz="1800" strike="noStrike" u="none">
-              <a:solidFill>
-                <a:srgbClr val="000000"/>
-              </a:solidFill>
-              <a:effectLst/>
-              <a:uFillTx/>
-              <a:latin typeface="Arial"/>
-            </a:endParaRPr>
-          </a:p>
-          <a:p>
-            <a:pPr lvl="4" marL="2057400" indent="-228600" defTabSz="914400">
-              <a:lnSpc>
-                <a:spcPct val="90000"/>
-              </a:lnSpc>
-              <a:spcBef>
-                <a:spcPts val="499"/>
-              </a:spcBef>
-              <a:buClr>
-                <a:srgbClr val="000000"/>
-              </a:buClr>
-              <a:buFont typeface="Arial"/>
-              <a:buChar char="•"/>
-            </a:pPr>
-            <a:r>
-              <a:rPr b="0" lang="pt-BR" sz="1800" strike="noStrike" u="none">
-                <a:solidFill>
-                  <a:schemeClr val="dk1"/>
-                </a:solidFill>
-                <a:effectLst/>
-                <a:uFillTx/>
-                <a:latin typeface="Aptos"/>
-              </a:rPr>
-              <a:t>Quinto nível</a:t>
-            </a:r>
-            <a:endParaRPr b="0" lang="pt-BR" sz="1800" strike="noStrike" u="none">
-              <a:solidFill>
-                <a:srgbClr val="000000"/>
-              </a:solidFill>
-              <a:effectLst/>
-              <a:uFillTx/>
-              <a:latin typeface="Arial"/>
-            </a:endParaRPr>
-          </a:p>
-        </p:txBody>
-      </p:sp>
-      <p:sp>
-        <p:nvSpPr>
-          <p:cNvPr id="38" name="PlaceHolder 3"/>
-          <p:cNvSpPr>
-            <a:spLocks noGrp="1"/>
-          </p:cNvSpPr>
-          <p:nvPr>
-            <p:ph type="dt" idx="22"/>
-          </p:nvPr>
-        </p:nvSpPr>
-        <p:spPr>
-          <a:xfrm>
-            <a:off x="838080" y="6356520"/>
-            <a:ext cx="2739240" cy="361080"/>
-          </a:xfrm>
-          <a:prstGeom prst="rect">
-            <a:avLst/>
-          </a:prstGeom>
-          <a:noFill/>
-          <a:ln w="0">
-            <a:noFill/>
-          </a:ln>
-        </p:spPr>
-        <p:txBody>
-          <a:bodyPr lIns="91440" rIns="91440" tIns="45720" bIns="45720" anchor="ctr">
-            <a:noAutofit/>
-          </a:bodyPr>
-          <a:lstStyle>
-            <a:lvl1pPr indent="0" defTabSz="914400">
-              <a:lnSpc>
-                <a:spcPct val="100000"/>
-              </a:lnSpc>
-              <a:buNone/>
-              <a:tabLst>
-                <a:tab algn="l" pos="0"/>
-              </a:tabLst>
-              <a:defRPr b="0" lang="de-DE" sz="1200" strike="noStrike" u="none">
-                <a:solidFill>
-                  <a:schemeClr val="dk1">
-                    <a:tint val="82000"/>
-                  </a:schemeClr>
-                </a:solidFill>
-                <a:effectLst/>
-                <a:uFillTx/>
-                <a:latin typeface="Aptos"/>
-              </a:defRPr>
-            </a:lvl1pPr>
-          </a:lstStyle>
-          <a:p>
-            <a:pPr indent="0" defTabSz="914400">
-              <a:lnSpc>
-                <a:spcPct val="100000"/>
-              </a:lnSpc>
-              <a:buNone/>
-              <a:tabLst>
-                <a:tab algn="l" pos="0"/>
-              </a:tabLst>
-            </a:pPr>
-            <a:r>
-              <a:rPr b="0" lang="de-DE" sz="1200" strike="noStrike" u="none">
-                <a:solidFill>
-                  <a:schemeClr val="dk1">
-                    <a:tint val="82000"/>
-                  </a:schemeClr>
-                </a:solidFill>
-                <a:effectLst/>
-                <a:uFillTx/>
-                <a:latin typeface="Aptos"/>
-              </a:rPr>
-              <a:t>&lt;data/hora&gt;</a:t>
-            </a:r>
-            <a:endParaRPr b="0" lang="pt-BR" sz="1200" strike="noStrike" u="none">
-              <a:solidFill>
-                <a:srgbClr val="000000"/>
-              </a:solidFill>
-              <a:effectLst/>
-              <a:uFillTx/>
-              <a:latin typeface="Times New Roman"/>
-            </a:endParaRPr>
-          </a:p>
-        </p:txBody>
-      </p:sp>
-      <p:sp>
-        <p:nvSpPr>
-          <p:cNvPr id="39" name="PlaceHolder 4"/>
-          <p:cNvSpPr>
-            <a:spLocks noGrp="1"/>
-          </p:cNvSpPr>
-          <p:nvPr>
-            <p:ph type="ftr" idx="23"/>
-          </p:nvPr>
-        </p:nvSpPr>
-        <p:spPr>
-          <a:xfrm>
-            <a:off x="4038480" y="6356520"/>
-            <a:ext cx="4110840" cy="361080"/>
-          </a:xfrm>
-          <a:prstGeom prst="rect">
-            <a:avLst/>
-          </a:prstGeom>
-          <a:noFill/>
-          <a:ln w="0">
-            <a:noFill/>
-          </a:ln>
-        </p:spPr>
-        <p:txBody>
-          <a:bodyPr lIns="91440" rIns="91440" tIns="45720" bIns="45720" anchor="ctr">
-            <a:noAutofit/>
-          </a:bodyPr>
-          <a:lstStyle>
-            <a:lvl1pPr indent="0" algn="ctr">
-              <a:lnSpc>
-                <a:spcPct val="100000"/>
-              </a:lnSpc>
-              <a:buNone/>
-              <a:tabLst>
-                <a:tab algn="l" pos="0"/>
-              </a:tabLst>
-              <a:defRPr b="0" lang="pt-BR" sz="1400" strike="noStrike" u="none">
-                <a:solidFill>
-                  <a:srgbClr val="000000"/>
-                </a:solidFill>
-                <a:effectLst/>
-                <a:uFillTx/>
-                <a:latin typeface="Times New Roman"/>
-              </a:defRPr>
-            </a:lvl1pPr>
-          </a:lstStyle>
-          <a:p>
-            <a:pPr indent="0" algn="ctr">
-              <a:lnSpc>
-                <a:spcPct val="100000"/>
-              </a:lnSpc>
-              <a:buNone/>
-              <a:tabLst>
-                <a:tab algn="l" pos="0"/>
-              </a:tabLst>
-            </a:pPr>
-            <a:r>
-              <a:rPr b="0" lang="pt-BR" sz="1400" strike="noStrike" u="none">
-                <a:solidFill>
-                  <a:srgbClr val="000000"/>
-                </a:solidFill>
-                <a:effectLst/>
-                <a:uFillTx/>
-                <a:latin typeface="Times New Roman"/>
-              </a:rPr>
-              <a:t>&lt;rodapé&gt;</a:t>
-            </a:r>
-            <a:endParaRPr b="0" lang="pt-BR" sz="1400" strike="noStrike" u="none">
-              <a:solidFill>
-                <a:srgbClr val="000000"/>
-              </a:solidFill>
-              <a:effectLst/>
-              <a:uFillTx/>
-              <a:latin typeface="Times New Roman"/>
-            </a:endParaRPr>
-          </a:p>
-        </p:txBody>
-      </p:sp>
-      <p:sp>
-        <p:nvSpPr>
-          <p:cNvPr id="40" name="PlaceHolder 5"/>
-          <p:cNvSpPr>
-            <a:spLocks noGrp="1"/>
-          </p:cNvSpPr>
-          <p:nvPr>
-            <p:ph type="sldNum" idx="24"/>
-          </p:nvPr>
-        </p:nvSpPr>
-        <p:spPr>
-          <a:xfrm>
-            <a:off x="8610480" y="6356520"/>
-            <a:ext cx="2739240" cy="361080"/>
-          </a:xfrm>
-          <a:prstGeom prst="rect">
-            <a:avLst/>
-          </a:prstGeom>
-          <a:noFill/>
-          <a:ln w="0">
-            <a:noFill/>
-          </a:ln>
-        </p:spPr>
-        <p:txBody>
-          <a:bodyPr lIns="91440" rIns="91440" tIns="45720" bIns="45720" anchor="ctr">
-            <a:noAutofit/>
-          </a:bodyPr>
-          <a:lstStyle>
-            <a:lvl1pPr indent="0" algn="r" defTabSz="914400">
-              <a:lnSpc>
-                <a:spcPct val="100000"/>
-              </a:lnSpc>
-              <a:buNone/>
-              <a:tabLst>
-                <a:tab algn="l" pos="0"/>
-              </a:tabLst>
-              <a:defRPr b="0" lang="de-DE" sz="1200" strike="noStrike" u="none">
-                <a:solidFill>
-                  <a:schemeClr val="dk1">
-                    <a:tint val="82000"/>
-                  </a:schemeClr>
-                </a:solidFill>
-                <a:effectLst/>
-                <a:uFillTx/>
-                <a:latin typeface="Aptos"/>
-              </a:defRPr>
-            </a:lvl1pPr>
-          </a:lstStyle>
-          <a:p>
-            <a:pPr indent="0" algn="r" defTabSz="914400">
-              <a:lnSpc>
-                <a:spcPct val="100000"/>
-              </a:lnSpc>
-              <a:buNone/>
-              <a:tabLst>
-                <a:tab algn="l" pos="0"/>
-              </a:tabLst>
-            </a:pPr>
-            <a:fld id="{143C791E-BD4C-4B23-B6AA-66237D6967F6}" type="slidenum">
-              <a:rPr b="0" lang="de-DE" sz="1200" strike="noStrike" u="none">
-                <a:solidFill>
-                  <a:schemeClr val="dk1">
-                    <a:tint val="82000"/>
-                  </a:schemeClr>
-                </a:solidFill>
-                <a:effectLst/>
-                <a:uFillTx/>
-                <a:latin typeface="Aptos"/>
-              </a:rPr>
-              <a:t>&lt;número&gt;</a:t>
-            </a:fld>
-            <a:endParaRPr b="0" lang="pt-BR" sz="1200" strike="noStrike" u="none">
-              <a:solidFill>
-                <a:srgbClr val="000000"/>
-              </a:solidFill>
-              <a:effectLst/>
-              <a:uFillTx/>
-              <a:latin typeface="Times New Roman"/>
-            </a:endParaRPr>
-          </a:p>
-        </p:txBody>
-      </p:sp>
-    </p:spTree>
-  </p:cSld>
-</p:sldLayout>
-</file>
-
-<file path=ppt/slideLayouts/slideLayout9.xml><?xml version="1.0" encoding="utf-8"?>
-<p:sldLayout xmlns:a="http://schemas.openxmlformats.org/drawingml/2006/main" xmlns:p="http://schemas.openxmlformats.org/presentationml/2006/main" xmlns:r="http://schemas.openxmlformats.org/officeDocument/2006/relationships" xmlns:p14="http://schemas.microsoft.com/office/powerpoint/2010/main" xmlns:p15="http://schemas.microsoft.com/office/powerpoint/2012/main" xmlns:mc="http://schemas.openxmlformats.org/markup-compatibility/2006" type="obj" preserve="1">
-  <p:cSld name="Título e conteúdo">
-    <p:bg>
-      <p:bgPr>
-        <a:solidFill>
-          <a:srgbClr val="ffffff"/>
-        </a:solidFill>
-      </p:bgPr>
-    </p:bg>
-    <p:spTree>
-      <p:nvGrpSpPr>
-        <p:cNvPr id="1" name=""/>
-        <p:cNvGrpSpPr/>
-        <p:nvPr/>
-      </p:nvGrpSpPr>
-      <p:grpSpPr>
-        <a:xfrm>
-          <a:off x="0" y="0"/>
-          <a:ext cx="0" cy="0"/>
-          <a:chOff x="0" y="0"/>
-          <a:chExt cx="0" cy="0"/>
-        </a:xfrm>
-      </p:grpSpPr>
-      <p:sp>
-        <p:nvSpPr>
-          <p:cNvPr id="41" name="PlaceHolder 1"/>
-          <p:cNvSpPr>
-            <a:spLocks noGrp="1"/>
-          </p:cNvSpPr>
-          <p:nvPr>
-            <p:ph type="title"/>
-          </p:nvPr>
-        </p:nvSpPr>
-        <p:spPr>
-          <a:xfrm>
-            <a:off x="838080" y="365040"/>
-            <a:ext cx="10511640" cy="1321560"/>
-          </a:xfrm>
-          <a:prstGeom prst="rect">
-            <a:avLst/>
-          </a:prstGeom>
-          <a:noFill/>
-          <a:ln w="0">
-            <a:noFill/>
-          </a:ln>
-        </p:spPr>
-        <p:txBody>
-          <a:bodyPr lIns="91440" rIns="91440" tIns="45720" bIns="45720" anchor="ctr">
-            <a:noAutofit/>
-          </a:bodyPr>
-          <a:p>
-            <a:pPr indent="0" defTabSz="914400">
-              <a:lnSpc>
-                <a:spcPct val="90000"/>
-              </a:lnSpc>
-              <a:buNone/>
-              <a:tabLst>
-                <a:tab algn="l" pos="0"/>
-              </a:tabLst>
-            </a:pPr>
-            <a:r>
-              <a:rPr b="0" lang="pt-BR" sz="4400" strike="noStrike" u="none">
-                <a:solidFill>
-                  <a:schemeClr val="dk1"/>
-                </a:solidFill>
-                <a:effectLst/>
-                <a:uFillTx/>
-                <a:latin typeface="Aptos Display"/>
-              </a:rPr>
-              <a:t>Clique para editar o título mestre</a:t>
-            </a:r>
-            <a:endParaRPr b="0" lang="pt-BR" sz="4400" strike="noStrike" u="none">
-              <a:solidFill>
-                <a:srgbClr val="000000"/>
-              </a:solidFill>
-              <a:effectLst/>
-              <a:uFillTx/>
-              <a:latin typeface="Arial"/>
-            </a:endParaRPr>
-          </a:p>
-        </p:txBody>
-      </p:sp>
-      <p:sp>
-        <p:nvSpPr>
-          <p:cNvPr id="42" name="PlaceHolder 2"/>
-          <p:cNvSpPr>
-            <a:spLocks noGrp="1"/>
-          </p:cNvSpPr>
-          <p:nvPr>
-            <p:ph type="body"/>
-          </p:nvPr>
-        </p:nvSpPr>
-        <p:spPr>
-          <a:xfrm>
-            <a:off x="838080" y="1825560"/>
-            <a:ext cx="10511640" cy="4347360"/>
-          </a:xfrm>
-          <a:prstGeom prst="rect">
-            <a:avLst/>
-          </a:prstGeom>
-          <a:noFill/>
-          <a:ln w="0">
-            <a:noFill/>
-          </a:ln>
-        </p:spPr>
-        <p:txBody>
-          <a:bodyPr lIns="91440" rIns="91440" tIns="45720" bIns="45720" anchor="t">
-            <a:noAutofit/>
-          </a:bodyPr>
-          <a:p>
-            <a:pPr marL="228600" indent="-228600" defTabSz="914400">
-              <a:lnSpc>
-                <a:spcPct val="90000"/>
-              </a:lnSpc>
-              <a:spcBef>
-                <a:spcPts val="1001"/>
-              </a:spcBef>
-              <a:buClr>
-                <a:srgbClr val="000000"/>
-              </a:buClr>
-              <a:buFont typeface="Arial"/>
-              <a:buChar char="•"/>
-            </a:pPr>
-            <a:r>
-              <a:rPr b="0" lang="pt-BR" sz="2800" strike="noStrike" u="none">
-                <a:solidFill>
-                  <a:schemeClr val="dk1"/>
-                </a:solidFill>
-                <a:effectLst/>
-                <a:uFillTx/>
-                <a:latin typeface="Aptos"/>
-              </a:rPr>
-              <a:t>Clique para editar o texto mestre</a:t>
-            </a:r>
-            <a:endParaRPr b="0" lang="pt-BR" sz="2800" strike="noStrike" u="none">
-              <a:solidFill>
-                <a:srgbClr val="000000"/>
-              </a:solidFill>
-              <a:effectLst/>
-              <a:uFillTx/>
-              <a:latin typeface="Arial"/>
-            </a:endParaRPr>
-          </a:p>
-          <a:p>
-            <a:pPr lvl="1" marL="685800" indent="-228600" defTabSz="914400">
-              <a:lnSpc>
-                <a:spcPct val="90000"/>
-              </a:lnSpc>
-              <a:spcBef>
-                <a:spcPts val="499"/>
-              </a:spcBef>
-              <a:buClr>
-                <a:srgbClr val="000000"/>
-              </a:buClr>
-              <a:buFont typeface="Arial"/>
-              <a:buChar char="•"/>
-            </a:pPr>
-            <a:r>
-              <a:rPr b="0" lang="pt-BR" sz="2400" strike="noStrike" u="none">
-                <a:solidFill>
-                  <a:schemeClr val="dk1"/>
-                </a:solidFill>
-                <a:effectLst/>
-                <a:uFillTx/>
-                <a:latin typeface="Aptos"/>
-              </a:rPr>
-              <a:t>Segundo nível</a:t>
-            </a:r>
-            <a:endParaRPr b="0" lang="pt-BR" sz="2400" strike="noStrike" u="none">
-              <a:solidFill>
-                <a:srgbClr val="000000"/>
-              </a:solidFill>
-              <a:effectLst/>
-              <a:uFillTx/>
-              <a:latin typeface="Arial"/>
-            </a:endParaRPr>
-          </a:p>
-          <a:p>
-            <a:pPr lvl="2" marL="1143000" indent="-228600" defTabSz="914400">
-              <a:lnSpc>
-                <a:spcPct val="90000"/>
-              </a:lnSpc>
-              <a:spcBef>
-                <a:spcPts val="499"/>
-              </a:spcBef>
-              <a:buClr>
-                <a:srgbClr val="000000"/>
-              </a:buClr>
-              <a:buFont typeface="Arial"/>
-              <a:buChar char="•"/>
-            </a:pPr>
-            <a:r>
-              <a:rPr b="0" lang="pt-BR" sz="2000" strike="noStrike" u="none">
-                <a:solidFill>
-                  <a:schemeClr val="dk1"/>
-                </a:solidFill>
-                <a:effectLst/>
-                <a:uFillTx/>
-                <a:latin typeface="Aptos"/>
-              </a:rPr>
-              <a:t>Terceiro nível</a:t>
-            </a:r>
-            <a:endParaRPr b="0" lang="pt-BR" sz="2000" strike="noStrike" u="none">
-              <a:solidFill>
-                <a:srgbClr val="000000"/>
-              </a:solidFill>
-              <a:effectLst/>
-              <a:uFillTx/>
-              <a:latin typeface="Arial"/>
-            </a:endParaRPr>
-          </a:p>
-          <a:p>
-            <a:pPr lvl="3" marL="1600200" indent="-228600" defTabSz="914400">
-              <a:lnSpc>
-                <a:spcPct val="90000"/>
-              </a:lnSpc>
-              <a:spcBef>
-                <a:spcPts val="499"/>
-              </a:spcBef>
-              <a:buClr>
-                <a:srgbClr val="000000"/>
-              </a:buClr>
-              <a:buFont typeface="Arial"/>
-              <a:buChar char="•"/>
-            </a:pPr>
-            <a:r>
-              <a:rPr b="0" lang="pt-BR" sz="1800" strike="noStrike" u="none">
-                <a:solidFill>
-                  <a:schemeClr val="dk1"/>
-                </a:solidFill>
-                <a:effectLst/>
-                <a:uFillTx/>
-                <a:latin typeface="Aptos"/>
-              </a:rPr>
-              <a:t>Quarto nível</a:t>
-            </a:r>
-            <a:endParaRPr b="0" lang="pt-BR" sz="1800" strike="noStrike" u="none">
-              <a:solidFill>
-                <a:srgbClr val="000000"/>
-              </a:solidFill>
-              <a:effectLst/>
-              <a:uFillTx/>
-              <a:latin typeface="Arial"/>
-            </a:endParaRPr>
-          </a:p>
-          <a:p>
-            <a:pPr lvl="4" marL="2057400" indent="-228600" defTabSz="914400">
-              <a:lnSpc>
-                <a:spcPct val="90000"/>
-              </a:lnSpc>
-              <a:spcBef>
-                <a:spcPts val="499"/>
-              </a:spcBef>
-              <a:buClr>
-                <a:srgbClr val="000000"/>
-              </a:buClr>
-              <a:buFont typeface="Arial"/>
-              <a:buChar char="•"/>
-            </a:pPr>
-            <a:r>
-              <a:rPr b="0" lang="pt-BR" sz="1800" strike="noStrike" u="none">
-                <a:solidFill>
-                  <a:schemeClr val="dk1"/>
-                </a:solidFill>
-                <a:effectLst/>
-                <a:uFillTx/>
-                <a:latin typeface="Aptos"/>
-              </a:rPr>
-              <a:t>Quinto nível</a:t>
-            </a:r>
-            <a:endParaRPr b="0" lang="pt-BR" sz="1800" strike="noStrike" u="none">
-              <a:solidFill>
-                <a:srgbClr val="000000"/>
-              </a:solidFill>
-              <a:effectLst/>
-              <a:uFillTx/>
-              <a:latin typeface="Arial"/>
-            </a:endParaRPr>
-          </a:p>
-        </p:txBody>
-      </p:sp>
-      <p:sp>
-        <p:nvSpPr>
-          <p:cNvPr id="43" name="PlaceHolder 3"/>
-          <p:cNvSpPr>
-            <a:spLocks noGrp="1"/>
-          </p:cNvSpPr>
-          <p:nvPr>
-            <p:ph type="dt" idx="25"/>
-          </p:nvPr>
-        </p:nvSpPr>
-        <p:spPr>
-          <a:xfrm>
-            <a:off x="838080" y="6356520"/>
-            <a:ext cx="2739240" cy="361080"/>
-          </a:xfrm>
-          <a:prstGeom prst="rect">
-            <a:avLst/>
-          </a:prstGeom>
-          <a:noFill/>
-          <a:ln w="0">
-            <a:noFill/>
-          </a:ln>
-        </p:spPr>
-        <p:txBody>
-          <a:bodyPr lIns="91440" rIns="91440" tIns="45720" bIns="45720" anchor="ctr">
-            <a:noAutofit/>
-          </a:bodyPr>
-          <a:lstStyle>
-            <a:lvl1pPr indent="0" defTabSz="914400">
-              <a:lnSpc>
-                <a:spcPct val="100000"/>
-              </a:lnSpc>
-              <a:buNone/>
-              <a:tabLst>
-                <a:tab algn="l" pos="0"/>
-              </a:tabLst>
-              <a:defRPr b="0" lang="de-DE" sz="1200" strike="noStrike" u="none">
-                <a:solidFill>
-                  <a:schemeClr val="dk1">
-                    <a:tint val="82000"/>
-                  </a:schemeClr>
-                </a:solidFill>
-                <a:effectLst/>
-                <a:uFillTx/>
-                <a:latin typeface="Aptos"/>
-              </a:defRPr>
-            </a:lvl1pPr>
-          </a:lstStyle>
-          <a:p>
-            <a:pPr indent="0" defTabSz="914400">
-              <a:lnSpc>
-                <a:spcPct val="100000"/>
-              </a:lnSpc>
-              <a:buNone/>
-              <a:tabLst>
-                <a:tab algn="l" pos="0"/>
-              </a:tabLst>
-            </a:pPr>
-            <a:r>
-              <a:rPr b="0" lang="de-DE" sz="1200" strike="noStrike" u="none">
-                <a:solidFill>
-                  <a:schemeClr val="dk1">
-                    <a:tint val="82000"/>
-                  </a:schemeClr>
-                </a:solidFill>
-                <a:effectLst/>
-                <a:uFillTx/>
-                <a:latin typeface="Aptos"/>
-              </a:rPr>
-              <a:t>&lt;data/hora&gt;</a:t>
-            </a:r>
-            <a:endParaRPr b="0" lang="pt-BR" sz="1200" strike="noStrike" u="none">
-              <a:solidFill>
-                <a:srgbClr val="000000"/>
-              </a:solidFill>
-              <a:effectLst/>
-              <a:uFillTx/>
-              <a:latin typeface="Times New Roman"/>
-            </a:endParaRPr>
-          </a:p>
-        </p:txBody>
-      </p:sp>
-      <p:sp>
-        <p:nvSpPr>
-          <p:cNvPr id="44" name="PlaceHolder 4"/>
-          <p:cNvSpPr>
-            <a:spLocks noGrp="1"/>
-          </p:cNvSpPr>
-          <p:nvPr>
-            <p:ph type="ftr" idx="26"/>
-          </p:nvPr>
-        </p:nvSpPr>
-        <p:spPr>
-          <a:xfrm>
-            <a:off x="4038480" y="6356520"/>
-            <a:ext cx="4110840" cy="361080"/>
-          </a:xfrm>
-          <a:prstGeom prst="rect">
-            <a:avLst/>
-          </a:prstGeom>
-          <a:noFill/>
-          <a:ln w="0">
-            <a:noFill/>
-          </a:ln>
-        </p:spPr>
-        <p:txBody>
-          <a:bodyPr lIns="91440" rIns="91440" tIns="45720" bIns="45720" anchor="ctr">
-            <a:noAutofit/>
-          </a:bodyPr>
-          <a:lstStyle>
-            <a:lvl1pPr indent="0" algn="ctr">
-              <a:lnSpc>
-                <a:spcPct val="100000"/>
-              </a:lnSpc>
-              <a:buNone/>
-              <a:tabLst>
-                <a:tab algn="l" pos="0"/>
-              </a:tabLst>
-              <a:defRPr b="0" lang="pt-BR" sz="1400" strike="noStrike" u="none">
-                <a:solidFill>
-                  <a:srgbClr val="000000"/>
-                </a:solidFill>
-                <a:effectLst/>
-                <a:uFillTx/>
-                <a:latin typeface="Times New Roman"/>
-              </a:defRPr>
-            </a:lvl1pPr>
-          </a:lstStyle>
-          <a:p>
-            <a:pPr indent="0" algn="ctr">
-              <a:lnSpc>
-                <a:spcPct val="100000"/>
-              </a:lnSpc>
-              <a:buNone/>
-              <a:tabLst>
-                <a:tab algn="l" pos="0"/>
-              </a:tabLst>
-            </a:pPr>
-            <a:r>
-              <a:rPr b="0" lang="pt-BR" sz="1400" strike="noStrike" u="none">
-                <a:solidFill>
-                  <a:srgbClr val="000000"/>
-                </a:solidFill>
-                <a:effectLst/>
-                <a:uFillTx/>
-                <a:latin typeface="Times New Roman"/>
-              </a:rPr>
-              <a:t>&lt;rodapé&gt;</a:t>
-            </a:r>
-            <a:endParaRPr b="0" lang="pt-BR" sz="1400" strike="noStrike" u="none">
-              <a:solidFill>
-                <a:srgbClr val="000000"/>
-              </a:solidFill>
-              <a:effectLst/>
-              <a:uFillTx/>
-              <a:latin typeface="Times New Roman"/>
-            </a:endParaRPr>
-          </a:p>
-        </p:txBody>
-      </p:sp>
-      <p:sp>
-        <p:nvSpPr>
-          <p:cNvPr id="45" name="PlaceHolder 5"/>
-          <p:cNvSpPr>
-            <a:spLocks noGrp="1"/>
-          </p:cNvSpPr>
-          <p:nvPr>
-            <p:ph type="sldNum" idx="27"/>
-          </p:nvPr>
-        </p:nvSpPr>
-        <p:spPr>
-          <a:xfrm>
-            <a:off x="8610480" y="6356520"/>
-            <a:ext cx="2739240" cy="361080"/>
-          </a:xfrm>
-          <a:prstGeom prst="rect">
-            <a:avLst/>
-          </a:prstGeom>
-          <a:noFill/>
-          <a:ln w="0">
-            <a:noFill/>
-          </a:ln>
-        </p:spPr>
-        <p:txBody>
-          <a:bodyPr lIns="91440" rIns="91440" tIns="45720" bIns="45720" anchor="ctr">
-            <a:noAutofit/>
-          </a:bodyPr>
-          <a:lstStyle>
-            <a:lvl1pPr indent="0" algn="r" defTabSz="914400">
-              <a:lnSpc>
-                <a:spcPct val="100000"/>
-              </a:lnSpc>
-              <a:buNone/>
-              <a:tabLst>
-                <a:tab algn="l" pos="0"/>
-              </a:tabLst>
-              <a:defRPr b="0" lang="de-DE" sz="1200" strike="noStrike" u="none">
-                <a:solidFill>
-                  <a:schemeClr val="dk1">
-                    <a:tint val="82000"/>
-                  </a:schemeClr>
-                </a:solidFill>
-                <a:effectLst/>
-                <a:uFillTx/>
-                <a:latin typeface="Aptos"/>
-              </a:defRPr>
-            </a:lvl1pPr>
-          </a:lstStyle>
-          <a:p>
-            <a:pPr indent="0" algn="r" defTabSz="914400">
-              <a:lnSpc>
-                <a:spcPct val="100000"/>
-              </a:lnSpc>
-              <a:buNone/>
-              <a:tabLst>
-                <a:tab algn="l" pos="0"/>
-              </a:tabLst>
-            </a:pPr>
-            <a:fld id="{13F4FEAE-3212-418F-9244-9B84468DA287}" type="slidenum">
-              <a:rPr b="0" lang="de-DE" sz="1200" strike="noStrike" u="none">
-                <a:solidFill>
-                  <a:schemeClr val="dk1">
-                    <a:tint val="82000"/>
-                  </a:schemeClr>
-                </a:solidFill>
-                <a:effectLst/>
-                <a:uFillTx/>
-                <a:latin typeface="Aptos"/>
-              </a:rPr>
-              <a:t>&lt;número&gt;</a:t>
-            </a:fld>
-            <a:endParaRPr b="0" lang="pt-BR" sz="1200" strike="noStrike" u="none">
-              <a:solidFill>
-                <a:srgbClr val="000000"/>
-              </a:solidFill>
-              <a:effectLst/>
-              <a:uFillTx/>
-              <a:latin typeface="Times New Roman"/>
             </a:endParaRPr>
           </a:p>
         </p:txBody>
@@ -7050,7 +7050,7 @@
         <p:spPr>
           <a:xfrm>
             <a:off x="1523880" y="1122480"/>
-            <a:ext cx="9140040" cy="1469160"/>
+            <a:ext cx="9139680" cy="1468800"/>
           </a:xfrm>
           <a:prstGeom prst="rect">
             <a:avLst/>
@@ -7120,7 +7120,7 @@
         <p:spPr>
           <a:xfrm>
             <a:off x="1523880" y="3602160"/>
-            <a:ext cx="9140040" cy="563400"/>
+            <a:ext cx="9139680" cy="563040"/>
           </a:xfrm>
           <a:prstGeom prst="rect">
             <a:avLst/>
@@ -7182,7 +7182,7 @@
         <p:spPr>
           <a:xfrm>
             <a:off x="11160000" y="150840"/>
-            <a:ext cx="910440" cy="205560"/>
+            <a:ext cx="910080" cy="205200"/>
           </a:xfrm>
           <a:prstGeom prst="rect">
             <a:avLst/>
@@ -7232,7 +7232,7 @@
         <p:spPr>
           <a:xfrm>
             <a:off x="588960" y="292680"/>
-            <a:ext cx="1981800" cy="397080"/>
+            <a:ext cx="1981800" cy="397440"/>
           </a:xfrm>
           <a:prstGeom prst="rect">
             <a:avLst/>
@@ -7293,7 +7293,7 @@
         <p:spPr>
           <a:xfrm>
             <a:off x="11151720" y="120600"/>
-            <a:ext cx="910440" cy="205560"/>
+            <a:ext cx="910080" cy="205200"/>
           </a:xfrm>
           <a:prstGeom prst="rect">
             <a:avLst/>
@@ -7317,7 +7317,7 @@
         <p:spPr>
           <a:xfrm>
             <a:off x="42480" y="689040"/>
-            <a:ext cx="12189960" cy="5511600"/>
+            <a:ext cx="12189600" cy="5511240"/>
           </a:xfrm>
           <a:prstGeom prst="rect">
             <a:avLst/>
@@ -7367,7 +7367,7 @@
         <p:spPr>
           <a:xfrm>
             <a:off x="588960" y="292680"/>
-            <a:ext cx="1981800" cy="397440"/>
+            <a:ext cx="1981800" cy="397800"/>
           </a:xfrm>
           <a:prstGeom prst="rect">
             <a:avLst/>
@@ -7428,7 +7428,7 @@
         <p:spPr>
           <a:xfrm>
             <a:off x="11151720" y="120600"/>
-            <a:ext cx="910440" cy="205560"/>
+            <a:ext cx="910080" cy="205200"/>
           </a:xfrm>
           <a:prstGeom prst="rect">
             <a:avLst/>
@@ -7452,7 +7452,7 @@
         <p:spPr>
           <a:xfrm>
             <a:off x="42480" y="673560"/>
-            <a:ext cx="12189600" cy="5542560"/>
+            <a:ext cx="12189240" cy="5542200"/>
           </a:xfrm>
           <a:prstGeom prst="rect">
             <a:avLst/>
@@ -7502,7 +7502,7 @@
         <p:spPr>
           <a:xfrm>
             <a:off x="588960" y="292680"/>
-            <a:ext cx="1981800" cy="396720"/>
+            <a:ext cx="1981800" cy="397080"/>
           </a:xfrm>
           <a:prstGeom prst="rect">
             <a:avLst/>
@@ -7563,7 +7563,7 @@
         <p:spPr>
           <a:xfrm>
             <a:off x="11151720" y="120600"/>
-            <a:ext cx="910440" cy="205560"/>
+            <a:ext cx="910080" cy="205200"/>
           </a:xfrm>
           <a:prstGeom prst="rect">
             <a:avLst/>
@@ -7587,7 +7587,7 @@
         <p:spPr>
           <a:xfrm>
             <a:off x="-50400" y="900000"/>
-            <a:ext cx="12190320" cy="5533920"/>
+            <a:ext cx="12189960" cy="5533560"/>
           </a:xfrm>
           <a:prstGeom prst="rect">
             <a:avLst/>
@@ -7640,8 +7640,8 @@
         </p:nvSpPr>
         <p:spPr>
           <a:xfrm>
-            <a:off x="36360" y="-3600"/>
-            <a:ext cx="9500040" cy="590760"/>
+            <a:off x="36360" y="-3960"/>
+            <a:ext cx="9499680" cy="591120"/>
           </a:xfrm>
           <a:prstGeom prst="rect">
             <a:avLst/>
@@ -7696,7 +7696,7 @@
         <p:spPr>
           <a:xfrm>
             <a:off x="180000" y="720000"/>
-            <a:ext cx="12061440" cy="1629720"/>
+            <a:ext cx="12061440" cy="1630080"/>
           </a:xfrm>
           <a:prstGeom prst="rect">
             <a:avLst/>
@@ -8264,7 +8264,7 @@
         <p:spPr>
           <a:xfrm>
             <a:off x="11160000" y="150840"/>
-            <a:ext cx="910440" cy="205560"/>
+            <a:ext cx="910080" cy="205200"/>
           </a:xfrm>
           <a:prstGeom prst="rect">
             <a:avLst/>
@@ -8317,8 +8317,8 @@
         </p:blipFill>
         <p:spPr>
           <a:xfrm>
-            <a:off x="2701800" y="1593360"/>
-            <a:ext cx="6869520" cy="3074760"/>
+            <a:off x="2520000" y="2505600"/>
+            <a:ext cx="6869160" cy="3074400"/>
           </a:xfrm>
           <a:prstGeom prst="rect">
             <a:avLst/>
@@ -8342,7 +8342,7 @@
         <p:spPr>
           <a:xfrm>
             <a:off x="11160000" y="150840"/>
-            <a:ext cx="910440" cy="205560"/>
+            <a:ext cx="910080" cy="205200"/>
           </a:xfrm>
           <a:prstGeom prst="rect">
             <a:avLst/>
@@ -8361,8 +8361,8 @@
         </p:nvSpPr>
         <p:spPr>
           <a:xfrm>
-            <a:off x="0" y="540000"/>
-            <a:ext cx="12193560" cy="970920"/>
+            <a:off x="180000" y="1080000"/>
+            <a:ext cx="11253960" cy="1142280"/>
           </a:xfrm>
           <a:prstGeom prst="rect">
             <a:avLst/>
@@ -8400,7 +8400,7 @@
                 <a:uFillTx/>
                 <a:latin typeface="Calibri"/>
               </a:rPr>
-              <a:t>Esses números indicam que apenas 0,1% dos mainframes IBM Z sofreram downtime devido a brechas de segurança, </a:t>
+              <a:t>Esses números indicam que apenas 0,1% dos mainframes IBM Z sofreram downtime devido a brechas de </a:t>
             </a:r>
             <a:endParaRPr b="0" lang="pt-BR" sz="2000" strike="noStrike" u="none">
               <a:solidFill>
@@ -8429,7 +8429,7 @@
                 <a:uFillTx/>
                 <a:latin typeface="Calibri"/>
               </a:rPr>
-              <a:t>enquanto 2% dos servidores Windows/Linux reportaram hacks bem-sucedidos. </a:t>
+              <a:t>segurança, enquanto 2% dos servidores Windows/Linux reportaram hacks bem-sucedidos. </a:t>
             </a:r>
             <a:endParaRPr b="0" lang="pt-BR" sz="2000" strike="noStrike" u="none">
               <a:solidFill>
@@ -8479,8 +8479,8 @@
         </p:nvSpPr>
         <p:spPr>
           <a:xfrm>
-            <a:off x="36720" y="281520"/>
-            <a:ext cx="9500040" cy="590760"/>
+            <a:off x="36720" y="423720"/>
+            <a:ext cx="9499680" cy="591120"/>
           </a:xfrm>
           <a:prstGeom prst="rect">
             <a:avLst/>
@@ -8570,7 +8570,7 @@
         <p:spPr>
           <a:xfrm>
             <a:off x="0" y="13320"/>
-            <a:ext cx="3443400" cy="350280"/>
+            <a:ext cx="3443040" cy="350640"/>
           </a:xfrm>
           <a:prstGeom prst="rect">
             <a:avLst/>
@@ -8631,7 +8631,7 @@
         <p:spPr>
           <a:xfrm>
             <a:off x="11160000" y="150840"/>
-            <a:ext cx="910440" cy="205560"/>
+            <a:ext cx="910080" cy="205200"/>
           </a:xfrm>
           <a:prstGeom prst="rect">
             <a:avLst/>
@@ -8651,7 +8651,7 @@
         <p:spPr>
           <a:xfrm>
             <a:off x="0" y="720000"/>
-            <a:ext cx="11424600" cy="861840"/>
+            <a:ext cx="11424600" cy="862200"/>
           </a:xfrm>
           <a:prstGeom prst="rect">
             <a:avLst/>
@@ -8793,7 +8793,7 @@
         <p:spPr>
           <a:xfrm>
             <a:off x="180000" y="1080000"/>
-            <a:ext cx="11876400" cy="1885680"/>
+            <a:ext cx="11876040" cy="1886040"/>
           </a:xfrm>
           <a:prstGeom prst="rect">
             <a:avLst/>
@@ -9002,7 +9002,7 @@
         <p:spPr>
           <a:xfrm>
             <a:off x="588960" y="292680"/>
-            <a:ext cx="1237680" cy="430920"/>
+            <a:ext cx="1237680" cy="431280"/>
           </a:xfrm>
           <a:prstGeom prst="rect">
             <a:avLst/>
@@ -9063,7 +9063,7 @@
         <p:spPr>
           <a:xfrm>
             <a:off x="11151720" y="120600"/>
-            <a:ext cx="910440" cy="205560"/>
+            <a:ext cx="910080" cy="205200"/>
           </a:xfrm>
           <a:prstGeom prst="rect">
             <a:avLst/>
@@ -9113,7 +9113,7 @@
         <p:spPr>
           <a:xfrm>
             <a:off x="588960" y="292680"/>
-            <a:ext cx="2299680" cy="458640"/>
+            <a:ext cx="2299680" cy="459000"/>
           </a:xfrm>
           <a:prstGeom prst="rect">
             <a:avLst/>
@@ -9174,7 +9174,7 @@
         <p:spPr>
           <a:xfrm>
             <a:off x="11151720" y="120600"/>
-            <a:ext cx="910440" cy="205560"/>
+            <a:ext cx="910080" cy="205200"/>
           </a:xfrm>
           <a:prstGeom prst="rect">
             <a:avLst/>
@@ -9194,7 +9194,7 @@
         <p:spPr>
           <a:xfrm>
             <a:off x="0" y="1080000"/>
-            <a:ext cx="11195640" cy="1629360"/>
+            <a:ext cx="11195640" cy="1629720"/>
           </a:xfrm>
           <a:prstGeom prst="rect">
             <a:avLst/>
@@ -9411,7 +9411,7 @@
         <p:spPr>
           <a:xfrm>
             <a:off x="588960" y="292680"/>
-            <a:ext cx="1702440" cy="458640"/>
+            <a:ext cx="1702440" cy="459000"/>
           </a:xfrm>
           <a:prstGeom prst="rect">
             <a:avLst/>
@@ -9472,7 +9472,7 @@
         <p:spPr>
           <a:xfrm>
             <a:off x="11151720" y="120600"/>
-            <a:ext cx="910440" cy="205560"/>
+            <a:ext cx="910080" cy="205200"/>
           </a:xfrm>
           <a:prstGeom prst="rect">
             <a:avLst/>
@@ -9496,7 +9496,7 @@
         <p:spPr>
           <a:xfrm>
             <a:off x="2259720" y="1247400"/>
-            <a:ext cx="7756560" cy="4395960"/>
+            <a:ext cx="7756200" cy="4395600"/>
           </a:xfrm>
           <a:prstGeom prst="rect">
             <a:avLst/>
@@ -9546,7 +9546,7 @@
         <p:spPr>
           <a:xfrm>
             <a:off x="588960" y="292680"/>
-            <a:ext cx="2104560" cy="458640"/>
+            <a:ext cx="2104560" cy="459000"/>
           </a:xfrm>
           <a:prstGeom prst="rect">
             <a:avLst/>
@@ -9607,7 +9607,7 @@
         <p:spPr>
           <a:xfrm>
             <a:off x="11151720" y="120600"/>
-            <a:ext cx="910440" cy="205560"/>
+            <a:ext cx="910080" cy="205200"/>
           </a:xfrm>
           <a:prstGeom prst="rect">
             <a:avLst/>
@@ -9631,7 +9631,7 @@
         <p:spPr>
           <a:xfrm>
             <a:off x="2354760" y="1723680"/>
-            <a:ext cx="7566120" cy="3443400"/>
+            <a:ext cx="7565760" cy="3443040"/>
           </a:xfrm>
           <a:prstGeom prst="rect">
             <a:avLst/>
@@ -9655,7 +9655,7 @@
         <p:spPr>
           <a:xfrm>
             <a:off x="4336920" y="2397600"/>
-            <a:ext cx="359640" cy="439560"/>
+            <a:ext cx="359280" cy="439200"/>
           </a:xfrm>
           <a:prstGeom prst="rect">
             <a:avLst/>
@@ -9679,7 +9679,7 @@
         <p:spPr>
           <a:xfrm>
             <a:off x="7200000" y="2440080"/>
-            <a:ext cx="359640" cy="439560"/>
+            <a:ext cx="359280" cy="439200"/>
           </a:xfrm>
           <a:prstGeom prst="rect">
             <a:avLst/>
@@ -9703,7 +9703,7 @@
         <p:spPr>
           <a:xfrm>
             <a:off x="5934600" y="4368240"/>
-            <a:ext cx="365040" cy="311400"/>
+            <a:ext cx="364680" cy="311040"/>
           </a:xfrm>
           <a:prstGeom prst="rect">
             <a:avLst/>
@@ -9753,7 +9753,7 @@
         <p:spPr>
           <a:xfrm>
             <a:off x="588960" y="292680"/>
-            <a:ext cx="1981800" cy="397080"/>
+            <a:ext cx="1981800" cy="397440"/>
           </a:xfrm>
           <a:prstGeom prst="rect">
             <a:avLst/>
@@ -9814,7 +9814,7 @@
         <p:spPr>
           <a:xfrm>
             <a:off x="11151720" y="120600"/>
-            <a:ext cx="910440" cy="205560"/>
+            <a:ext cx="910080" cy="205200"/>
           </a:xfrm>
           <a:prstGeom prst="rect">
             <a:avLst/>
@@ -9838,7 +9838,7 @@
         <p:spPr>
           <a:xfrm>
             <a:off x="42480" y="675720"/>
-            <a:ext cx="12190680" cy="5538960"/>
+            <a:ext cx="12190320" cy="5538600"/>
           </a:xfrm>
           <a:prstGeom prst="rect">
             <a:avLst/>
